--- a/Game 330 Unity/Unity Tutorial/Scriptable Object Tutorial.pptx
+++ b/Game 330 Unity/Unity Tutorial/Scriptable Object Tutorial.pptx
@@ -5,24 +5,27 @@
     <p:sldMasterId id="2147483648" r:id="rId4"/>
   </p:sldMasterIdLst>
   <p:notesMasterIdLst>
-    <p:notesMasterId r:id="rId12"/>
+    <p:notesMasterId r:id="rId15"/>
   </p:notesMasterIdLst>
   <p:handoutMasterIdLst>
-    <p:handoutMasterId r:id="rId13"/>
+    <p:handoutMasterId r:id="rId16"/>
   </p:handoutMasterIdLst>
   <p:sldIdLst>
     <p:sldId id="323" r:id="rId5"/>
     <p:sldId id="325" r:id="rId6"/>
     <p:sldId id="326" r:id="rId7"/>
     <p:sldId id="327" r:id="rId8"/>
-    <p:sldId id="330" r:id="rId9"/>
-    <p:sldId id="328" r:id="rId10"/>
-    <p:sldId id="329" r:id="rId11"/>
+    <p:sldId id="328" r:id="rId9"/>
+    <p:sldId id="329" r:id="rId10"/>
+    <p:sldId id="332" r:id="rId11"/>
+    <p:sldId id="331" r:id="rId12"/>
+    <p:sldId id="330" r:id="rId13"/>
+    <p:sldId id="333" r:id="rId14"/>
   </p:sldIdLst>
   <p:sldSz cx="12188825" cy="6858000"/>
   <p:notesSz cx="6858000" cy="9144000"/>
   <p:custDataLst>
-    <p:tags r:id="rId14"/>
+    <p:tags r:id="rId17"/>
   </p:custDataLst>
   <p:defaultTextStyle>
     <a:defPPr>
@@ -223,7 +226,7 @@
           <a:p>
             <a:fld id="{59088EAF-6ECA-4616-85EF-35AA19C641F3}" type="datetimeFigureOut">
               <a:rPr lang="en-US"/>
-              <a:t>9/12/2023</a:t>
+              <a:t>9/24/2023</a:t>
             </a:fld>
             <a:endParaRPr/>
           </a:p>
@@ -388,7 +391,7 @@
           <a:p>
             <a:fld id="{3ABD2D7A-D230-4F91-BD59-0A39C2703BA8}" type="datetimeFigureOut">
               <a:rPr lang="en-US"/>
-              <a:t>9/12/2023</a:t>
+              <a:t>9/24/2023</a:t>
             </a:fld>
             <a:endParaRPr/>
           </a:p>
@@ -650,6 +653,1305 @@
 </p:notesMaster>
 </file>
 
+<file path=ppt/notesSlides/notesSlide1.xml><?xml version="1.0" encoding="utf-8"?>
+<p:notes xmlns:a="http://schemas.openxmlformats.org/drawingml/2006/main" xmlns:r="http://schemas.openxmlformats.org/officeDocument/2006/relationships" xmlns:p="http://schemas.openxmlformats.org/presentationml/2006/main">
+  <p:cSld>
+    <p:spTree>
+      <p:nvGrpSpPr>
+        <p:cNvPr id="1" name=""/>
+        <p:cNvGrpSpPr/>
+        <p:nvPr/>
+      </p:nvGrpSpPr>
+      <p:grpSpPr>
+        <a:xfrm>
+          <a:off x="0" y="0"/>
+          <a:ext cx="0" cy="0"/>
+          <a:chOff x="0" y="0"/>
+          <a:chExt cx="0" cy="0"/>
+        </a:xfrm>
+      </p:grpSpPr>
+      <p:sp>
+        <p:nvSpPr>
+          <p:cNvPr id="2" name="슬라이드 이미지 개체 틀 1"/>
+          <p:cNvSpPr>
+            <a:spLocks noGrp="1" noRot="1" noChangeAspect="1"/>
+          </p:cNvSpPr>
+          <p:nvPr>
+            <p:ph type="sldImg"/>
+          </p:nvPr>
+        </p:nvSpPr>
+        <p:spPr/>
+      </p:sp>
+      <p:sp>
+        <p:nvSpPr>
+          <p:cNvPr id="3" name="슬라이드 노트 개체 틀 2"/>
+          <p:cNvSpPr>
+            <a:spLocks noGrp="1"/>
+          </p:cNvSpPr>
+          <p:nvPr>
+            <p:ph type="body" idx="1"/>
+          </p:nvPr>
+        </p:nvSpPr>
+        <p:spPr/>
+        <p:txBody>
+          <a:bodyPr/>
+          <a:lstStyle/>
+          <a:p>
+            <a:pPr marL="0" marR="0" lvl="0" indent="0" algn="l" defTabSz="914400" rtl="0" eaLnBrk="1" fontAlgn="auto" latinLnBrk="0" hangingPunct="1">
+              <a:lnSpc>
+                <a:spcPct val="100000"/>
+              </a:lnSpc>
+              <a:spcBef>
+                <a:spcPts val="0"/>
+              </a:spcBef>
+              <a:spcAft>
+                <a:spcPts val="0"/>
+              </a:spcAft>
+              <a:buClrTx/>
+              <a:buSzTx/>
+              <a:buFontTx/>
+              <a:buNone/>
+              <a:tabLst/>
+              <a:defRPr/>
+            </a:pPr>
+            <a:r>
+              <a:rPr lang="en-US" altLang="ko-KR" b="1" dirty="0"/>
+              <a:t>What is a Scriptable Object?: </a:t>
+            </a:r>
+            <a:r>
+              <a:rPr lang="en-US" altLang="ko-KR" dirty="0"/>
+              <a:t>A Scriptable Object is a class in Unity designed for storing data. It's useful for things like game settings, item attributes, and character stats.</a:t>
+            </a:r>
+            <a:endParaRPr lang="ko-KR" altLang="en-US" dirty="0"/>
+          </a:p>
+          <a:p>
+            <a:endParaRPr lang="en-US" altLang="ko-KR" dirty="0"/>
+          </a:p>
+          <a:p>
+            <a:r>
+              <a:rPr lang="en-US" altLang="ko-KR" b="1" i="0" dirty="0">
+                <a:effectLst/>
+                <a:latin typeface="Söhne"/>
+              </a:rPr>
+              <a:t>Why Use Scriptable Objects?</a:t>
+            </a:r>
+            <a:r>
+              <a:rPr lang="en-US" altLang="ko-KR" b="0" i="0" dirty="0">
+                <a:solidFill>
+                  <a:srgbClr val="374151"/>
+                </a:solidFill>
+                <a:effectLst/>
+                <a:latin typeface="Söhne"/>
+              </a:rPr>
+              <a:t>: They help reduce code duplication and make data management easier. For example, if multiple characters share the same stats, you can manage those stats in one place.</a:t>
+            </a:r>
+            <a:endParaRPr lang="ko-KR" altLang="en-US" dirty="0"/>
+          </a:p>
+        </p:txBody>
+      </p:sp>
+      <p:sp>
+        <p:nvSpPr>
+          <p:cNvPr id="4" name="슬라이드 번호 개체 틀 3"/>
+          <p:cNvSpPr>
+            <a:spLocks noGrp="1"/>
+          </p:cNvSpPr>
+          <p:nvPr>
+            <p:ph type="sldNum" sz="quarter" idx="5"/>
+          </p:nvPr>
+        </p:nvSpPr>
+        <p:spPr/>
+        <p:txBody>
+          <a:bodyPr/>
+          <a:lstStyle/>
+          <a:p>
+            <a:fld id="{F93199CD-3E1B-4AE6-990F-76F925F5EA9F}" type="slidenum">
+              <a:rPr lang="en-US" altLang="ko-KR" smtClean="0"/>
+              <a:t>2</a:t>
+            </a:fld>
+            <a:endParaRPr lang="en-US" altLang="ko-KR"/>
+          </a:p>
+        </p:txBody>
+      </p:sp>
+    </p:spTree>
+    <p:extLst>
+      <p:ext uri="{BB962C8B-B14F-4D97-AF65-F5344CB8AC3E}">
+        <p14:creationId xmlns:p14="http://schemas.microsoft.com/office/powerpoint/2010/main" val="3394466674"/>
+      </p:ext>
+    </p:extLst>
+  </p:cSld>
+  <p:clrMapOvr>
+    <a:masterClrMapping/>
+  </p:clrMapOvr>
+</p:notes>
+</file>
+
+<file path=ppt/notesSlides/notesSlide2.xml><?xml version="1.0" encoding="utf-8"?>
+<p:notes xmlns:a="http://schemas.openxmlformats.org/drawingml/2006/main" xmlns:r="http://schemas.openxmlformats.org/officeDocument/2006/relationships" xmlns:p="http://schemas.openxmlformats.org/presentationml/2006/main">
+  <p:cSld>
+    <p:spTree>
+      <p:nvGrpSpPr>
+        <p:cNvPr id="1" name=""/>
+        <p:cNvGrpSpPr/>
+        <p:nvPr/>
+      </p:nvGrpSpPr>
+      <p:grpSpPr>
+        <a:xfrm>
+          <a:off x="0" y="0"/>
+          <a:ext cx="0" cy="0"/>
+          <a:chOff x="0" y="0"/>
+          <a:chExt cx="0" cy="0"/>
+        </a:xfrm>
+      </p:grpSpPr>
+      <p:sp>
+        <p:nvSpPr>
+          <p:cNvPr id="2" name="슬라이드 이미지 개체 틀 1"/>
+          <p:cNvSpPr>
+            <a:spLocks noGrp="1" noRot="1" noChangeAspect="1"/>
+          </p:cNvSpPr>
+          <p:nvPr>
+            <p:ph type="sldImg"/>
+          </p:nvPr>
+        </p:nvSpPr>
+        <p:spPr/>
+      </p:sp>
+      <p:sp>
+        <p:nvSpPr>
+          <p:cNvPr id="3" name="슬라이드 노트 개체 틀 2"/>
+          <p:cNvSpPr>
+            <a:spLocks noGrp="1"/>
+          </p:cNvSpPr>
+          <p:nvPr>
+            <p:ph type="body" idx="1"/>
+          </p:nvPr>
+        </p:nvSpPr>
+        <p:spPr/>
+        <p:txBody>
+          <a:bodyPr/>
+          <a:lstStyle/>
+          <a:p>
+            <a:r>
+              <a:rPr lang="en-US" altLang="ko-KR" dirty="0"/>
+              <a:t>This is one of the examples that most commonly used. Enemy stats. </a:t>
+            </a:r>
+          </a:p>
+          <a:p>
+            <a:endParaRPr lang="en-US" altLang="ko-KR" dirty="0"/>
+          </a:p>
+          <a:p>
+            <a:r>
+              <a:rPr lang="en-US" altLang="ko-KR" dirty="0"/>
+              <a:t>If you have a bunch of </a:t>
+            </a:r>
+            <a:r>
+              <a:rPr lang="en-US" altLang="ko-KR" dirty="0" err="1"/>
+              <a:t>pokemons</a:t>
+            </a:r>
+            <a:r>
+              <a:rPr lang="en-US" altLang="ko-KR" dirty="0"/>
+              <a:t> that has different look, but they share the same </a:t>
+            </a:r>
+            <a:r>
+              <a:rPr lang="en-US" altLang="ko-KR" dirty="0" err="1"/>
+              <a:t>pokemon</a:t>
+            </a:r>
+            <a:r>
+              <a:rPr lang="en-US" altLang="ko-KR" dirty="0"/>
+              <a:t> type, skills. </a:t>
+            </a:r>
+          </a:p>
+          <a:p>
+            <a:r>
+              <a:rPr lang="en-US" altLang="ko-KR" dirty="0"/>
+              <a:t>You could have work on a Pikachu prefab and assign them the type, skills and damages and move on to the next </a:t>
+            </a:r>
+            <a:r>
+              <a:rPr lang="en-US" altLang="ko-KR" dirty="0" err="1"/>
+              <a:t>pokemon</a:t>
+            </a:r>
+            <a:r>
+              <a:rPr lang="en-US" altLang="ko-KR" dirty="0"/>
+              <a:t> such as </a:t>
+            </a:r>
+            <a:r>
+              <a:rPr lang="ko-KR" altLang="en-US" dirty="0" err="1"/>
+              <a:t>라이츄</a:t>
+            </a:r>
+            <a:r>
+              <a:rPr lang="ko-KR" altLang="en-US" dirty="0"/>
+              <a:t> </a:t>
+            </a:r>
+            <a:r>
+              <a:rPr lang="en-US" altLang="ko-KR" dirty="0"/>
+              <a:t>and copy and paste the prefab you made and change the prefab and damages.</a:t>
+            </a:r>
+          </a:p>
+          <a:p>
+            <a:endParaRPr lang="en-US" altLang="ko-KR" dirty="0"/>
+          </a:p>
+          <a:p>
+            <a:r>
+              <a:rPr lang="en-US" altLang="ko-KR" dirty="0"/>
+              <a:t>Just a few repetition would be affordable,</a:t>
+            </a:r>
+          </a:p>
+          <a:p>
+            <a:r>
+              <a:rPr lang="en-US" altLang="ko-KR" dirty="0"/>
+              <a:t>But if you think your self as a </a:t>
+            </a:r>
+            <a:r>
+              <a:rPr lang="en-US" altLang="ko-KR" dirty="0" err="1"/>
+              <a:t>pokemon</a:t>
+            </a:r>
+            <a:r>
+              <a:rPr lang="en-US" altLang="ko-KR" dirty="0"/>
+              <a:t> game developer and you must make at least 20 different species. How many </a:t>
+            </a:r>
+            <a:r>
+              <a:rPr lang="en-US" altLang="ko-KR" dirty="0" err="1"/>
+              <a:t>pokemon</a:t>
+            </a:r>
+            <a:r>
+              <a:rPr lang="en-US" altLang="ko-KR" dirty="0"/>
+              <a:t> species they actually have? Well</a:t>
+            </a:r>
+            <a:r>
+              <a:rPr lang="ko-KR" altLang="en-US" dirty="0"/>
+              <a:t> </a:t>
+            </a:r>
+            <a:r>
+              <a:rPr lang="en-US" altLang="ko-KR" dirty="0"/>
+              <a:t>according</a:t>
+            </a:r>
+            <a:r>
+              <a:rPr lang="ko-KR" altLang="en-US" dirty="0"/>
+              <a:t> </a:t>
+            </a:r>
+            <a:r>
+              <a:rPr lang="en-US" altLang="ko-KR" dirty="0"/>
+              <a:t>to</a:t>
+            </a:r>
+            <a:r>
+              <a:rPr lang="ko-KR" altLang="en-US" dirty="0"/>
+              <a:t> 위키피디아</a:t>
+            </a:r>
+            <a:r>
+              <a:rPr lang="en-US" altLang="ko-KR" dirty="0"/>
+              <a:t>, 1008 </a:t>
+            </a:r>
+            <a:r>
+              <a:rPr lang="en-US" altLang="ko-KR" dirty="0" err="1"/>
+              <a:t>pokemon</a:t>
+            </a:r>
+            <a:r>
+              <a:rPr lang="en-US" altLang="ko-KR" dirty="0"/>
+              <a:t> species and you wouldn’t </a:t>
+            </a:r>
+            <a:r>
+              <a:rPr lang="en-US" altLang="ko-KR" dirty="0" err="1"/>
+              <a:t>wanna</a:t>
+            </a:r>
+            <a:r>
+              <a:rPr lang="en-US" altLang="ko-KR" dirty="0"/>
+              <a:t> keep control c + control v and editing. So you make a “</a:t>
+            </a:r>
+            <a:r>
+              <a:rPr lang="en-US" altLang="ko-KR" dirty="0" err="1"/>
+              <a:t>Pokemon</a:t>
+            </a:r>
+            <a:r>
+              <a:rPr lang="en-US" altLang="ko-KR" dirty="0"/>
+              <a:t>” scriptable object that contains </a:t>
+            </a:r>
+            <a:r>
+              <a:rPr lang="en-US" altLang="ko-KR" dirty="0" err="1"/>
+              <a:t>pokemon</a:t>
+            </a:r>
+            <a:r>
+              <a:rPr lang="en-US" altLang="ko-KR" dirty="0"/>
+              <a:t> name, type, prefab, HP, damage amount, speed and </a:t>
+            </a:r>
+            <a:r>
+              <a:rPr lang="en-US" altLang="ko-KR" dirty="0" err="1"/>
+              <a:t>etc</a:t>
+            </a:r>
+            <a:r>
+              <a:rPr lang="en-US" altLang="ko-KR" dirty="0"/>
+              <a:t> and you clamp </a:t>
+            </a:r>
+            <a:r>
+              <a:rPr lang="en-US" altLang="ko-KR" dirty="0" err="1"/>
+              <a:t>pokemons</a:t>
+            </a:r>
+            <a:r>
+              <a:rPr lang="en-US" altLang="ko-KR" dirty="0"/>
+              <a:t>. </a:t>
+            </a:r>
+            <a:endParaRPr lang="ko-KR" altLang="en-US" dirty="0"/>
+          </a:p>
+        </p:txBody>
+      </p:sp>
+      <p:sp>
+        <p:nvSpPr>
+          <p:cNvPr id="4" name="슬라이드 번호 개체 틀 3"/>
+          <p:cNvSpPr>
+            <a:spLocks noGrp="1"/>
+          </p:cNvSpPr>
+          <p:nvPr>
+            <p:ph type="sldNum" sz="quarter" idx="5"/>
+          </p:nvPr>
+        </p:nvSpPr>
+        <p:spPr/>
+        <p:txBody>
+          <a:bodyPr/>
+          <a:lstStyle/>
+          <a:p>
+            <a:fld id="{F93199CD-3E1B-4AE6-990F-76F925F5EA9F}" type="slidenum">
+              <a:rPr lang="en-US" altLang="ko-KR" smtClean="0"/>
+              <a:t>3</a:t>
+            </a:fld>
+            <a:endParaRPr lang="en-US" altLang="ko-KR"/>
+          </a:p>
+        </p:txBody>
+      </p:sp>
+    </p:spTree>
+    <p:extLst>
+      <p:ext uri="{BB962C8B-B14F-4D97-AF65-F5344CB8AC3E}">
+        <p14:creationId xmlns:p14="http://schemas.microsoft.com/office/powerpoint/2010/main" val="1211172639"/>
+      </p:ext>
+    </p:extLst>
+  </p:cSld>
+  <p:clrMapOvr>
+    <a:masterClrMapping/>
+  </p:clrMapOvr>
+</p:notes>
+</file>
+
+<file path=ppt/notesSlides/notesSlide3.xml><?xml version="1.0" encoding="utf-8"?>
+<p:notes xmlns:a="http://schemas.openxmlformats.org/drawingml/2006/main" xmlns:r="http://schemas.openxmlformats.org/officeDocument/2006/relationships" xmlns:p="http://schemas.openxmlformats.org/presentationml/2006/main">
+  <p:cSld>
+    <p:spTree>
+      <p:nvGrpSpPr>
+        <p:cNvPr id="1" name=""/>
+        <p:cNvGrpSpPr/>
+        <p:nvPr/>
+      </p:nvGrpSpPr>
+      <p:grpSpPr>
+        <a:xfrm>
+          <a:off x="0" y="0"/>
+          <a:ext cx="0" cy="0"/>
+          <a:chOff x="0" y="0"/>
+          <a:chExt cx="0" cy="0"/>
+        </a:xfrm>
+      </p:grpSpPr>
+      <p:sp>
+        <p:nvSpPr>
+          <p:cNvPr id="2" name="슬라이드 이미지 개체 틀 1"/>
+          <p:cNvSpPr>
+            <a:spLocks noGrp="1" noRot="1" noChangeAspect="1"/>
+          </p:cNvSpPr>
+          <p:nvPr>
+            <p:ph type="sldImg"/>
+          </p:nvPr>
+        </p:nvSpPr>
+        <p:spPr/>
+      </p:sp>
+      <p:sp>
+        <p:nvSpPr>
+          <p:cNvPr id="3" name="슬라이드 노트 개체 틀 2"/>
+          <p:cNvSpPr>
+            <a:spLocks noGrp="1"/>
+          </p:cNvSpPr>
+          <p:nvPr>
+            <p:ph type="body" idx="1"/>
+          </p:nvPr>
+        </p:nvSpPr>
+        <p:spPr/>
+        <p:txBody>
+          <a:bodyPr/>
+          <a:lstStyle/>
+          <a:p>
+            <a:r>
+              <a:rPr lang="ko-KR" altLang="en-US" dirty="0"/>
+              <a:t>그 외에도 </a:t>
+            </a:r>
+            <a:r>
+              <a:rPr lang="en-US" altLang="ko-KR" dirty="0"/>
+              <a:t>Array, Enum </a:t>
+            </a:r>
+            <a:r>
+              <a:rPr lang="ko-KR" altLang="en-US" dirty="0"/>
+              <a:t>등등 무궁무진함</a:t>
+            </a:r>
+            <a:r>
+              <a:rPr lang="en-US" altLang="ko-KR" dirty="0"/>
+              <a:t>.</a:t>
+            </a:r>
+            <a:endParaRPr lang="ko-KR" altLang="en-US" dirty="0"/>
+          </a:p>
+        </p:txBody>
+      </p:sp>
+      <p:sp>
+        <p:nvSpPr>
+          <p:cNvPr id="4" name="슬라이드 번호 개체 틀 3"/>
+          <p:cNvSpPr>
+            <a:spLocks noGrp="1"/>
+          </p:cNvSpPr>
+          <p:nvPr>
+            <p:ph type="sldNum" sz="quarter" idx="5"/>
+          </p:nvPr>
+        </p:nvSpPr>
+        <p:spPr/>
+        <p:txBody>
+          <a:bodyPr/>
+          <a:lstStyle/>
+          <a:p>
+            <a:fld id="{F93199CD-3E1B-4AE6-990F-76F925F5EA9F}" type="slidenum">
+              <a:rPr lang="en-US" altLang="ko-KR" smtClean="0"/>
+              <a:t>7</a:t>
+            </a:fld>
+            <a:endParaRPr lang="en-US" altLang="ko-KR"/>
+          </a:p>
+        </p:txBody>
+      </p:sp>
+    </p:spTree>
+    <p:extLst>
+      <p:ext uri="{BB962C8B-B14F-4D97-AF65-F5344CB8AC3E}">
+        <p14:creationId xmlns:p14="http://schemas.microsoft.com/office/powerpoint/2010/main" val="2539074973"/>
+      </p:ext>
+    </p:extLst>
+  </p:cSld>
+  <p:clrMapOvr>
+    <a:masterClrMapping/>
+  </p:clrMapOvr>
+</p:notes>
+</file>
+
+<file path=ppt/notesSlides/notesSlide4.xml><?xml version="1.0" encoding="utf-8"?>
+<p:notes xmlns:a="http://schemas.openxmlformats.org/drawingml/2006/main" xmlns:r="http://schemas.openxmlformats.org/officeDocument/2006/relationships" xmlns:p="http://schemas.openxmlformats.org/presentationml/2006/main">
+  <p:cSld>
+    <p:spTree>
+      <p:nvGrpSpPr>
+        <p:cNvPr id="1" name=""/>
+        <p:cNvGrpSpPr/>
+        <p:nvPr/>
+      </p:nvGrpSpPr>
+      <p:grpSpPr>
+        <a:xfrm>
+          <a:off x="0" y="0"/>
+          <a:ext cx="0" cy="0"/>
+          <a:chOff x="0" y="0"/>
+          <a:chExt cx="0" cy="0"/>
+        </a:xfrm>
+      </p:grpSpPr>
+      <p:sp>
+        <p:nvSpPr>
+          <p:cNvPr id="2" name="슬라이드 이미지 개체 틀 1"/>
+          <p:cNvSpPr>
+            <a:spLocks noGrp="1" noRot="1" noChangeAspect="1"/>
+          </p:cNvSpPr>
+          <p:nvPr>
+            <p:ph type="sldImg"/>
+          </p:nvPr>
+        </p:nvSpPr>
+        <p:spPr/>
+      </p:sp>
+      <p:sp>
+        <p:nvSpPr>
+          <p:cNvPr id="3" name="슬라이드 노트 개체 틀 2"/>
+          <p:cNvSpPr>
+            <a:spLocks noGrp="1"/>
+          </p:cNvSpPr>
+          <p:nvPr>
+            <p:ph type="body" idx="1"/>
+          </p:nvPr>
+        </p:nvSpPr>
+        <p:spPr/>
+        <p:txBody>
+          <a:bodyPr/>
+          <a:lstStyle/>
+          <a:p>
+            <a:pPr algn="l">
+              <a:buFont typeface="Arial" panose="020B0604020202020204" pitchFamily="34" charset="0"/>
+              <a:buChar char="•"/>
+            </a:pPr>
+            <a:r>
+              <a:rPr lang="ko-KR" altLang="en-US" b="0" i="0" dirty="0">
+                <a:solidFill>
+                  <a:srgbClr val="374151"/>
+                </a:solidFill>
+                <a:effectLst/>
+                <a:latin typeface="Söhne"/>
+              </a:rPr>
+              <a:t>메모리 효율성</a:t>
+            </a:r>
+            <a:r>
+              <a:rPr lang="en-US" altLang="ko-KR" b="0" i="0" dirty="0">
+                <a:solidFill>
+                  <a:srgbClr val="374151"/>
+                </a:solidFill>
+                <a:effectLst/>
+                <a:latin typeface="Söhne"/>
+              </a:rPr>
+              <a:t>: Scene</a:t>
+            </a:r>
+            <a:r>
+              <a:rPr lang="ko-KR" altLang="en-US" b="0" i="0" dirty="0">
+                <a:solidFill>
+                  <a:srgbClr val="374151"/>
+                </a:solidFill>
+                <a:effectLst/>
+                <a:latin typeface="Söhne"/>
+              </a:rPr>
+              <a:t>이 변경되어도 데이터가 유지되므로</a:t>
+            </a:r>
+            <a:r>
+              <a:rPr lang="en-US" altLang="ko-KR" b="0" i="0" dirty="0">
+                <a:solidFill>
+                  <a:srgbClr val="374151"/>
+                </a:solidFill>
+                <a:effectLst/>
+                <a:latin typeface="Söhne"/>
+              </a:rPr>
+              <a:t>, </a:t>
+            </a:r>
+            <a:r>
+              <a:rPr lang="ko-KR" altLang="en-US" b="0" i="0" dirty="0">
+                <a:solidFill>
+                  <a:srgbClr val="374151"/>
+                </a:solidFill>
+                <a:effectLst/>
+                <a:latin typeface="Söhne"/>
+              </a:rPr>
+              <a:t>메모리 사용이 효율적입니다</a:t>
+            </a:r>
+            <a:r>
+              <a:rPr lang="en-US" altLang="ko-KR" b="0" i="0" dirty="0">
+                <a:solidFill>
+                  <a:srgbClr val="374151"/>
+                </a:solidFill>
+                <a:effectLst/>
+                <a:latin typeface="Söhne"/>
+              </a:rPr>
+              <a:t>.</a:t>
+            </a:r>
+          </a:p>
+          <a:p>
+            <a:pPr algn="l">
+              <a:buFont typeface="Arial" panose="020B0604020202020204" pitchFamily="34" charset="0"/>
+              <a:buChar char="•"/>
+            </a:pPr>
+            <a:r>
+              <a:rPr lang="ko-KR" altLang="en-US" b="0" i="0" dirty="0">
+                <a:solidFill>
+                  <a:srgbClr val="374151"/>
+                </a:solidFill>
+                <a:effectLst/>
+                <a:latin typeface="Söhne"/>
+              </a:rPr>
+              <a:t>재사용성</a:t>
+            </a:r>
+            <a:r>
+              <a:rPr lang="en-US" altLang="ko-KR" b="0" i="0" dirty="0">
+                <a:solidFill>
+                  <a:srgbClr val="374151"/>
+                </a:solidFill>
+                <a:effectLst/>
+                <a:latin typeface="Söhne"/>
+              </a:rPr>
+              <a:t>: </a:t>
+            </a:r>
+            <a:r>
+              <a:rPr lang="ko-KR" altLang="en-US" b="0" i="0" dirty="0">
+                <a:solidFill>
+                  <a:srgbClr val="374151"/>
+                </a:solidFill>
+                <a:effectLst/>
+                <a:latin typeface="Söhne"/>
+              </a:rPr>
+              <a:t>동일한 데이터를 여러 게임 오브젝트에서 재사용할 수 있습니다</a:t>
+            </a:r>
+            <a:r>
+              <a:rPr lang="en-US" altLang="ko-KR" b="0" i="0" dirty="0">
+                <a:solidFill>
+                  <a:srgbClr val="374151"/>
+                </a:solidFill>
+                <a:effectLst/>
+                <a:latin typeface="Söhne"/>
+              </a:rPr>
+              <a:t>.</a:t>
+            </a:r>
+          </a:p>
+          <a:p>
+            <a:pPr algn="l">
+              <a:buFont typeface="Arial" panose="020B0604020202020204" pitchFamily="34" charset="0"/>
+              <a:buChar char="•"/>
+            </a:pPr>
+            <a:r>
+              <a:rPr lang="ko-KR" altLang="en-US" b="0" i="0" dirty="0">
+                <a:solidFill>
+                  <a:srgbClr val="374151"/>
+                </a:solidFill>
+                <a:effectLst/>
+                <a:latin typeface="Söhne"/>
+              </a:rPr>
+              <a:t>확장성</a:t>
+            </a:r>
+            <a:r>
+              <a:rPr lang="en-US" altLang="ko-KR" b="0" i="0" dirty="0">
+                <a:solidFill>
+                  <a:srgbClr val="374151"/>
+                </a:solidFill>
+                <a:effectLst/>
+                <a:latin typeface="Söhne"/>
+              </a:rPr>
+              <a:t>: </a:t>
+            </a:r>
+            <a:r>
+              <a:rPr lang="ko-KR" altLang="en-US" b="0" i="0" dirty="0">
+                <a:solidFill>
+                  <a:srgbClr val="374151"/>
+                </a:solidFill>
+                <a:effectLst/>
+                <a:latin typeface="Söhne"/>
+              </a:rPr>
+              <a:t>데이터 구조를 쉽게 확장하고 수정할 수 있습니다</a:t>
+            </a:r>
+            <a:r>
+              <a:rPr lang="en-US" altLang="ko-KR" b="0" i="0" dirty="0">
+                <a:solidFill>
+                  <a:srgbClr val="374151"/>
+                </a:solidFill>
+                <a:effectLst/>
+                <a:latin typeface="Söhne"/>
+              </a:rPr>
+              <a:t>.</a:t>
+            </a:r>
+          </a:p>
+          <a:p>
+            <a:endParaRPr lang="en-US" altLang="ko-KR" dirty="0"/>
+          </a:p>
+          <a:p>
+            <a:pPr algn="l">
+              <a:buFont typeface="+mj-lt"/>
+              <a:buAutoNum type="arabicPeriod"/>
+            </a:pPr>
+            <a:r>
+              <a:rPr lang="ko-KR" altLang="en-US" b="1" i="0" dirty="0" err="1">
+                <a:solidFill>
+                  <a:srgbClr val="374151"/>
+                </a:solidFill>
+                <a:effectLst/>
+                <a:latin typeface="Söhne"/>
+              </a:rPr>
+              <a:t>디커플링</a:t>
+            </a:r>
+            <a:r>
+              <a:rPr lang="en-US" altLang="ko-KR" b="1" i="0" dirty="0">
+                <a:solidFill>
+                  <a:srgbClr val="374151"/>
+                </a:solidFill>
+                <a:effectLst/>
+                <a:latin typeface="Söhne"/>
+              </a:rPr>
+              <a:t>(Decoupling)</a:t>
+            </a:r>
+            <a:r>
+              <a:rPr lang="en-US" altLang="ko-KR" b="0" i="0" dirty="0">
+                <a:solidFill>
+                  <a:srgbClr val="374151"/>
+                </a:solidFill>
+                <a:effectLst/>
+                <a:latin typeface="Söhne"/>
+              </a:rPr>
+              <a:t>:</a:t>
+            </a:r>
+          </a:p>
+          <a:p>
+            <a:pPr marL="742950" lvl="1" indent="-285750" algn="l">
+              <a:buFont typeface="+mj-lt"/>
+              <a:buAutoNum type="arabicPeriod"/>
+            </a:pPr>
+            <a:r>
+              <a:rPr lang="ko-KR" altLang="en-US" b="0" i="0" dirty="0">
+                <a:solidFill>
+                  <a:srgbClr val="374151"/>
+                </a:solidFill>
+                <a:effectLst/>
+                <a:latin typeface="Söhne"/>
+              </a:rPr>
+              <a:t>이벤트 발생 소스와 이벤트를 처리하는 </a:t>
+            </a:r>
+            <a:r>
+              <a:rPr lang="ko-KR" altLang="en-US" b="0" i="0" dirty="0" err="1">
+                <a:solidFill>
+                  <a:srgbClr val="374151"/>
+                </a:solidFill>
+                <a:effectLst/>
+                <a:latin typeface="Söhne"/>
+              </a:rPr>
+              <a:t>리스너</a:t>
+            </a:r>
+            <a:r>
+              <a:rPr lang="ko-KR" altLang="en-US" b="0" i="0" dirty="0">
+                <a:solidFill>
+                  <a:srgbClr val="374151"/>
+                </a:solidFill>
+                <a:effectLst/>
+                <a:latin typeface="Söhne"/>
+              </a:rPr>
+              <a:t> 사이의 종속성을 줄일 수 있습니다</a:t>
+            </a:r>
+            <a:r>
+              <a:rPr lang="en-US" altLang="ko-KR" b="0" i="0" dirty="0">
+                <a:solidFill>
+                  <a:srgbClr val="374151"/>
+                </a:solidFill>
+                <a:effectLst/>
+                <a:latin typeface="Söhne"/>
+              </a:rPr>
+              <a:t>.</a:t>
+            </a:r>
+          </a:p>
+          <a:p>
+            <a:pPr marL="742950" lvl="1" indent="-285750" algn="l">
+              <a:buFont typeface="+mj-lt"/>
+              <a:buAutoNum type="arabicPeriod"/>
+            </a:pPr>
+            <a:r>
+              <a:rPr lang="ko-KR" altLang="en-US" b="0" i="0" dirty="0">
+                <a:solidFill>
+                  <a:srgbClr val="374151"/>
+                </a:solidFill>
+                <a:effectLst/>
+                <a:latin typeface="Söhne"/>
+              </a:rPr>
+              <a:t>이로 인해 코드의 모듈성과 재사용성이 향상됩니다</a:t>
+            </a:r>
+            <a:r>
+              <a:rPr lang="en-US" altLang="ko-KR" b="0" i="0" dirty="0">
+                <a:solidFill>
+                  <a:srgbClr val="374151"/>
+                </a:solidFill>
+                <a:effectLst/>
+                <a:latin typeface="Söhne"/>
+              </a:rPr>
+              <a:t>.</a:t>
+            </a:r>
+          </a:p>
+          <a:p>
+            <a:pPr algn="l">
+              <a:buFont typeface="+mj-lt"/>
+              <a:buAutoNum type="arabicPeriod"/>
+            </a:pPr>
+            <a:r>
+              <a:rPr lang="ko-KR" altLang="en-US" b="1" i="0" dirty="0">
+                <a:solidFill>
+                  <a:srgbClr val="374151"/>
+                </a:solidFill>
+                <a:effectLst/>
+                <a:latin typeface="Söhne"/>
+              </a:rPr>
+              <a:t>유연성</a:t>
+            </a:r>
+            <a:r>
+              <a:rPr lang="en-US" altLang="ko-KR" b="0" i="0" dirty="0">
+                <a:solidFill>
+                  <a:srgbClr val="374151"/>
+                </a:solidFill>
+                <a:effectLst/>
+                <a:latin typeface="Söhne"/>
+              </a:rPr>
+              <a:t>:</a:t>
+            </a:r>
+          </a:p>
+          <a:p>
+            <a:pPr marL="742950" lvl="1" indent="-285750" algn="l">
+              <a:buFont typeface="+mj-lt"/>
+              <a:buAutoNum type="arabicPeriod"/>
+            </a:pPr>
+            <a:r>
+              <a:rPr lang="ko-KR" altLang="en-US" b="0" i="0" dirty="0" err="1">
+                <a:solidFill>
+                  <a:srgbClr val="374151"/>
+                </a:solidFill>
+                <a:effectLst/>
+                <a:latin typeface="Söhne"/>
+              </a:rPr>
+              <a:t>스크립터블</a:t>
+            </a:r>
+            <a:r>
+              <a:rPr lang="ko-KR" altLang="en-US" b="0" i="0" dirty="0">
+                <a:solidFill>
+                  <a:srgbClr val="374151"/>
+                </a:solidFill>
+                <a:effectLst/>
+                <a:latin typeface="Söhne"/>
+              </a:rPr>
+              <a:t> 오브젝트를 이용한 이벤트 시스템은 유연하게 확장 및 수정이 가능합니다</a:t>
+            </a:r>
+            <a:r>
+              <a:rPr lang="en-US" altLang="ko-KR" b="0" i="0" dirty="0">
+                <a:solidFill>
+                  <a:srgbClr val="374151"/>
+                </a:solidFill>
+                <a:effectLst/>
+                <a:latin typeface="Söhne"/>
+              </a:rPr>
+              <a:t>.</a:t>
+            </a:r>
+          </a:p>
+          <a:p>
+            <a:pPr marL="742950" lvl="1" indent="-285750" algn="l">
+              <a:buFont typeface="+mj-lt"/>
+              <a:buAutoNum type="arabicPeriod"/>
+            </a:pPr>
+            <a:r>
+              <a:rPr lang="ko-KR" altLang="en-US" b="0" i="0" dirty="0">
+                <a:solidFill>
+                  <a:srgbClr val="374151"/>
+                </a:solidFill>
+                <a:effectLst/>
+                <a:latin typeface="Söhne"/>
+              </a:rPr>
+              <a:t>다양한 이벤트와 </a:t>
+            </a:r>
+            <a:r>
+              <a:rPr lang="ko-KR" altLang="en-US" b="0" i="0" dirty="0" err="1">
+                <a:solidFill>
+                  <a:srgbClr val="374151"/>
+                </a:solidFill>
+                <a:effectLst/>
+                <a:latin typeface="Söhne"/>
+              </a:rPr>
+              <a:t>리스너를</a:t>
+            </a:r>
+            <a:r>
+              <a:rPr lang="ko-KR" altLang="en-US" b="0" i="0" dirty="0">
+                <a:solidFill>
+                  <a:srgbClr val="374151"/>
+                </a:solidFill>
+                <a:effectLst/>
+                <a:latin typeface="Söhne"/>
+              </a:rPr>
+              <a:t> 쉽게 추가하거나 변경할 수 있습니다</a:t>
+            </a:r>
+            <a:r>
+              <a:rPr lang="en-US" altLang="ko-KR" b="0" i="0" dirty="0">
+                <a:solidFill>
+                  <a:srgbClr val="374151"/>
+                </a:solidFill>
+                <a:effectLst/>
+                <a:latin typeface="Söhne"/>
+              </a:rPr>
+              <a:t>.</a:t>
+            </a:r>
+          </a:p>
+          <a:p>
+            <a:pPr algn="l">
+              <a:buFont typeface="+mj-lt"/>
+              <a:buAutoNum type="arabicPeriod"/>
+            </a:pPr>
+            <a:r>
+              <a:rPr lang="ko-KR" altLang="en-US" b="1" i="0" dirty="0">
+                <a:solidFill>
+                  <a:srgbClr val="374151"/>
+                </a:solidFill>
+                <a:effectLst/>
+                <a:latin typeface="Söhne"/>
+              </a:rPr>
+              <a:t>씬 독립성</a:t>
+            </a:r>
+            <a:r>
+              <a:rPr lang="en-US" altLang="ko-KR" b="0" i="0" dirty="0">
+                <a:solidFill>
+                  <a:srgbClr val="374151"/>
+                </a:solidFill>
+                <a:effectLst/>
+                <a:latin typeface="Söhne"/>
+              </a:rPr>
+              <a:t>:</a:t>
+            </a:r>
+          </a:p>
+          <a:p>
+            <a:pPr marL="742950" lvl="1" indent="-285750" algn="l">
+              <a:buFont typeface="+mj-lt"/>
+              <a:buAutoNum type="arabicPeriod"/>
+            </a:pPr>
+            <a:r>
+              <a:rPr lang="ko-KR" altLang="en-US" b="0" i="0" dirty="0" err="1">
+                <a:solidFill>
+                  <a:srgbClr val="374151"/>
+                </a:solidFill>
+                <a:effectLst/>
+                <a:latin typeface="Söhne"/>
+              </a:rPr>
+              <a:t>스크립터블</a:t>
+            </a:r>
+            <a:r>
+              <a:rPr lang="ko-KR" altLang="en-US" b="0" i="0" dirty="0">
+                <a:solidFill>
+                  <a:srgbClr val="374151"/>
+                </a:solidFill>
+                <a:effectLst/>
+                <a:latin typeface="Söhne"/>
+              </a:rPr>
+              <a:t> 오브젝트는 </a:t>
+            </a:r>
+            <a:r>
+              <a:rPr lang="ko-KR" altLang="en-US" b="0" i="0" dirty="0" err="1">
+                <a:solidFill>
+                  <a:srgbClr val="374151"/>
+                </a:solidFill>
+                <a:effectLst/>
+                <a:latin typeface="Söhne"/>
+              </a:rPr>
+              <a:t>씬에</a:t>
+            </a:r>
+            <a:r>
+              <a:rPr lang="ko-KR" altLang="en-US" b="0" i="0" dirty="0">
+                <a:solidFill>
+                  <a:srgbClr val="374151"/>
+                </a:solidFill>
+                <a:effectLst/>
+                <a:latin typeface="Söhne"/>
+              </a:rPr>
+              <a:t> 종속되지 않으므로</a:t>
+            </a:r>
+            <a:r>
+              <a:rPr lang="en-US" altLang="ko-KR" b="0" i="0" dirty="0">
+                <a:solidFill>
+                  <a:srgbClr val="374151"/>
+                </a:solidFill>
+                <a:effectLst/>
+                <a:latin typeface="Söhne"/>
+              </a:rPr>
+              <a:t>, </a:t>
+            </a:r>
+            <a:r>
+              <a:rPr lang="ko-KR" altLang="en-US" b="0" i="0" dirty="0">
+                <a:solidFill>
+                  <a:srgbClr val="374151"/>
+                </a:solidFill>
+                <a:effectLst/>
+                <a:latin typeface="Söhne"/>
+              </a:rPr>
+              <a:t>여러 </a:t>
+            </a:r>
+            <a:r>
+              <a:rPr lang="ko-KR" altLang="en-US" b="0" i="0" dirty="0" err="1">
+                <a:solidFill>
+                  <a:srgbClr val="374151"/>
+                </a:solidFill>
+                <a:effectLst/>
+                <a:latin typeface="Söhne"/>
+              </a:rPr>
+              <a:t>씬에서</a:t>
+            </a:r>
+            <a:r>
+              <a:rPr lang="ko-KR" altLang="en-US" b="0" i="0" dirty="0">
+                <a:solidFill>
+                  <a:srgbClr val="374151"/>
+                </a:solidFill>
+                <a:effectLst/>
+                <a:latin typeface="Söhne"/>
+              </a:rPr>
+              <a:t> 동일한 이벤트를 공유하고 처리할 수 있습니다</a:t>
+            </a:r>
+            <a:r>
+              <a:rPr lang="en-US" altLang="ko-KR" b="0" i="0" dirty="0">
+                <a:solidFill>
+                  <a:srgbClr val="374151"/>
+                </a:solidFill>
+                <a:effectLst/>
+                <a:latin typeface="Söhne"/>
+              </a:rPr>
+              <a:t>.</a:t>
+            </a:r>
+          </a:p>
+          <a:p>
+            <a:endParaRPr lang="ko-KR" altLang="en-US" dirty="0"/>
+          </a:p>
+        </p:txBody>
+      </p:sp>
+      <p:sp>
+        <p:nvSpPr>
+          <p:cNvPr id="4" name="슬라이드 번호 개체 틀 3"/>
+          <p:cNvSpPr>
+            <a:spLocks noGrp="1"/>
+          </p:cNvSpPr>
+          <p:nvPr>
+            <p:ph type="sldNum" sz="quarter" idx="5"/>
+          </p:nvPr>
+        </p:nvSpPr>
+        <p:spPr/>
+        <p:txBody>
+          <a:bodyPr/>
+          <a:lstStyle/>
+          <a:p>
+            <a:fld id="{F93199CD-3E1B-4AE6-990F-76F925F5EA9F}" type="slidenum">
+              <a:rPr lang="en-US" altLang="ko-KR" smtClean="0"/>
+              <a:t>9</a:t>
+            </a:fld>
+            <a:endParaRPr lang="en-US" altLang="ko-KR"/>
+          </a:p>
+        </p:txBody>
+      </p:sp>
+    </p:spTree>
+    <p:extLst>
+      <p:ext uri="{BB962C8B-B14F-4D97-AF65-F5344CB8AC3E}">
+        <p14:creationId xmlns:p14="http://schemas.microsoft.com/office/powerpoint/2010/main" val="1415740379"/>
+      </p:ext>
+    </p:extLst>
+  </p:cSld>
+  <p:clrMapOvr>
+    <a:masterClrMapping/>
+  </p:clrMapOvr>
+</p:notes>
+</file>
+
+<file path=ppt/notesSlides/notesSlide5.xml><?xml version="1.0" encoding="utf-8"?>
+<p:notes xmlns:a="http://schemas.openxmlformats.org/drawingml/2006/main" xmlns:r="http://schemas.openxmlformats.org/officeDocument/2006/relationships" xmlns:p="http://schemas.openxmlformats.org/presentationml/2006/main">
+  <p:cSld>
+    <p:spTree>
+      <p:nvGrpSpPr>
+        <p:cNvPr id="1" name=""/>
+        <p:cNvGrpSpPr/>
+        <p:nvPr/>
+      </p:nvGrpSpPr>
+      <p:grpSpPr>
+        <a:xfrm>
+          <a:off x="0" y="0"/>
+          <a:ext cx="0" cy="0"/>
+          <a:chOff x="0" y="0"/>
+          <a:chExt cx="0" cy="0"/>
+        </a:xfrm>
+      </p:grpSpPr>
+      <p:sp>
+        <p:nvSpPr>
+          <p:cNvPr id="2" name="슬라이드 이미지 개체 틀 1"/>
+          <p:cNvSpPr>
+            <a:spLocks noGrp="1" noRot="1" noChangeAspect="1"/>
+          </p:cNvSpPr>
+          <p:nvPr>
+            <p:ph type="sldImg"/>
+          </p:nvPr>
+        </p:nvSpPr>
+        <p:spPr/>
+      </p:sp>
+      <p:sp>
+        <p:nvSpPr>
+          <p:cNvPr id="3" name="슬라이드 노트 개체 틀 2"/>
+          <p:cNvSpPr>
+            <a:spLocks noGrp="1"/>
+          </p:cNvSpPr>
+          <p:nvPr>
+            <p:ph type="body" idx="1"/>
+          </p:nvPr>
+        </p:nvSpPr>
+        <p:spPr/>
+        <p:txBody>
+          <a:bodyPr/>
+          <a:lstStyle/>
+          <a:p>
+            <a:pPr algn="l">
+              <a:buFont typeface="Arial" panose="020B0604020202020204" pitchFamily="34" charset="0"/>
+              <a:buChar char="•"/>
+            </a:pPr>
+            <a:r>
+              <a:rPr lang="ko-KR" altLang="en-US" b="0" i="0" dirty="0">
+                <a:solidFill>
+                  <a:srgbClr val="374151"/>
+                </a:solidFill>
+                <a:effectLst/>
+                <a:latin typeface="Söhne"/>
+              </a:rPr>
+              <a:t>메모리 효율성</a:t>
+            </a:r>
+            <a:r>
+              <a:rPr lang="en-US" altLang="ko-KR" b="0" i="0" dirty="0">
+                <a:solidFill>
+                  <a:srgbClr val="374151"/>
+                </a:solidFill>
+                <a:effectLst/>
+                <a:latin typeface="Söhne"/>
+              </a:rPr>
+              <a:t>: Scene</a:t>
+            </a:r>
+            <a:r>
+              <a:rPr lang="ko-KR" altLang="en-US" b="0" i="0" dirty="0">
+                <a:solidFill>
+                  <a:srgbClr val="374151"/>
+                </a:solidFill>
+                <a:effectLst/>
+                <a:latin typeface="Söhne"/>
+              </a:rPr>
+              <a:t>이 변경되어도 데이터가 유지되므로</a:t>
+            </a:r>
+            <a:r>
+              <a:rPr lang="en-US" altLang="ko-KR" b="0" i="0" dirty="0">
+                <a:solidFill>
+                  <a:srgbClr val="374151"/>
+                </a:solidFill>
+                <a:effectLst/>
+                <a:latin typeface="Söhne"/>
+              </a:rPr>
+              <a:t>, </a:t>
+            </a:r>
+            <a:r>
+              <a:rPr lang="ko-KR" altLang="en-US" b="0" i="0" dirty="0">
+                <a:solidFill>
+                  <a:srgbClr val="374151"/>
+                </a:solidFill>
+                <a:effectLst/>
+                <a:latin typeface="Söhne"/>
+              </a:rPr>
+              <a:t>메모리 사용이 효율적입니다</a:t>
+            </a:r>
+            <a:r>
+              <a:rPr lang="en-US" altLang="ko-KR" b="0" i="0" dirty="0">
+                <a:solidFill>
+                  <a:srgbClr val="374151"/>
+                </a:solidFill>
+                <a:effectLst/>
+                <a:latin typeface="Söhne"/>
+              </a:rPr>
+              <a:t>.</a:t>
+            </a:r>
+          </a:p>
+          <a:p>
+            <a:pPr algn="l">
+              <a:buFont typeface="Arial" panose="020B0604020202020204" pitchFamily="34" charset="0"/>
+              <a:buChar char="•"/>
+            </a:pPr>
+            <a:r>
+              <a:rPr lang="ko-KR" altLang="en-US" b="0" i="0" dirty="0">
+                <a:solidFill>
+                  <a:srgbClr val="374151"/>
+                </a:solidFill>
+                <a:effectLst/>
+                <a:latin typeface="Söhne"/>
+              </a:rPr>
+              <a:t>재사용성</a:t>
+            </a:r>
+            <a:r>
+              <a:rPr lang="en-US" altLang="ko-KR" b="0" i="0" dirty="0">
+                <a:solidFill>
+                  <a:srgbClr val="374151"/>
+                </a:solidFill>
+                <a:effectLst/>
+                <a:latin typeface="Söhne"/>
+              </a:rPr>
+              <a:t>: </a:t>
+            </a:r>
+            <a:r>
+              <a:rPr lang="ko-KR" altLang="en-US" b="0" i="0" dirty="0">
+                <a:solidFill>
+                  <a:srgbClr val="374151"/>
+                </a:solidFill>
+                <a:effectLst/>
+                <a:latin typeface="Söhne"/>
+              </a:rPr>
+              <a:t>동일한 데이터를 여러 게임 오브젝트에서 재사용할 수 있습니다</a:t>
+            </a:r>
+            <a:r>
+              <a:rPr lang="en-US" altLang="ko-KR" b="0" i="0" dirty="0">
+                <a:solidFill>
+                  <a:srgbClr val="374151"/>
+                </a:solidFill>
+                <a:effectLst/>
+                <a:latin typeface="Söhne"/>
+              </a:rPr>
+              <a:t>.</a:t>
+            </a:r>
+          </a:p>
+          <a:p>
+            <a:pPr algn="l">
+              <a:buFont typeface="Arial" panose="020B0604020202020204" pitchFamily="34" charset="0"/>
+              <a:buChar char="•"/>
+            </a:pPr>
+            <a:r>
+              <a:rPr lang="ko-KR" altLang="en-US" b="0" i="0" dirty="0">
+                <a:solidFill>
+                  <a:srgbClr val="374151"/>
+                </a:solidFill>
+                <a:effectLst/>
+                <a:latin typeface="Söhne"/>
+              </a:rPr>
+              <a:t>확장성</a:t>
+            </a:r>
+            <a:r>
+              <a:rPr lang="en-US" altLang="ko-KR" b="0" i="0" dirty="0">
+                <a:solidFill>
+                  <a:srgbClr val="374151"/>
+                </a:solidFill>
+                <a:effectLst/>
+                <a:latin typeface="Söhne"/>
+              </a:rPr>
+              <a:t>: </a:t>
+            </a:r>
+            <a:r>
+              <a:rPr lang="ko-KR" altLang="en-US" b="0" i="0" dirty="0">
+                <a:solidFill>
+                  <a:srgbClr val="374151"/>
+                </a:solidFill>
+                <a:effectLst/>
+                <a:latin typeface="Söhne"/>
+              </a:rPr>
+              <a:t>데이터 구조를 쉽게 확장하고 수정할 수 있습니다</a:t>
+            </a:r>
+            <a:r>
+              <a:rPr lang="en-US" altLang="ko-KR" b="0" i="0" dirty="0">
+                <a:solidFill>
+                  <a:srgbClr val="374151"/>
+                </a:solidFill>
+                <a:effectLst/>
+                <a:latin typeface="Söhne"/>
+              </a:rPr>
+              <a:t>.</a:t>
+            </a:r>
+          </a:p>
+          <a:p>
+            <a:endParaRPr lang="ko-KR" altLang="en-US" dirty="0"/>
+          </a:p>
+        </p:txBody>
+      </p:sp>
+      <p:sp>
+        <p:nvSpPr>
+          <p:cNvPr id="4" name="슬라이드 번호 개체 틀 3"/>
+          <p:cNvSpPr>
+            <a:spLocks noGrp="1"/>
+          </p:cNvSpPr>
+          <p:nvPr>
+            <p:ph type="sldNum" sz="quarter" idx="5"/>
+          </p:nvPr>
+        </p:nvSpPr>
+        <p:spPr/>
+        <p:txBody>
+          <a:bodyPr/>
+          <a:lstStyle/>
+          <a:p>
+            <a:fld id="{F93199CD-3E1B-4AE6-990F-76F925F5EA9F}" type="slidenum">
+              <a:rPr lang="en-US" altLang="ko-KR" smtClean="0"/>
+              <a:t>10</a:t>
+            </a:fld>
+            <a:endParaRPr lang="en-US" altLang="ko-KR"/>
+          </a:p>
+        </p:txBody>
+      </p:sp>
+    </p:spTree>
+    <p:extLst>
+      <p:ext uri="{BB962C8B-B14F-4D97-AF65-F5344CB8AC3E}">
+        <p14:creationId xmlns:p14="http://schemas.microsoft.com/office/powerpoint/2010/main" val="3835301149"/>
+      </p:ext>
+    </p:extLst>
+  </p:cSld>
+  <p:clrMapOvr>
+    <a:masterClrMapping/>
+  </p:clrMapOvr>
+</p:notes>
+</file>
+
 <file path=ppt/slideLayouts/slideLayout1.xml><?xml version="1.0" encoding="utf-8"?>
 <p:sldLayout xmlns:a="http://schemas.openxmlformats.org/drawingml/2006/main" xmlns:r="http://schemas.openxmlformats.org/officeDocument/2006/relationships" xmlns:p="http://schemas.openxmlformats.org/presentationml/2006/main" type="title" preserve="1">
   <p:cSld name="Title Slide">
@@ -997,7 +2299,7 @@
           <a:p>
             <a:fld id="{03F41C87-7AD9-4845-A077-840E4A0F3F06}" type="datetimeFigureOut">
               <a:rPr lang="en-US"/>
-              <a:t>9/12/2023</a:t>
+              <a:t>9/24/2023</a:t>
             </a:fld>
             <a:endParaRPr/>
           </a:p>
@@ -1189,7 +2491,7 @@
           <a:p>
             <a:fld id="{03F41C87-7AD9-4845-A077-840E4A0F3F06}" type="datetimeFigureOut">
               <a:rPr lang="en-US"/>
-              <a:t>9/12/2023</a:t>
+              <a:t>9/24/2023</a:t>
             </a:fld>
             <a:endParaRPr/>
           </a:p>
@@ -1378,7 +2680,7 @@
           <a:p>
             <a:fld id="{03F41C87-7AD9-4845-A077-840E4A0F3F06}" type="datetimeFigureOut">
               <a:rPr lang="en-US"/>
-              <a:t>9/12/2023</a:t>
+              <a:t>9/24/2023</a:t>
             </a:fld>
             <a:endParaRPr/>
           </a:p>
@@ -1658,7 +2960,7 @@
           <a:p>
             <a:fld id="{03F41C87-7AD9-4845-A077-840E4A0F3F06}" type="datetimeFigureOut">
               <a:rPr lang="en-US"/>
-              <a:t>9/12/2023</a:t>
+              <a:t>9/24/2023</a:t>
             </a:fld>
             <a:endParaRPr/>
           </a:p>
@@ -1962,7 +3264,7 @@
           <a:p>
             <a:fld id="{03F41C87-7AD9-4845-A077-840E4A0F3F06}" type="datetimeFigureOut">
               <a:rPr lang="en-US"/>
-              <a:t>9/12/2023</a:t>
+              <a:t>9/24/2023</a:t>
             </a:fld>
             <a:endParaRPr/>
           </a:p>
@@ -2418,7 +3720,7 @@
           <a:p>
             <a:fld id="{03F41C87-7AD9-4845-A077-840E4A0F3F06}" type="datetimeFigureOut">
               <a:rPr lang="en-US"/>
-              <a:t>9/12/2023</a:t>
+              <a:t>9/24/2023</a:t>
             </a:fld>
             <a:endParaRPr/>
           </a:p>
@@ -2548,7 +3850,7 @@
           <a:p>
             <a:fld id="{03F41C87-7AD9-4845-A077-840E4A0F3F06}" type="datetimeFigureOut">
               <a:rPr lang="en-US"/>
-              <a:t>9/12/2023</a:t>
+              <a:t>9/24/2023</a:t>
             </a:fld>
             <a:endParaRPr/>
           </a:p>
@@ -2663,7 +3965,7 @@
           <a:p>
             <a:fld id="{03F41C87-7AD9-4845-A077-840E4A0F3F06}" type="datetimeFigureOut">
               <a:rPr lang="en-US"/>
-              <a:t>9/12/2023</a:t>
+              <a:t>9/24/2023</a:t>
             </a:fld>
             <a:endParaRPr/>
           </a:p>
@@ -2985,7 +4287,7 @@
           <a:p>
             <a:fld id="{03F41C87-7AD9-4845-A077-840E4A0F3F06}" type="datetimeFigureOut">
               <a:rPr lang="en-US"/>
-              <a:t>9/12/2023</a:t>
+              <a:t>9/24/2023</a:t>
             </a:fld>
             <a:endParaRPr/>
           </a:p>
@@ -3297,7 +4599,7 @@
             <a:fld id="{03F41C87-7AD9-4845-A077-840E4A0F3F06}" type="datetimeFigureOut">
               <a:rPr lang="en-US"/>
               <a:pPr/>
-              <a:t>9/12/2023</a:t>
+              <a:t>9/24/2023</a:t>
             </a:fld>
             <a:endParaRPr/>
           </a:p>
@@ -3551,7 +4853,7 @@
             <a:fld id="{03F41C87-7AD9-4845-A077-840E4A0F3F06}" type="datetimeFigureOut">
               <a:rPr lang="en-US" smtClean="0"/>
               <a:pPr/>
-              <a:t>9/12/2023</a:t>
+              <a:t>9/24/2023</a:t>
             </a:fld>
             <a:endParaRPr lang="en-US"/>
           </a:p>
@@ -4045,6 +5347,125 @@
 </p:sld>
 </file>
 
+<file path=ppt/slides/slide10.xml><?xml version="1.0" encoding="utf-8"?>
+<p:sld xmlns:a="http://schemas.openxmlformats.org/drawingml/2006/main" xmlns:r="http://schemas.openxmlformats.org/officeDocument/2006/relationships" xmlns:p="http://schemas.openxmlformats.org/presentationml/2006/main">
+  <p:cSld>
+    <p:spTree>
+      <p:nvGrpSpPr>
+        <p:cNvPr id="1" name=""/>
+        <p:cNvGrpSpPr/>
+        <p:nvPr/>
+      </p:nvGrpSpPr>
+      <p:grpSpPr>
+        <a:xfrm>
+          <a:off x="0" y="0"/>
+          <a:ext cx="0" cy="0"/>
+          <a:chOff x="0" y="0"/>
+          <a:chExt cx="0" cy="0"/>
+        </a:xfrm>
+      </p:grpSpPr>
+      <p:sp>
+        <p:nvSpPr>
+          <p:cNvPr id="2" name="Title 1">
+            <a:extLst>
+              <a:ext uri="{FF2B5EF4-FFF2-40B4-BE49-F238E27FC236}">
+                <a16:creationId xmlns:a16="http://schemas.microsoft.com/office/drawing/2014/main" id="{A7F5E160-4E42-4FCC-9B4E-9574CD651EEE}"/>
+              </a:ext>
+            </a:extLst>
+          </p:cNvPr>
+          <p:cNvSpPr>
+            <a:spLocks noGrp="1"/>
+          </p:cNvSpPr>
+          <p:nvPr>
+            <p:ph type="title"/>
+          </p:nvPr>
+        </p:nvSpPr>
+        <p:spPr>
+          <a:xfrm>
+            <a:off x="912812" y="228600"/>
+            <a:ext cx="9144001" cy="1371600"/>
+          </a:xfrm>
+        </p:spPr>
+        <p:txBody>
+          <a:bodyPr/>
+          <a:lstStyle/>
+          <a:p>
+            <a:r>
+              <a:rPr lang="en-US" dirty="0"/>
+              <a:t>Be cautious</a:t>
+            </a:r>
+          </a:p>
+        </p:txBody>
+      </p:sp>
+      <p:sp>
+        <p:nvSpPr>
+          <p:cNvPr id="3" name="Content Placeholder 2">
+            <a:extLst>
+              <a:ext uri="{FF2B5EF4-FFF2-40B4-BE49-F238E27FC236}">
+                <a16:creationId xmlns:a16="http://schemas.microsoft.com/office/drawing/2014/main" id="{AE76CEDF-7A2B-443E-BB9D-5A6E793670A8}"/>
+              </a:ext>
+            </a:extLst>
+          </p:cNvPr>
+          <p:cNvSpPr>
+            <a:spLocks noGrp="1"/>
+          </p:cNvSpPr>
+          <p:nvPr>
+            <p:ph idx="1"/>
+          </p:nvPr>
+        </p:nvSpPr>
+        <p:spPr>
+          <a:xfrm>
+            <a:off x="946602" y="1905000"/>
+            <a:ext cx="10177009" cy="4114801"/>
+          </a:xfrm>
+        </p:spPr>
+        <p:txBody>
+          <a:bodyPr>
+            <a:normAutofit/>
+          </a:bodyPr>
+          <a:lstStyle/>
+          <a:p>
+            <a:pPr marL="0" indent="0">
+              <a:buNone/>
+            </a:pPr>
+            <a:r>
+              <a:rPr lang="en-US" altLang="ko-KR" dirty="0"/>
+              <a:t>Immutability : The data doesn’t change nor reset the value. So use the data that the value doesn’t change throughout the game. (It’s not used for player character! )</a:t>
+            </a:r>
+          </a:p>
+          <a:p>
+            <a:pPr marL="0" indent="0">
+              <a:buNone/>
+            </a:pPr>
+            <a:endParaRPr lang="en-US" altLang="ko-KR" dirty="0"/>
+          </a:p>
+        </p:txBody>
+      </p:sp>
+    </p:spTree>
+    <p:extLst>
+      <p:ext uri="{BB962C8B-B14F-4D97-AF65-F5344CB8AC3E}">
+        <p14:creationId xmlns:p14="http://schemas.microsoft.com/office/powerpoint/2010/main" val="3516388140"/>
+      </p:ext>
+    </p:extLst>
+  </p:cSld>
+  <p:clrMapOvr>
+    <a:masterClrMapping/>
+  </p:clrMapOvr>
+  <mc:AlternateContent xmlns:mc="http://schemas.openxmlformats.org/markup-compatibility/2006">
+    <mc:Choice xmlns:p14="http://schemas.microsoft.com/office/powerpoint/2010/main" Requires="p14">
+      <p:transition spd="med" p14:dur="700">
+        <p:fade/>
+      </p:transition>
+    </mc:Choice>
+    <mc:Fallback>
+      <p:transition spd="med">
+        <p:fade/>
+      </p:transition>
+    </mc:Fallback>
+  </mc:AlternateContent>
+</p:sld>
+</file>
+
 <file path=ppt/slides/slide2.xml><?xml version="1.0" encoding="utf-8"?>
 <p:sld xmlns:a="http://schemas.openxmlformats.org/drawingml/2006/main" xmlns:r="http://schemas.openxmlformats.org/officeDocument/2006/relationships" xmlns:p="http://schemas.openxmlformats.org/presentationml/2006/main">
   <p:cSld>
@@ -4080,8 +5501,8 @@
         </p:nvSpPr>
         <p:spPr>
           <a:xfrm>
-            <a:off x="912812" y="228600"/>
-            <a:ext cx="9144001" cy="1371600"/>
+            <a:off x="912812" y="304800"/>
+            <a:ext cx="9144001" cy="685800"/>
           </a:xfrm>
         </p:spPr>
         <p:txBody>
@@ -4113,8 +5534,8 @@
         </p:nvSpPr>
         <p:spPr>
           <a:xfrm>
-            <a:off x="912812" y="1828800"/>
-            <a:ext cx="5857792" cy="4114801"/>
+            <a:off x="912812" y="1283190"/>
+            <a:ext cx="9220200" cy="1295400"/>
           </a:xfrm>
         </p:spPr>
         <p:txBody>
@@ -4131,229 +5552,886 @@
               <a:t>Scriptable Object is a “Data Container” for large amount of data independent of class instance. </a:t>
             </a:r>
           </a:p>
-        </p:txBody>
-      </p:sp>
-      <p:sp>
-        <p:nvSpPr>
-          <p:cNvPr id="4" name="Content Placeholder 2">
+          <a:p>
+            <a:pPr marL="0" indent="0">
+              <a:buNone/>
+            </a:pPr>
+            <a:endParaRPr lang="en-US" dirty="0"/>
+          </a:p>
+          <a:p>
+            <a:pPr marL="0" indent="0">
+              <a:buNone/>
+            </a:pPr>
+            <a:endParaRPr lang="en-US" dirty="0"/>
+          </a:p>
+        </p:txBody>
+      </p:sp>
+      <p:sp>
+        <p:nvSpPr>
+          <p:cNvPr id="5" name="사각형: 둥근 모서리 4">
             <a:extLst>
               <a:ext uri="{FF2B5EF4-FFF2-40B4-BE49-F238E27FC236}">
-                <a16:creationId xmlns:a16="http://schemas.microsoft.com/office/drawing/2014/main" id="{0D1AF2C3-9D3A-4250-68BB-0E16EF53A299}"/>
+                <a16:creationId xmlns:a16="http://schemas.microsoft.com/office/drawing/2014/main" id="{19248084-DCA7-8086-7351-66D6B2455732}"/>
               </a:ext>
             </a:extLst>
           </p:cNvPr>
-          <p:cNvSpPr txBox="1">
-            <a:spLocks/>
-          </p:cNvSpPr>
+          <p:cNvSpPr/>
           <p:nvPr/>
         </p:nvSpPr>
         <p:spPr>
           <a:xfrm>
-            <a:off x="8456612" y="457200"/>
-            <a:ext cx="5857792" cy="1600201"/>
+            <a:off x="1865310" y="3433603"/>
+            <a:ext cx="2514600" cy="2438400"/>
           </a:xfrm>
-          <a:prstGeom prst="rect">
+          <a:prstGeom prst="roundRect">
             <a:avLst/>
           </a:prstGeom>
         </p:spPr>
-        <p:txBody>
-          <a:bodyPr vert="horz" lIns="91440" tIns="45720" rIns="91440" bIns="45720" rtlCol="0">
-            <a:normAutofit/>
-          </a:bodyPr>
-          <a:lstStyle>
-            <a:lvl1pPr marL="223838" indent="-223838" algn="l" defTabSz="914400" rtl="0" eaLnBrk="1" latinLnBrk="0" hangingPunct="1">
-              <a:lnSpc>
-                <a:spcPct val="90000"/>
-              </a:lnSpc>
-              <a:spcBef>
-                <a:spcPts val="1800"/>
-              </a:spcBef>
-              <a:buClr>
-                <a:schemeClr val="accent1"/>
-              </a:buClr>
-              <a:buSzPct val="100000"/>
-              <a:buFont typeface="Arial" pitchFamily="34" charset="0"/>
-              <a:buChar char="•"/>
-              <a:defRPr sz="2400" kern="1200">
-                <a:solidFill>
-                  <a:schemeClr val="tx1"/>
-                </a:solidFill>
-                <a:latin typeface="+mn-lt"/>
-                <a:ea typeface="+mn-ea"/>
-                <a:cs typeface="+mn-cs"/>
-              </a:defRPr>
-            </a:lvl1pPr>
-            <a:lvl2pPr marL="463550" indent="-231775" algn="l" defTabSz="914400" rtl="0" eaLnBrk="1" latinLnBrk="0" hangingPunct="1">
-              <a:lnSpc>
-                <a:spcPct val="90000"/>
-              </a:lnSpc>
-              <a:spcBef>
-                <a:spcPts val="1200"/>
-              </a:spcBef>
-              <a:buClr>
-                <a:schemeClr val="accent1"/>
-              </a:buClr>
-              <a:buSzPct val="100000"/>
-              <a:buFont typeface="Arial" pitchFamily="34" charset="0"/>
-              <a:buChar char="•"/>
-              <a:defRPr sz="2000" kern="1200">
-                <a:solidFill>
-                  <a:schemeClr val="tx1"/>
-                </a:solidFill>
-                <a:latin typeface="+mn-lt"/>
-                <a:ea typeface="+mn-ea"/>
-                <a:cs typeface="+mn-cs"/>
-              </a:defRPr>
-            </a:lvl2pPr>
-            <a:lvl3pPr marL="682625" indent="-219075" algn="l" defTabSz="914400" rtl="0" eaLnBrk="1" latinLnBrk="0" hangingPunct="1">
-              <a:lnSpc>
-                <a:spcPct val="90000"/>
-              </a:lnSpc>
-              <a:spcBef>
-                <a:spcPts val="600"/>
-              </a:spcBef>
-              <a:buClr>
-                <a:schemeClr val="accent1"/>
-              </a:buClr>
-              <a:buSzPct val="100000"/>
-              <a:buFont typeface="Arial" pitchFamily="34" charset="0"/>
-              <a:buChar char="•"/>
-              <a:defRPr sz="1800" kern="1200">
-                <a:solidFill>
-                  <a:schemeClr val="tx1"/>
-                </a:solidFill>
-                <a:latin typeface="+mn-lt"/>
-                <a:ea typeface="+mn-ea"/>
-                <a:cs typeface="+mn-cs"/>
-              </a:defRPr>
-            </a:lvl3pPr>
-            <a:lvl4pPr marL="857250" indent="-174625" algn="l" defTabSz="914400" rtl="0" eaLnBrk="1" latinLnBrk="0" hangingPunct="1">
-              <a:lnSpc>
-                <a:spcPct val="90000"/>
-              </a:lnSpc>
-              <a:spcBef>
-                <a:spcPts val="600"/>
-              </a:spcBef>
-              <a:buClr>
-                <a:schemeClr val="accent1"/>
-              </a:buClr>
-              <a:buSzPct val="100000"/>
-              <a:buFont typeface="Arial" pitchFamily="34" charset="0"/>
-              <a:buChar char="•"/>
-              <a:defRPr sz="1600" kern="1200">
-                <a:solidFill>
-                  <a:schemeClr val="tx1"/>
-                </a:solidFill>
-                <a:latin typeface="+mn-lt"/>
-                <a:ea typeface="+mn-ea"/>
-                <a:cs typeface="+mn-cs"/>
-              </a:defRPr>
-            </a:lvl4pPr>
-            <a:lvl5pPr marL="1030288" indent="-173038" algn="l" defTabSz="914400" rtl="0" eaLnBrk="1" latinLnBrk="0" hangingPunct="1">
-              <a:lnSpc>
-                <a:spcPct val="90000"/>
-              </a:lnSpc>
-              <a:spcBef>
-                <a:spcPts val="600"/>
-              </a:spcBef>
-              <a:buClr>
-                <a:schemeClr val="accent1"/>
-              </a:buClr>
-              <a:buSzPct val="100000"/>
-              <a:buFont typeface="Arial" pitchFamily="34" charset="0"/>
-              <a:buChar char="•"/>
-              <a:defRPr sz="1600" kern="1200">
-                <a:solidFill>
-                  <a:schemeClr val="tx1"/>
-                </a:solidFill>
-                <a:latin typeface="+mn-lt"/>
-                <a:ea typeface="+mn-ea"/>
-                <a:cs typeface="+mn-cs"/>
-              </a:defRPr>
-            </a:lvl5pPr>
-            <a:lvl6pPr marL="1207008" indent="-173736" algn="l" defTabSz="914400" rtl="0" eaLnBrk="1" latinLnBrk="0" hangingPunct="1">
-              <a:spcBef>
-                <a:spcPts val="600"/>
-              </a:spcBef>
-              <a:buClr>
-                <a:schemeClr val="accent1"/>
-              </a:buClr>
-              <a:buFont typeface="Arial" pitchFamily="34" charset="0"/>
-              <a:buChar char="•"/>
-              <a:defRPr sz="1600" kern="1200">
-                <a:solidFill>
-                  <a:schemeClr val="tx1"/>
-                </a:solidFill>
-                <a:latin typeface="+mn-lt"/>
-                <a:ea typeface="+mn-ea"/>
-                <a:cs typeface="+mn-cs"/>
-              </a:defRPr>
-            </a:lvl6pPr>
-            <a:lvl7pPr marL="1380744" indent="-173736" algn="l" defTabSz="914400" rtl="0" eaLnBrk="1" latinLnBrk="0" hangingPunct="1">
-              <a:spcBef>
-                <a:spcPts val="600"/>
-              </a:spcBef>
-              <a:buClr>
-                <a:schemeClr val="accent1"/>
-              </a:buClr>
-              <a:buFont typeface="Arial" pitchFamily="34" charset="0"/>
-              <a:buChar char="•"/>
-              <a:defRPr sz="1600" kern="1200">
-                <a:solidFill>
-                  <a:schemeClr val="tx1"/>
-                </a:solidFill>
-                <a:latin typeface="+mn-lt"/>
-                <a:ea typeface="+mn-ea"/>
-                <a:cs typeface="+mn-cs"/>
-              </a:defRPr>
-            </a:lvl7pPr>
-            <a:lvl8pPr marL="1554480" indent="-173736" algn="l" defTabSz="914400" rtl="0" eaLnBrk="1" latinLnBrk="0" hangingPunct="1">
-              <a:spcBef>
-                <a:spcPts val="600"/>
-              </a:spcBef>
-              <a:buClr>
-                <a:schemeClr val="accent1"/>
-              </a:buClr>
-              <a:buFont typeface="Arial" pitchFamily="34" charset="0"/>
-              <a:buChar char="•"/>
-              <a:defRPr sz="1600" kern="1200">
-                <a:solidFill>
-                  <a:schemeClr val="tx1"/>
-                </a:solidFill>
-                <a:latin typeface="+mn-lt"/>
-                <a:ea typeface="+mn-ea"/>
-                <a:cs typeface="+mn-cs"/>
-              </a:defRPr>
-            </a:lvl8pPr>
-            <a:lvl9pPr marL="1728216" indent="-173736" algn="l" defTabSz="914400" rtl="0" eaLnBrk="1" latinLnBrk="0" hangingPunct="1">
-              <a:spcBef>
-                <a:spcPts val="600"/>
-              </a:spcBef>
-              <a:buClr>
-                <a:schemeClr val="accent1"/>
-              </a:buClr>
-              <a:buFont typeface="Arial" pitchFamily="34" charset="0"/>
-              <a:buChar char="•"/>
-              <a:defRPr sz="1600" kern="1200">
-                <a:solidFill>
-                  <a:schemeClr val="tx1"/>
-                </a:solidFill>
-                <a:latin typeface="+mn-lt"/>
-                <a:ea typeface="+mn-ea"/>
-                <a:cs typeface="+mn-cs"/>
-              </a:defRPr>
-            </a:lvl9pPr>
-          </a:lstStyle>
-          <a:p>
-            <a:pPr marL="0" indent="0">
-              <a:buFont typeface="Arial" pitchFamily="34" charset="0"/>
-              <a:buNone/>
-            </a:pPr>
-            <a:r>
-              <a:rPr lang="ko-KR" altLang="en-US" sz="5400" b="1" dirty="0"/>
-              <a:t>개념설명</a:t>
-            </a:r>
-            <a:endParaRPr lang="en-US" sz="5400" b="1" dirty="0"/>
+        <p:style>
+          <a:lnRef idx="2">
+            <a:schemeClr val="accent1">
+              <a:shade val="15000"/>
+            </a:schemeClr>
+          </a:lnRef>
+          <a:fillRef idx="1">
+            <a:schemeClr val="accent1"/>
+          </a:fillRef>
+          <a:effectRef idx="0">
+            <a:schemeClr val="accent1"/>
+          </a:effectRef>
+          <a:fontRef idx="minor">
+            <a:schemeClr val="lt1"/>
+          </a:fontRef>
+        </p:style>
+        <p:txBody>
+          <a:bodyPr rtlCol="0" anchor="ctr"/>
+          <a:lstStyle/>
+          <a:p>
+            <a:pPr algn="ctr"/>
+            <a:endParaRPr lang="ko-KR" altLang="en-US"/>
+          </a:p>
+        </p:txBody>
+      </p:sp>
+      <p:sp>
+        <p:nvSpPr>
+          <p:cNvPr id="7" name="사각형: 둥근 모서리 6">
+            <a:extLst>
+              <a:ext uri="{FF2B5EF4-FFF2-40B4-BE49-F238E27FC236}">
+                <a16:creationId xmlns:a16="http://schemas.microsoft.com/office/drawing/2014/main" id="{1EB22996-6919-A872-CD1C-001763667856}"/>
+              </a:ext>
+            </a:extLst>
+          </p:cNvPr>
+          <p:cNvSpPr/>
+          <p:nvPr/>
+        </p:nvSpPr>
+        <p:spPr>
+          <a:xfrm>
+            <a:off x="2170110" y="3662203"/>
+            <a:ext cx="1905000" cy="304800"/>
+          </a:xfrm>
+          <a:prstGeom prst="roundRect">
+            <a:avLst/>
+          </a:prstGeom>
+          <a:solidFill>
+            <a:schemeClr val="tx1"/>
+          </a:solidFill>
+          <a:ln>
+            <a:noFill/>
+          </a:ln>
+        </p:spPr>
+        <p:style>
+          <a:lnRef idx="2">
+            <a:schemeClr val="accent1">
+              <a:shade val="15000"/>
+            </a:schemeClr>
+          </a:lnRef>
+          <a:fillRef idx="1">
+            <a:schemeClr val="accent1"/>
+          </a:fillRef>
+          <a:effectRef idx="0">
+            <a:schemeClr val="accent1"/>
+          </a:effectRef>
+          <a:fontRef idx="minor">
+            <a:schemeClr val="lt1"/>
+          </a:fontRef>
+        </p:style>
+        <p:txBody>
+          <a:bodyPr rtlCol="0" anchor="ctr"/>
+          <a:lstStyle/>
+          <a:p>
+            <a:pPr algn="ctr"/>
+            <a:r>
+              <a:rPr lang="en-US" altLang="ko-KR" sz="1050" dirty="0">
+                <a:solidFill>
+                  <a:schemeClr val="bg2"/>
+                </a:solidFill>
+              </a:rPr>
+              <a:t>Zombie Type</a:t>
+            </a:r>
+            <a:endParaRPr lang="ko-KR" altLang="en-US" sz="1050" dirty="0">
+              <a:solidFill>
+                <a:schemeClr val="bg2"/>
+              </a:solidFill>
+            </a:endParaRPr>
+          </a:p>
+        </p:txBody>
+      </p:sp>
+      <p:sp>
+        <p:nvSpPr>
+          <p:cNvPr id="8" name="사각형: 둥근 모서리 7">
+            <a:extLst>
+              <a:ext uri="{FF2B5EF4-FFF2-40B4-BE49-F238E27FC236}">
+                <a16:creationId xmlns:a16="http://schemas.microsoft.com/office/drawing/2014/main" id="{8E2AB180-8891-C08E-7D28-699874603737}"/>
+              </a:ext>
+            </a:extLst>
+          </p:cNvPr>
+          <p:cNvSpPr/>
+          <p:nvPr/>
+        </p:nvSpPr>
+        <p:spPr>
+          <a:xfrm>
+            <a:off x="2178239" y="4081304"/>
+            <a:ext cx="1905000" cy="304800"/>
+          </a:xfrm>
+          <a:prstGeom prst="roundRect">
+            <a:avLst/>
+          </a:prstGeom>
+          <a:solidFill>
+            <a:schemeClr val="tx1"/>
+          </a:solidFill>
+          <a:ln>
+            <a:noFill/>
+          </a:ln>
+        </p:spPr>
+        <p:style>
+          <a:lnRef idx="2">
+            <a:schemeClr val="accent1">
+              <a:shade val="15000"/>
+            </a:schemeClr>
+          </a:lnRef>
+          <a:fillRef idx="1">
+            <a:schemeClr val="accent1"/>
+          </a:fillRef>
+          <a:effectRef idx="0">
+            <a:schemeClr val="accent1"/>
+          </a:effectRef>
+          <a:fontRef idx="minor">
+            <a:schemeClr val="lt1"/>
+          </a:fontRef>
+        </p:style>
+        <p:txBody>
+          <a:bodyPr rtlCol="0" anchor="ctr"/>
+          <a:lstStyle/>
+          <a:p>
+            <a:pPr algn="ctr"/>
+            <a:r>
+              <a:rPr lang="en-US" altLang="ko-KR" sz="1050" dirty="0">
+                <a:solidFill>
+                  <a:schemeClr val="bg2"/>
+                </a:solidFill>
+              </a:rPr>
+              <a:t>Appearance</a:t>
+            </a:r>
+            <a:endParaRPr lang="ko-KR" altLang="en-US" sz="1050" dirty="0">
+              <a:solidFill>
+                <a:schemeClr val="bg2"/>
+              </a:solidFill>
+            </a:endParaRPr>
+          </a:p>
+        </p:txBody>
+      </p:sp>
+      <p:sp>
+        <p:nvSpPr>
+          <p:cNvPr id="9" name="사각형: 둥근 모서리 8">
+            <a:extLst>
+              <a:ext uri="{FF2B5EF4-FFF2-40B4-BE49-F238E27FC236}">
+                <a16:creationId xmlns:a16="http://schemas.microsoft.com/office/drawing/2014/main" id="{B670B2F8-2100-0F34-B6D6-0D5F4F9F21A7}"/>
+              </a:ext>
+            </a:extLst>
+          </p:cNvPr>
+          <p:cNvSpPr/>
+          <p:nvPr/>
+        </p:nvSpPr>
+        <p:spPr>
+          <a:xfrm>
+            <a:off x="2178239" y="2976403"/>
+            <a:ext cx="1905000" cy="304800"/>
+          </a:xfrm>
+          <a:prstGeom prst="roundRect">
+            <a:avLst/>
+          </a:prstGeom>
+          <a:solidFill>
+            <a:schemeClr val="tx1"/>
+          </a:solidFill>
+          <a:ln w="76200">
+            <a:solidFill>
+              <a:schemeClr val="bg2">
+                <a:lumMod val="50000"/>
+                <a:lumOff val="50000"/>
+              </a:schemeClr>
+            </a:solidFill>
+          </a:ln>
+        </p:spPr>
+        <p:style>
+          <a:lnRef idx="2">
+            <a:schemeClr val="accent1">
+              <a:shade val="15000"/>
+            </a:schemeClr>
+          </a:lnRef>
+          <a:fillRef idx="1">
+            <a:schemeClr val="accent1"/>
+          </a:fillRef>
+          <a:effectRef idx="0">
+            <a:schemeClr val="accent1"/>
+          </a:effectRef>
+          <a:fontRef idx="minor">
+            <a:schemeClr val="lt1"/>
+          </a:fontRef>
+        </p:style>
+        <p:txBody>
+          <a:bodyPr rtlCol="0" anchor="ctr"/>
+          <a:lstStyle/>
+          <a:p>
+            <a:pPr algn="ctr"/>
+            <a:r>
+              <a:rPr lang="en-US" altLang="ko-KR" sz="1050" b="1" dirty="0">
+                <a:solidFill>
+                  <a:schemeClr val="bg2"/>
+                </a:solidFill>
+              </a:rPr>
+              <a:t>Zombies : Scriptable Object</a:t>
+            </a:r>
+            <a:endParaRPr lang="ko-KR" altLang="en-US" sz="1050" b="1" dirty="0">
+              <a:solidFill>
+                <a:schemeClr val="bg2"/>
+              </a:solidFill>
+            </a:endParaRPr>
+          </a:p>
+        </p:txBody>
+      </p:sp>
+      <p:sp>
+        <p:nvSpPr>
+          <p:cNvPr id="10" name="사각형: 둥근 모서리 9">
+            <a:extLst>
+              <a:ext uri="{FF2B5EF4-FFF2-40B4-BE49-F238E27FC236}">
+                <a16:creationId xmlns:a16="http://schemas.microsoft.com/office/drawing/2014/main" id="{CCC6E51C-B309-7F2F-7D01-93C9F7FF3CA7}"/>
+              </a:ext>
+            </a:extLst>
+          </p:cNvPr>
+          <p:cNvSpPr/>
+          <p:nvPr/>
+        </p:nvSpPr>
+        <p:spPr>
+          <a:xfrm>
+            <a:off x="2170110" y="4495928"/>
+            <a:ext cx="1905000" cy="304800"/>
+          </a:xfrm>
+          <a:prstGeom prst="roundRect">
+            <a:avLst/>
+          </a:prstGeom>
+          <a:solidFill>
+            <a:schemeClr val="tx1"/>
+          </a:solidFill>
+          <a:ln>
+            <a:noFill/>
+          </a:ln>
+        </p:spPr>
+        <p:style>
+          <a:lnRef idx="2">
+            <a:schemeClr val="accent1">
+              <a:shade val="15000"/>
+            </a:schemeClr>
+          </a:lnRef>
+          <a:fillRef idx="1">
+            <a:schemeClr val="accent1"/>
+          </a:fillRef>
+          <a:effectRef idx="0">
+            <a:schemeClr val="accent1"/>
+          </a:effectRef>
+          <a:fontRef idx="minor">
+            <a:schemeClr val="lt1"/>
+          </a:fontRef>
+        </p:style>
+        <p:txBody>
+          <a:bodyPr rtlCol="0" anchor="ctr"/>
+          <a:lstStyle/>
+          <a:p>
+            <a:pPr algn="ctr"/>
+            <a:r>
+              <a:rPr lang="en-US" altLang="ko-KR" sz="1050" dirty="0">
+                <a:solidFill>
+                  <a:schemeClr val="bg2"/>
+                </a:solidFill>
+              </a:rPr>
+              <a:t>Run Speed</a:t>
+            </a:r>
+            <a:endParaRPr lang="ko-KR" altLang="en-US" sz="1050" dirty="0">
+              <a:solidFill>
+                <a:schemeClr val="bg2"/>
+              </a:solidFill>
+            </a:endParaRPr>
+          </a:p>
+        </p:txBody>
+      </p:sp>
+      <p:sp>
+        <p:nvSpPr>
+          <p:cNvPr id="11" name="사각형: 둥근 모서리 10">
+            <a:extLst>
+              <a:ext uri="{FF2B5EF4-FFF2-40B4-BE49-F238E27FC236}">
+                <a16:creationId xmlns:a16="http://schemas.microsoft.com/office/drawing/2014/main" id="{D93DB236-57E0-CC27-9530-84CF64080007}"/>
+              </a:ext>
+            </a:extLst>
+          </p:cNvPr>
+          <p:cNvSpPr/>
+          <p:nvPr/>
+        </p:nvSpPr>
+        <p:spPr>
+          <a:xfrm>
+            <a:off x="2187956" y="4910552"/>
+            <a:ext cx="1905000" cy="304800"/>
+          </a:xfrm>
+          <a:prstGeom prst="roundRect">
+            <a:avLst/>
+          </a:prstGeom>
+          <a:solidFill>
+            <a:schemeClr val="tx1"/>
+          </a:solidFill>
+          <a:ln>
+            <a:noFill/>
+          </a:ln>
+        </p:spPr>
+        <p:style>
+          <a:lnRef idx="2">
+            <a:schemeClr val="accent1">
+              <a:shade val="15000"/>
+            </a:schemeClr>
+          </a:lnRef>
+          <a:fillRef idx="1">
+            <a:schemeClr val="accent1"/>
+          </a:fillRef>
+          <a:effectRef idx="0">
+            <a:schemeClr val="accent1"/>
+          </a:effectRef>
+          <a:fontRef idx="minor">
+            <a:schemeClr val="lt1"/>
+          </a:fontRef>
+        </p:style>
+        <p:txBody>
+          <a:bodyPr rtlCol="0" anchor="ctr"/>
+          <a:lstStyle/>
+          <a:p>
+            <a:pPr algn="ctr"/>
+            <a:r>
+              <a:rPr lang="en-US" altLang="ko-KR" sz="1050" dirty="0">
+                <a:solidFill>
+                  <a:schemeClr val="bg2"/>
+                </a:solidFill>
+              </a:rPr>
+              <a:t>Hp</a:t>
+            </a:r>
+            <a:endParaRPr lang="ko-KR" altLang="en-US" sz="1050" dirty="0">
+              <a:solidFill>
+                <a:schemeClr val="bg2"/>
+              </a:solidFill>
+            </a:endParaRPr>
+          </a:p>
+        </p:txBody>
+      </p:sp>
+      <p:sp>
+        <p:nvSpPr>
+          <p:cNvPr id="12" name="사각형: 둥근 모서리 11">
+            <a:extLst>
+              <a:ext uri="{FF2B5EF4-FFF2-40B4-BE49-F238E27FC236}">
+                <a16:creationId xmlns:a16="http://schemas.microsoft.com/office/drawing/2014/main" id="{E80AEB93-E29B-62D1-DF7F-31A5473465E9}"/>
+              </a:ext>
+            </a:extLst>
+          </p:cNvPr>
+          <p:cNvSpPr/>
+          <p:nvPr/>
+        </p:nvSpPr>
+        <p:spPr>
+          <a:xfrm>
+            <a:off x="2188414" y="5325176"/>
+            <a:ext cx="1905000" cy="304800"/>
+          </a:xfrm>
+          <a:prstGeom prst="roundRect">
+            <a:avLst/>
+          </a:prstGeom>
+          <a:solidFill>
+            <a:schemeClr val="tx1"/>
+          </a:solidFill>
+          <a:ln>
+            <a:noFill/>
+          </a:ln>
+        </p:spPr>
+        <p:style>
+          <a:lnRef idx="2">
+            <a:schemeClr val="accent1">
+              <a:shade val="15000"/>
+            </a:schemeClr>
+          </a:lnRef>
+          <a:fillRef idx="1">
+            <a:schemeClr val="accent1"/>
+          </a:fillRef>
+          <a:effectRef idx="0">
+            <a:schemeClr val="accent1"/>
+          </a:effectRef>
+          <a:fontRef idx="minor">
+            <a:schemeClr val="lt1"/>
+          </a:fontRef>
+        </p:style>
+        <p:txBody>
+          <a:bodyPr rtlCol="0" anchor="ctr"/>
+          <a:lstStyle/>
+          <a:p>
+            <a:pPr algn="ctr"/>
+            <a:r>
+              <a:rPr lang="en-US" altLang="ko-KR" sz="1050" dirty="0">
+                <a:solidFill>
+                  <a:schemeClr val="bg2"/>
+                </a:solidFill>
+              </a:rPr>
+              <a:t>Ability</a:t>
+            </a:r>
+            <a:endParaRPr lang="ko-KR" altLang="en-US" sz="1050" dirty="0">
+              <a:solidFill>
+                <a:schemeClr val="bg2"/>
+              </a:solidFill>
+            </a:endParaRPr>
+          </a:p>
+        </p:txBody>
+      </p:sp>
+      <p:sp>
+        <p:nvSpPr>
+          <p:cNvPr id="20" name="사각형: 둥근 모서리 19">
+            <a:extLst>
+              <a:ext uri="{FF2B5EF4-FFF2-40B4-BE49-F238E27FC236}">
+                <a16:creationId xmlns:a16="http://schemas.microsoft.com/office/drawing/2014/main" id="{2FE7042A-44B6-4AAA-09B9-F6300C48610E}"/>
+              </a:ext>
+            </a:extLst>
+          </p:cNvPr>
+          <p:cNvSpPr/>
+          <p:nvPr/>
+        </p:nvSpPr>
+        <p:spPr>
+          <a:xfrm>
+            <a:off x="7542212" y="3429000"/>
+            <a:ext cx="2514600" cy="2438400"/>
+          </a:xfrm>
+          <a:prstGeom prst="roundRect">
+            <a:avLst/>
+          </a:prstGeom>
+        </p:spPr>
+        <p:style>
+          <a:lnRef idx="2">
+            <a:schemeClr val="accent1">
+              <a:shade val="15000"/>
+            </a:schemeClr>
+          </a:lnRef>
+          <a:fillRef idx="1">
+            <a:schemeClr val="accent1"/>
+          </a:fillRef>
+          <a:effectRef idx="0">
+            <a:schemeClr val="accent1"/>
+          </a:effectRef>
+          <a:fontRef idx="minor">
+            <a:schemeClr val="lt1"/>
+          </a:fontRef>
+        </p:style>
+        <p:txBody>
+          <a:bodyPr rtlCol="0" anchor="ctr"/>
+          <a:lstStyle/>
+          <a:p>
+            <a:pPr algn="ctr"/>
+            <a:endParaRPr lang="ko-KR" altLang="en-US"/>
+          </a:p>
+        </p:txBody>
+      </p:sp>
+      <p:sp>
+        <p:nvSpPr>
+          <p:cNvPr id="21" name="사각형: 둥근 모서리 20">
+            <a:extLst>
+              <a:ext uri="{FF2B5EF4-FFF2-40B4-BE49-F238E27FC236}">
+                <a16:creationId xmlns:a16="http://schemas.microsoft.com/office/drawing/2014/main" id="{88CED801-C36A-3AFB-4ECA-B1359DF09A5D}"/>
+              </a:ext>
+            </a:extLst>
+          </p:cNvPr>
+          <p:cNvSpPr/>
+          <p:nvPr/>
+        </p:nvSpPr>
+        <p:spPr>
+          <a:xfrm>
+            <a:off x="7847012" y="3657600"/>
+            <a:ext cx="1905000" cy="304800"/>
+          </a:xfrm>
+          <a:prstGeom prst="roundRect">
+            <a:avLst/>
+          </a:prstGeom>
+          <a:solidFill>
+            <a:schemeClr val="tx1"/>
+          </a:solidFill>
+          <a:ln>
+            <a:noFill/>
+          </a:ln>
+        </p:spPr>
+        <p:style>
+          <a:lnRef idx="2">
+            <a:schemeClr val="accent1">
+              <a:shade val="15000"/>
+            </a:schemeClr>
+          </a:lnRef>
+          <a:fillRef idx="1">
+            <a:schemeClr val="accent1"/>
+          </a:fillRef>
+          <a:effectRef idx="0">
+            <a:schemeClr val="accent1"/>
+          </a:effectRef>
+          <a:fontRef idx="minor">
+            <a:schemeClr val="lt1"/>
+          </a:fontRef>
+        </p:style>
+        <p:txBody>
+          <a:bodyPr rtlCol="0" anchor="ctr"/>
+          <a:lstStyle/>
+          <a:p>
+            <a:pPr algn="ctr"/>
+            <a:r>
+              <a:rPr lang="en-US" altLang="ko-KR" sz="1050" dirty="0">
+                <a:solidFill>
+                  <a:schemeClr val="bg2"/>
+                </a:solidFill>
+              </a:rPr>
+              <a:t>Tomato</a:t>
+            </a:r>
+            <a:endParaRPr lang="ko-KR" altLang="en-US" sz="1050" dirty="0">
+              <a:solidFill>
+                <a:schemeClr val="bg2"/>
+              </a:solidFill>
+            </a:endParaRPr>
+          </a:p>
+        </p:txBody>
+      </p:sp>
+      <p:sp>
+        <p:nvSpPr>
+          <p:cNvPr id="22" name="사각형: 둥근 모서리 21">
+            <a:extLst>
+              <a:ext uri="{FF2B5EF4-FFF2-40B4-BE49-F238E27FC236}">
+                <a16:creationId xmlns:a16="http://schemas.microsoft.com/office/drawing/2014/main" id="{8BFFB0D4-4CB6-E9F1-D1FA-B4435AF5E8BB}"/>
+              </a:ext>
+            </a:extLst>
+          </p:cNvPr>
+          <p:cNvSpPr/>
+          <p:nvPr/>
+        </p:nvSpPr>
+        <p:spPr>
+          <a:xfrm>
+            <a:off x="7855141" y="4076701"/>
+            <a:ext cx="1905000" cy="304800"/>
+          </a:xfrm>
+          <a:prstGeom prst="roundRect">
+            <a:avLst/>
+          </a:prstGeom>
+          <a:solidFill>
+            <a:schemeClr val="tx1"/>
+          </a:solidFill>
+          <a:ln>
+            <a:noFill/>
+          </a:ln>
+        </p:spPr>
+        <p:style>
+          <a:lnRef idx="2">
+            <a:schemeClr val="accent1">
+              <a:shade val="15000"/>
+            </a:schemeClr>
+          </a:lnRef>
+          <a:fillRef idx="1">
+            <a:schemeClr val="accent1"/>
+          </a:fillRef>
+          <a:effectRef idx="0">
+            <a:schemeClr val="accent1"/>
+          </a:effectRef>
+          <a:fontRef idx="minor">
+            <a:schemeClr val="lt1"/>
+          </a:fontRef>
+        </p:style>
+        <p:txBody>
+          <a:bodyPr rtlCol="0" anchor="ctr"/>
+          <a:lstStyle/>
+          <a:p>
+            <a:pPr algn="ctr"/>
+            <a:r>
+              <a:rPr lang="en-US" altLang="ko-KR" sz="1050" dirty="0">
+                <a:solidFill>
+                  <a:schemeClr val="bg2"/>
+                </a:solidFill>
+              </a:rPr>
+              <a:t>Apple</a:t>
+            </a:r>
+            <a:endParaRPr lang="ko-KR" altLang="en-US" sz="1050" dirty="0">
+              <a:solidFill>
+                <a:schemeClr val="bg2"/>
+              </a:solidFill>
+            </a:endParaRPr>
+          </a:p>
+        </p:txBody>
+      </p:sp>
+      <p:sp>
+        <p:nvSpPr>
+          <p:cNvPr id="23" name="사각형: 둥근 모서리 22">
+            <a:extLst>
+              <a:ext uri="{FF2B5EF4-FFF2-40B4-BE49-F238E27FC236}">
+                <a16:creationId xmlns:a16="http://schemas.microsoft.com/office/drawing/2014/main" id="{CFF43FC9-A7A8-59F9-62D2-2288848B06CC}"/>
+              </a:ext>
+            </a:extLst>
+          </p:cNvPr>
+          <p:cNvSpPr/>
+          <p:nvPr/>
+        </p:nvSpPr>
+        <p:spPr>
+          <a:xfrm>
+            <a:off x="7855141" y="2971800"/>
+            <a:ext cx="1905000" cy="304800"/>
+          </a:xfrm>
+          <a:prstGeom prst="roundRect">
+            <a:avLst/>
+          </a:prstGeom>
+          <a:solidFill>
+            <a:schemeClr val="tx1"/>
+          </a:solidFill>
+          <a:ln w="76200">
+            <a:solidFill>
+              <a:schemeClr val="accent6">
+                <a:lumMod val="75000"/>
+              </a:schemeClr>
+            </a:solidFill>
+          </a:ln>
+        </p:spPr>
+        <p:style>
+          <a:lnRef idx="2">
+            <a:schemeClr val="accent1">
+              <a:shade val="15000"/>
+            </a:schemeClr>
+          </a:lnRef>
+          <a:fillRef idx="1">
+            <a:schemeClr val="accent1"/>
+          </a:fillRef>
+          <a:effectRef idx="0">
+            <a:schemeClr val="accent1"/>
+          </a:effectRef>
+          <a:fontRef idx="minor">
+            <a:schemeClr val="lt1"/>
+          </a:fontRef>
+        </p:style>
+        <p:txBody>
+          <a:bodyPr rtlCol="0" anchor="ctr"/>
+          <a:lstStyle/>
+          <a:p>
+            <a:pPr algn="ctr"/>
+            <a:r>
+              <a:rPr lang="en-US" altLang="ko-KR" sz="1050" b="1" dirty="0">
+                <a:solidFill>
+                  <a:schemeClr val="bg2"/>
+                </a:solidFill>
+              </a:rPr>
+              <a:t>Foods : Scriptable Object</a:t>
+            </a:r>
+            <a:endParaRPr lang="ko-KR" altLang="en-US" sz="1050" b="1" dirty="0">
+              <a:solidFill>
+                <a:schemeClr val="bg2"/>
+              </a:solidFill>
+            </a:endParaRPr>
+          </a:p>
+        </p:txBody>
+      </p:sp>
+      <p:sp>
+        <p:nvSpPr>
+          <p:cNvPr id="24" name="사각형: 둥근 모서리 23">
+            <a:extLst>
+              <a:ext uri="{FF2B5EF4-FFF2-40B4-BE49-F238E27FC236}">
+                <a16:creationId xmlns:a16="http://schemas.microsoft.com/office/drawing/2014/main" id="{CE317943-2579-12EA-CB66-606540681989}"/>
+              </a:ext>
+            </a:extLst>
+          </p:cNvPr>
+          <p:cNvSpPr/>
+          <p:nvPr/>
+        </p:nvSpPr>
+        <p:spPr>
+          <a:xfrm>
+            <a:off x="7847012" y="4491325"/>
+            <a:ext cx="1905000" cy="304800"/>
+          </a:xfrm>
+          <a:prstGeom prst="roundRect">
+            <a:avLst/>
+          </a:prstGeom>
+          <a:solidFill>
+            <a:schemeClr val="tx1"/>
+          </a:solidFill>
+          <a:ln>
+            <a:noFill/>
+          </a:ln>
+        </p:spPr>
+        <p:style>
+          <a:lnRef idx="2">
+            <a:schemeClr val="accent1">
+              <a:shade val="15000"/>
+            </a:schemeClr>
+          </a:lnRef>
+          <a:fillRef idx="1">
+            <a:schemeClr val="accent1"/>
+          </a:fillRef>
+          <a:effectRef idx="0">
+            <a:schemeClr val="accent1"/>
+          </a:effectRef>
+          <a:fontRef idx="minor">
+            <a:schemeClr val="lt1"/>
+          </a:fontRef>
+        </p:style>
+        <p:txBody>
+          <a:bodyPr rtlCol="0" anchor="ctr"/>
+          <a:lstStyle/>
+          <a:p>
+            <a:pPr algn="ctr"/>
+            <a:r>
+              <a:rPr lang="en-US" altLang="ko-KR" sz="1050" dirty="0">
+                <a:solidFill>
+                  <a:schemeClr val="bg2"/>
+                </a:solidFill>
+              </a:rPr>
+              <a:t>Grape</a:t>
+            </a:r>
+            <a:endParaRPr lang="ko-KR" altLang="en-US" sz="1050" dirty="0">
+              <a:solidFill>
+                <a:schemeClr val="bg2"/>
+              </a:solidFill>
+            </a:endParaRPr>
+          </a:p>
+        </p:txBody>
+      </p:sp>
+      <p:sp>
+        <p:nvSpPr>
+          <p:cNvPr id="25" name="사각형: 둥근 모서리 24">
+            <a:extLst>
+              <a:ext uri="{FF2B5EF4-FFF2-40B4-BE49-F238E27FC236}">
+                <a16:creationId xmlns:a16="http://schemas.microsoft.com/office/drawing/2014/main" id="{47D1E778-6C23-05C3-A72F-C4C1173F12BB}"/>
+              </a:ext>
+            </a:extLst>
+          </p:cNvPr>
+          <p:cNvSpPr/>
+          <p:nvPr/>
+        </p:nvSpPr>
+        <p:spPr>
+          <a:xfrm>
+            <a:off x="7864858" y="4905949"/>
+            <a:ext cx="1905000" cy="304800"/>
+          </a:xfrm>
+          <a:prstGeom prst="roundRect">
+            <a:avLst/>
+          </a:prstGeom>
+          <a:solidFill>
+            <a:schemeClr val="tx1"/>
+          </a:solidFill>
+          <a:ln>
+            <a:noFill/>
+          </a:ln>
+        </p:spPr>
+        <p:style>
+          <a:lnRef idx="2">
+            <a:schemeClr val="accent1">
+              <a:shade val="15000"/>
+            </a:schemeClr>
+          </a:lnRef>
+          <a:fillRef idx="1">
+            <a:schemeClr val="accent1"/>
+          </a:fillRef>
+          <a:effectRef idx="0">
+            <a:schemeClr val="accent1"/>
+          </a:effectRef>
+          <a:fontRef idx="minor">
+            <a:schemeClr val="lt1"/>
+          </a:fontRef>
+        </p:style>
+        <p:txBody>
+          <a:bodyPr rtlCol="0" anchor="ctr"/>
+          <a:lstStyle/>
+          <a:p>
+            <a:pPr algn="ctr"/>
+            <a:r>
+              <a:rPr lang="en-US" altLang="ko-KR" sz="1050" dirty="0">
+                <a:solidFill>
+                  <a:schemeClr val="bg2"/>
+                </a:solidFill>
+              </a:rPr>
+              <a:t>Cabbage</a:t>
+            </a:r>
+            <a:endParaRPr lang="ko-KR" altLang="en-US" sz="1050" dirty="0">
+              <a:solidFill>
+                <a:schemeClr val="bg2"/>
+              </a:solidFill>
+            </a:endParaRPr>
+          </a:p>
+        </p:txBody>
+      </p:sp>
+      <p:sp>
+        <p:nvSpPr>
+          <p:cNvPr id="26" name="사각형: 둥근 모서리 25">
+            <a:extLst>
+              <a:ext uri="{FF2B5EF4-FFF2-40B4-BE49-F238E27FC236}">
+                <a16:creationId xmlns:a16="http://schemas.microsoft.com/office/drawing/2014/main" id="{6CC8BB19-DB13-FC4B-9B6B-1B5922B96570}"/>
+              </a:ext>
+            </a:extLst>
+          </p:cNvPr>
+          <p:cNvSpPr/>
+          <p:nvPr/>
+        </p:nvSpPr>
+        <p:spPr>
+          <a:xfrm>
+            <a:off x="7865316" y="5320573"/>
+            <a:ext cx="1905000" cy="304800"/>
+          </a:xfrm>
+          <a:prstGeom prst="roundRect">
+            <a:avLst/>
+          </a:prstGeom>
+          <a:solidFill>
+            <a:schemeClr val="tx1"/>
+          </a:solidFill>
+          <a:ln>
+            <a:noFill/>
+          </a:ln>
+        </p:spPr>
+        <p:style>
+          <a:lnRef idx="2">
+            <a:schemeClr val="accent1">
+              <a:shade val="15000"/>
+            </a:schemeClr>
+          </a:lnRef>
+          <a:fillRef idx="1">
+            <a:schemeClr val="accent1"/>
+          </a:fillRef>
+          <a:effectRef idx="0">
+            <a:schemeClr val="accent1"/>
+          </a:effectRef>
+          <a:fontRef idx="minor">
+            <a:schemeClr val="lt1"/>
+          </a:fontRef>
+        </p:style>
+        <p:txBody>
+          <a:bodyPr rtlCol="0" anchor="ctr"/>
+          <a:lstStyle/>
+          <a:p>
+            <a:pPr algn="ctr"/>
+            <a:r>
+              <a:rPr lang="en-US" altLang="ko-KR" sz="1050" dirty="0">
+                <a:solidFill>
+                  <a:schemeClr val="bg2"/>
+                </a:solidFill>
+              </a:rPr>
+              <a:t>Meat</a:t>
+            </a:r>
+            <a:endParaRPr lang="ko-KR" altLang="en-US" sz="1050" dirty="0">
+              <a:solidFill>
+                <a:schemeClr val="bg2"/>
+              </a:solidFill>
+            </a:endParaRPr>
           </a:p>
         </p:txBody>
       </p:sp>
@@ -4417,8 +6495,8 @@
         </p:nvSpPr>
         <p:spPr>
           <a:xfrm>
-            <a:off x="912812" y="228600"/>
-            <a:ext cx="9144001" cy="1371600"/>
+            <a:off x="839870" y="228600"/>
+            <a:ext cx="9144001" cy="762000"/>
           </a:xfrm>
         </p:spPr>
         <p:txBody>
@@ -4427,986 +6505,47 @@
           <a:p>
             <a:r>
               <a:rPr lang="en-US" dirty="0"/>
-              <a:t>Scriptable Object</a:t>
-            </a:r>
-          </a:p>
-        </p:txBody>
-      </p:sp>
-      <p:sp>
-        <p:nvSpPr>
-          <p:cNvPr id="3" name="Content Placeholder 2">
+              <a:t>Why you need it?</a:t>
+            </a:r>
+          </a:p>
+        </p:txBody>
+      </p:sp>
+      <p:pic>
+        <p:nvPicPr>
+          <p:cNvPr id="14" name="그림 13">
             <a:extLst>
               <a:ext uri="{FF2B5EF4-FFF2-40B4-BE49-F238E27FC236}">
-                <a16:creationId xmlns:a16="http://schemas.microsoft.com/office/drawing/2014/main" id="{AE76CEDF-7A2B-443E-BB9D-5A6E793670A8}"/>
+                <a16:creationId xmlns:a16="http://schemas.microsoft.com/office/drawing/2014/main" id="{E86BB089-9758-B089-37B1-A615FCBE2A18}"/>
               </a:ext>
             </a:extLst>
           </p:cNvPr>
-          <p:cNvSpPr>
-            <a:spLocks noGrp="1"/>
-          </p:cNvSpPr>
-          <p:nvPr>
-            <p:ph idx="1"/>
-          </p:nvPr>
-        </p:nvSpPr>
+          <p:cNvPicPr>
+            <a:picLocks noChangeAspect="1"/>
+          </p:cNvPicPr>
+          <p:nvPr/>
+        </p:nvPicPr>
+        <p:blipFill>
+          <a:blip r:embed="rId3"/>
+          <a:stretch>
+            <a:fillRect/>
+          </a:stretch>
+        </p:blipFill>
         <p:spPr>
           <a:xfrm>
-            <a:off x="912812" y="1828800"/>
-            <a:ext cx="5857792" cy="4114801"/>
-          </a:xfrm>
-        </p:spPr>
-        <p:txBody>
-          <a:bodyPr>
-            <a:normAutofit/>
-          </a:bodyPr>
-          <a:lstStyle/>
-          <a:p>
-            <a:pPr marL="0" indent="0">
-              <a:buNone/>
-            </a:pPr>
-            <a:r>
-              <a:rPr lang="en-US" dirty="0"/>
-              <a:t>Scriptable Object is a “Data Container” for large amount of data independent of class instance. </a:t>
-            </a:r>
-          </a:p>
-        </p:txBody>
-      </p:sp>
-      <p:sp>
-        <p:nvSpPr>
-          <p:cNvPr id="4" name="Content Placeholder 2">
-            <a:extLst>
-              <a:ext uri="{FF2B5EF4-FFF2-40B4-BE49-F238E27FC236}">
-                <a16:creationId xmlns:a16="http://schemas.microsoft.com/office/drawing/2014/main" id="{0D1AF2C3-9D3A-4250-68BB-0E16EF53A299}"/>
-              </a:ext>
-            </a:extLst>
-          </p:cNvPr>
-          <p:cNvSpPr txBox="1">
-            <a:spLocks/>
-          </p:cNvSpPr>
-          <p:nvPr/>
-        </p:nvSpPr>
-        <p:spPr>
-          <a:xfrm>
-            <a:off x="8151812" y="381000"/>
-            <a:ext cx="5857792" cy="1600201"/>
+            <a:off x="823282" y="1375938"/>
+            <a:ext cx="4585329" cy="2512118"/>
           </a:xfrm>
           <a:prstGeom prst="rect">
             <a:avLst/>
           </a:prstGeom>
         </p:spPr>
-        <p:txBody>
-          <a:bodyPr vert="horz" lIns="91440" tIns="45720" rIns="91440" bIns="45720" rtlCol="0">
-            <a:normAutofit fontScale="92500" lnSpcReduction="10000"/>
-          </a:bodyPr>
-          <a:lstStyle>
-            <a:lvl1pPr marL="223838" indent="-223838" algn="l" defTabSz="914400" rtl="0" eaLnBrk="1" latinLnBrk="0" hangingPunct="1">
-              <a:lnSpc>
-                <a:spcPct val="90000"/>
-              </a:lnSpc>
-              <a:spcBef>
-                <a:spcPts val="1800"/>
-              </a:spcBef>
-              <a:buClr>
-                <a:schemeClr val="accent1"/>
-              </a:buClr>
-              <a:buSzPct val="100000"/>
-              <a:buFont typeface="Arial" pitchFamily="34" charset="0"/>
-              <a:buChar char="•"/>
-              <a:defRPr sz="2400" kern="1200">
-                <a:solidFill>
-                  <a:schemeClr val="tx1"/>
-                </a:solidFill>
-                <a:latin typeface="+mn-lt"/>
-                <a:ea typeface="+mn-ea"/>
-                <a:cs typeface="+mn-cs"/>
-              </a:defRPr>
-            </a:lvl1pPr>
-            <a:lvl2pPr marL="463550" indent="-231775" algn="l" defTabSz="914400" rtl="0" eaLnBrk="1" latinLnBrk="0" hangingPunct="1">
-              <a:lnSpc>
-                <a:spcPct val="90000"/>
-              </a:lnSpc>
-              <a:spcBef>
-                <a:spcPts val="1200"/>
-              </a:spcBef>
-              <a:buClr>
-                <a:schemeClr val="accent1"/>
-              </a:buClr>
-              <a:buSzPct val="100000"/>
-              <a:buFont typeface="Arial" pitchFamily="34" charset="0"/>
-              <a:buChar char="•"/>
-              <a:defRPr sz="2000" kern="1200">
-                <a:solidFill>
-                  <a:schemeClr val="tx1"/>
-                </a:solidFill>
-                <a:latin typeface="+mn-lt"/>
-                <a:ea typeface="+mn-ea"/>
-                <a:cs typeface="+mn-cs"/>
-              </a:defRPr>
-            </a:lvl2pPr>
-            <a:lvl3pPr marL="682625" indent="-219075" algn="l" defTabSz="914400" rtl="0" eaLnBrk="1" latinLnBrk="0" hangingPunct="1">
-              <a:lnSpc>
-                <a:spcPct val="90000"/>
-              </a:lnSpc>
-              <a:spcBef>
-                <a:spcPts val="600"/>
-              </a:spcBef>
-              <a:buClr>
-                <a:schemeClr val="accent1"/>
-              </a:buClr>
-              <a:buSzPct val="100000"/>
-              <a:buFont typeface="Arial" pitchFamily="34" charset="0"/>
-              <a:buChar char="•"/>
-              <a:defRPr sz="1800" kern="1200">
-                <a:solidFill>
-                  <a:schemeClr val="tx1"/>
-                </a:solidFill>
-                <a:latin typeface="+mn-lt"/>
-                <a:ea typeface="+mn-ea"/>
-                <a:cs typeface="+mn-cs"/>
-              </a:defRPr>
-            </a:lvl3pPr>
-            <a:lvl4pPr marL="857250" indent="-174625" algn="l" defTabSz="914400" rtl="0" eaLnBrk="1" latinLnBrk="0" hangingPunct="1">
-              <a:lnSpc>
-                <a:spcPct val="90000"/>
-              </a:lnSpc>
-              <a:spcBef>
-                <a:spcPts val="600"/>
-              </a:spcBef>
-              <a:buClr>
-                <a:schemeClr val="accent1"/>
-              </a:buClr>
-              <a:buSzPct val="100000"/>
-              <a:buFont typeface="Arial" pitchFamily="34" charset="0"/>
-              <a:buChar char="•"/>
-              <a:defRPr sz="1600" kern="1200">
-                <a:solidFill>
-                  <a:schemeClr val="tx1"/>
-                </a:solidFill>
-                <a:latin typeface="+mn-lt"/>
-                <a:ea typeface="+mn-ea"/>
-                <a:cs typeface="+mn-cs"/>
-              </a:defRPr>
-            </a:lvl4pPr>
-            <a:lvl5pPr marL="1030288" indent="-173038" algn="l" defTabSz="914400" rtl="0" eaLnBrk="1" latinLnBrk="0" hangingPunct="1">
-              <a:lnSpc>
-                <a:spcPct val="90000"/>
-              </a:lnSpc>
-              <a:spcBef>
-                <a:spcPts val="600"/>
-              </a:spcBef>
-              <a:buClr>
-                <a:schemeClr val="accent1"/>
-              </a:buClr>
-              <a:buSzPct val="100000"/>
-              <a:buFont typeface="Arial" pitchFamily="34" charset="0"/>
-              <a:buChar char="•"/>
-              <a:defRPr sz="1600" kern="1200">
-                <a:solidFill>
-                  <a:schemeClr val="tx1"/>
-                </a:solidFill>
-                <a:latin typeface="+mn-lt"/>
-                <a:ea typeface="+mn-ea"/>
-                <a:cs typeface="+mn-cs"/>
-              </a:defRPr>
-            </a:lvl5pPr>
-            <a:lvl6pPr marL="1207008" indent="-173736" algn="l" defTabSz="914400" rtl="0" eaLnBrk="1" latinLnBrk="0" hangingPunct="1">
-              <a:spcBef>
-                <a:spcPts val="600"/>
-              </a:spcBef>
-              <a:buClr>
-                <a:schemeClr val="accent1"/>
-              </a:buClr>
-              <a:buFont typeface="Arial" pitchFamily="34" charset="0"/>
-              <a:buChar char="•"/>
-              <a:defRPr sz="1600" kern="1200">
-                <a:solidFill>
-                  <a:schemeClr val="tx1"/>
-                </a:solidFill>
-                <a:latin typeface="+mn-lt"/>
-                <a:ea typeface="+mn-ea"/>
-                <a:cs typeface="+mn-cs"/>
-              </a:defRPr>
-            </a:lvl6pPr>
-            <a:lvl7pPr marL="1380744" indent="-173736" algn="l" defTabSz="914400" rtl="0" eaLnBrk="1" latinLnBrk="0" hangingPunct="1">
-              <a:spcBef>
-                <a:spcPts val="600"/>
-              </a:spcBef>
-              <a:buClr>
-                <a:schemeClr val="accent1"/>
-              </a:buClr>
-              <a:buFont typeface="Arial" pitchFamily="34" charset="0"/>
-              <a:buChar char="•"/>
-              <a:defRPr sz="1600" kern="1200">
-                <a:solidFill>
-                  <a:schemeClr val="tx1"/>
-                </a:solidFill>
-                <a:latin typeface="+mn-lt"/>
-                <a:ea typeface="+mn-ea"/>
-                <a:cs typeface="+mn-cs"/>
-              </a:defRPr>
-            </a:lvl7pPr>
-            <a:lvl8pPr marL="1554480" indent="-173736" algn="l" defTabSz="914400" rtl="0" eaLnBrk="1" latinLnBrk="0" hangingPunct="1">
-              <a:spcBef>
-                <a:spcPts val="600"/>
-              </a:spcBef>
-              <a:buClr>
-                <a:schemeClr val="accent1"/>
-              </a:buClr>
-              <a:buFont typeface="Arial" pitchFamily="34" charset="0"/>
-              <a:buChar char="•"/>
-              <a:defRPr sz="1600" kern="1200">
-                <a:solidFill>
-                  <a:schemeClr val="tx1"/>
-                </a:solidFill>
-                <a:latin typeface="+mn-lt"/>
-                <a:ea typeface="+mn-ea"/>
-                <a:cs typeface="+mn-cs"/>
-              </a:defRPr>
-            </a:lvl8pPr>
-            <a:lvl9pPr marL="1728216" indent="-173736" algn="l" defTabSz="914400" rtl="0" eaLnBrk="1" latinLnBrk="0" hangingPunct="1">
-              <a:spcBef>
-                <a:spcPts val="600"/>
-              </a:spcBef>
-              <a:buClr>
-                <a:schemeClr val="accent1"/>
-              </a:buClr>
-              <a:buFont typeface="Arial" pitchFamily="34" charset="0"/>
-              <a:buChar char="•"/>
-              <a:defRPr sz="1600" kern="1200">
-                <a:solidFill>
-                  <a:schemeClr val="tx1"/>
-                </a:solidFill>
-                <a:latin typeface="+mn-lt"/>
-                <a:ea typeface="+mn-ea"/>
-                <a:cs typeface="+mn-cs"/>
-              </a:defRPr>
-            </a:lvl9pPr>
-          </a:lstStyle>
-          <a:p>
-            <a:pPr marL="0" indent="0">
-              <a:buFont typeface="Arial" pitchFamily="34" charset="0"/>
-              <a:buNone/>
-            </a:pPr>
-            <a:r>
-              <a:rPr lang="ko-KR" altLang="en-US" sz="5400" b="1" dirty="0"/>
-              <a:t>언제 사용</a:t>
-            </a:r>
-            <a:r>
-              <a:rPr lang="en-US" altLang="ko-KR" sz="5400" b="1" dirty="0"/>
-              <a:t>?</a:t>
-            </a:r>
-          </a:p>
-          <a:p>
-            <a:pPr marL="0" indent="0">
-              <a:buFont typeface="Arial" pitchFamily="34" charset="0"/>
-              <a:buNone/>
-            </a:pPr>
-            <a:r>
-              <a:rPr lang="ko-KR" altLang="en-US" sz="5400" b="1" dirty="0"/>
-              <a:t>장점은 </a:t>
-            </a:r>
-            <a:r>
-              <a:rPr lang="ko-KR" altLang="en-US" sz="5400" b="1" dirty="0" err="1"/>
-              <a:t>뭔데</a:t>
-            </a:r>
-            <a:r>
-              <a:rPr lang="en-US" altLang="ko-KR" sz="5400" b="1" dirty="0"/>
-              <a:t>?</a:t>
-            </a:r>
-            <a:endParaRPr lang="en-US" sz="5400" b="1" dirty="0"/>
-          </a:p>
-        </p:txBody>
-      </p:sp>
-    </p:spTree>
-    <p:extLst>
-      <p:ext uri="{BB962C8B-B14F-4D97-AF65-F5344CB8AC3E}">
-        <p14:creationId xmlns:p14="http://schemas.microsoft.com/office/powerpoint/2010/main" val="3969684712"/>
-      </p:ext>
-    </p:extLst>
-  </p:cSld>
-  <p:clrMapOvr>
-    <a:masterClrMapping/>
-  </p:clrMapOvr>
-  <mc:AlternateContent xmlns:mc="http://schemas.openxmlformats.org/markup-compatibility/2006">
-    <mc:Choice xmlns:p14="http://schemas.microsoft.com/office/powerpoint/2010/main" Requires="p14">
-      <p:transition spd="med" p14:dur="700">
-        <p:fade/>
-      </p:transition>
-    </mc:Choice>
-    <mc:Fallback>
-      <p:transition spd="med">
-        <p:fade/>
-      </p:transition>
-    </mc:Fallback>
-  </mc:AlternateContent>
-</p:sld>
-</file>
-
-<file path=ppt/slides/slide4.xml><?xml version="1.0" encoding="utf-8"?>
-<p:sld xmlns:a="http://schemas.openxmlformats.org/drawingml/2006/main" xmlns:r="http://schemas.openxmlformats.org/officeDocument/2006/relationships" xmlns:p="http://schemas.openxmlformats.org/presentationml/2006/main">
-  <p:cSld>
-    <p:spTree>
-      <p:nvGrpSpPr>
-        <p:cNvPr id="1" name=""/>
-        <p:cNvGrpSpPr/>
-        <p:nvPr/>
-      </p:nvGrpSpPr>
-      <p:grpSpPr>
-        <a:xfrm>
-          <a:off x="0" y="0"/>
-          <a:ext cx="0" cy="0"/>
-          <a:chOff x="0" y="0"/>
-          <a:chExt cx="0" cy="0"/>
-        </a:xfrm>
-      </p:grpSpPr>
-      <p:sp>
-        <p:nvSpPr>
-          <p:cNvPr id="2" name="Title 1">
+      </p:pic>
+      <p:graphicFrame>
+        <p:nvGraphicFramePr>
+          <p:cNvPr id="15" name="표 5">
             <a:extLst>
               <a:ext uri="{FF2B5EF4-FFF2-40B4-BE49-F238E27FC236}">
-                <a16:creationId xmlns:a16="http://schemas.microsoft.com/office/drawing/2014/main" id="{A7F5E160-4E42-4FCC-9B4E-9574CD651EEE}"/>
-              </a:ext>
-            </a:extLst>
-          </p:cNvPr>
-          <p:cNvSpPr>
-            <a:spLocks noGrp="1"/>
-          </p:cNvSpPr>
-          <p:nvPr>
-            <p:ph type="title"/>
-          </p:nvPr>
-        </p:nvSpPr>
-        <p:spPr>
-          <a:xfrm>
-            <a:off x="912812" y="228600"/>
-            <a:ext cx="9144001" cy="1371600"/>
-          </a:xfrm>
-        </p:spPr>
-        <p:txBody>
-          <a:bodyPr/>
-          <a:lstStyle/>
-          <a:p>
-            <a:r>
-              <a:rPr lang="en-US" dirty="0"/>
-              <a:t>Basic Usage</a:t>
-            </a:r>
-          </a:p>
-        </p:txBody>
-      </p:sp>
-      <p:sp>
-        <p:nvSpPr>
-          <p:cNvPr id="3" name="Content Placeholder 2">
-            <a:extLst>
-              <a:ext uri="{FF2B5EF4-FFF2-40B4-BE49-F238E27FC236}">
-                <a16:creationId xmlns:a16="http://schemas.microsoft.com/office/drawing/2014/main" id="{AE76CEDF-7A2B-443E-BB9D-5A6E793670A8}"/>
-              </a:ext>
-            </a:extLst>
-          </p:cNvPr>
-          <p:cNvSpPr>
-            <a:spLocks noGrp="1"/>
-          </p:cNvSpPr>
-          <p:nvPr>
-            <p:ph idx="1"/>
-          </p:nvPr>
-        </p:nvSpPr>
-        <p:spPr>
-          <a:xfrm>
-            <a:off x="912812" y="1828800"/>
-            <a:ext cx="5857792" cy="4114801"/>
-          </a:xfrm>
-        </p:spPr>
-        <p:txBody>
-          <a:bodyPr>
-            <a:normAutofit/>
-          </a:bodyPr>
-          <a:lstStyle/>
-          <a:p>
-            <a:pPr marL="0" indent="0">
-              <a:buNone/>
-            </a:pPr>
-            <a:r>
-              <a:rPr lang="en-US" dirty="0"/>
-              <a:t>Scriptable Object is a “Data Container” for large amount of data independent of class instance. </a:t>
-            </a:r>
-          </a:p>
-        </p:txBody>
-      </p:sp>
-      <p:sp>
-        <p:nvSpPr>
-          <p:cNvPr id="4" name="Content Placeholder 2">
-            <a:extLst>
-              <a:ext uri="{FF2B5EF4-FFF2-40B4-BE49-F238E27FC236}">
-                <a16:creationId xmlns:a16="http://schemas.microsoft.com/office/drawing/2014/main" id="{0D1AF2C3-9D3A-4250-68BB-0E16EF53A299}"/>
-              </a:ext>
-            </a:extLst>
-          </p:cNvPr>
-          <p:cNvSpPr txBox="1">
-            <a:spLocks/>
-          </p:cNvSpPr>
-          <p:nvPr/>
-        </p:nvSpPr>
-        <p:spPr>
-          <a:xfrm>
-            <a:off x="8151812" y="381000"/>
-            <a:ext cx="5857792" cy="1600201"/>
-          </a:xfrm>
-          <a:prstGeom prst="rect">
-            <a:avLst/>
-          </a:prstGeom>
-        </p:spPr>
-        <p:txBody>
-          <a:bodyPr vert="horz" lIns="91440" tIns="45720" rIns="91440" bIns="45720" rtlCol="0">
-            <a:normAutofit/>
-          </a:bodyPr>
-          <a:lstStyle>
-            <a:lvl1pPr marL="223838" indent="-223838" algn="l" defTabSz="914400" rtl="0" eaLnBrk="1" latinLnBrk="0" hangingPunct="1">
-              <a:lnSpc>
-                <a:spcPct val="90000"/>
-              </a:lnSpc>
-              <a:spcBef>
-                <a:spcPts val="1800"/>
-              </a:spcBef>
-              <a:buClr>
-                <a:schemeClr val="accent1"/>
-              </a:buClr>
-              <a:buSzPct val="100000"/>
-              <a:buFont typeface="Arial" pitchFamily="34" charset="0"/>
-              <a:buChar char="•"/>
-              <a:defRPr sz="2400" kern="1200">
-                <a:solidFill>
-                  <a:schemeClr val="tx1"/>
-                </a:solidFill>
-                <a:latin typeface="+mn-lt"/>
-                <a:ea typeface="+mn-ea"/>
-                <a:cs typeface="+mn-cs"/>
-              </a:defRPr>
-            </a:lvl1pPr>
-            <a:lvl2pPr marL="463550" indent="-231775" algn="l" defTabSz="914400" rtl="0" eaLnBrk="1" latinLnBrk="0" hangingPunct="1">
-              <a:lnSpc>
-                <a:spcPct val="90000"/>
-              </a:lnSpc>
-              <a:spcBef>
-                <a:spcPts val="1200"/>
-              </a:spcBef>
-              <a:buClr>
-                <a:schemeClr val="accent1"/>
-              </a:buClr>
-              <a:buSzPct val="100000"/>
-              <a:buFont typeface="Arial" pitchFamily="34" charset="0"/>
-              <a:buChar char="•"/>
-              <a:defRPr sz="2000" kern="1200">
-                <a:solidFill>
-                  <a:schemeClr val="tx1"/>
-                </a:solidFill>
-                <a:latin typeface="+mn-lt"/>
-                <a:ea typeface="+mn-ea"/>
-                <a:cs typeface="+mn-cs"/>
-              </a:defRPr>
-            </a:lvl2pPr>
-            <a:lvl3pPr marL="682625" indent="-219075" algn="l" defTabSz="914400" rtl="0" eaLnBrk="1" latinLnBrk="0" hangingPunct="1">
-              <a:lnSpc>
-                <a:spcPct val="90000"/>
-              </a:lnSpc>
-              <a:spcBef>
-                <a:spcPts val="600"/>
-              </a:spcBef>
-              <a:buClr>
-                <a:schemeClr val="accent1"/>
-              </a:buClr>
-              <a:buSzPct val="100000"/>
-              <a:buFont typeface="Arial" pitchFamily="34" charset="0"/>
-              <a:buChar char="•"/>
-              <a:defRPr sz="1800" kern="1200">
-                <a:solidFill>
-                  <a:schemeClr val="tx1"/>
-                </a:solidFill>
-                <a:latin typeface="+mn-lt"/>
-                <a:ea typeface="+mn-ea"/>
-                <a:cs typeface="+mn-cs"/>
-              </a:defRPr>
-            </a:lvl3pPr>
-            <a:lvl4pPr marL="857250" indent="-174625" algn="l" defTabSz="914400" rtl="0" eaLnBrk="1" latinLnBrk="0" hangingPunct="1">
-              <a:lnSpc>
-                <a:spcPct val="90000"/>
-              </a:lnSpc>
-              <a:spcBef>
-                <a:spcPts val="600"/>
-              </a:spcBef>
-              <a:buClr>
-                <a:schemeClr val="accent1"/>
-              </a:buClr>
-              <a:buSzPct val="100000"/>
-              <a:buFont typeface="Arial" pitchFamily="34" charset="0"/>
-              <a:buChar char="•"/>
-              <a:defRPr sz="1600" kern="1200">
-                <a:solidFill>
-                  <a:schemeClr val="tx1"/>
-                </a:solidFill>
-                <a:latin typeface="+mn-lt"/>
-                <a:ea typeface="+mn-ea"/>
-                <a:cs typeface="+mn-cs"/>
-              </a:defRPr>
-            </a:lvl4pPr>
-            <a:lvl5pPr marL="1030288" indent="-173038" algn="l" defTabSz="914400" rtl="0" eaLnBrk="1" latinLnBrk="0" hangingPunct="1">
-              <a:lnSpc>
-                <a:spcPct val="90000"/>
-              </a:lnSpc>
-              <a:spcBef>
-                <a:spcPts val="600"/>
-              </a:spcBef>
-              <a:buClr>
-                <a:schemeClr val="accent1"/>
-              </a:buClr>
-              <a:buSzPct val="100000"/>
-              <a:buFont typeface="Arial" pitchFamily="34" charset="0"/>
-              <a:buChar char="•"/>
-              <a:defRPr sz="1600" kern="1200">
-                <a:solidFill>
-                  <a:schemeClr val="tx1"/>
-                </a:solidFill>
-                <a:latin typeface="+mn-lt"/>
-                <a:ea typeface="+mn-ea"/>
-                <a:cs typeface="+mn-cs"/>
-              </a:defRPr>
-            </a:lvl5pPr>
-            <a:lvl6pPr marL="1207008" indent="-173736" algn="l" defTabSz="914400" rtl="0" eaLnBrk="1" latinLnBrk="0" hangingPunct="1">
-              <a:spcBef>
-                <a:spcPts val="600"/>
-              </a:spcBef>
-              <a:buClr>
-                <a:schemeClr val="accent1"/>
-              </a:buClr>
-              <a:buFont typeface="Arial" pitchFamily="34" charset="0"/>
-              <a:buChar char="•"/>
-              <a:defRPr sz="1600" kern="1200">
-                <a:solidFill>
-                  <a:schemeClr val="tx1"/>
-                </a:solidFill>
-                <a:latin typeface="+mn-lt"/>
-                <a:ea typeface="+mn-ea"/>
-                <a:cs typeface="+mn-cs"/>
-              </a:defRPr>
-            </a:lvl6pPr>
-            <a:lvl7pPr marL="1380744" indent="-173736" algn="l" defTabSz="914400" rtl="0" eaLnBrk="1" latinLnBrk="0" hangingPunct="1">
-              <a:spcBef>
-                <a:spcPts val="600"/>
-              </a:spcBef>
-              <a:buClr>
-                <a:schemeClr val="accent1"/>
-              </a:buClr>
-              <a:buFont typeface="Arial" pitchFamily="34" charset="0"/>
-              <a:buChar char="•"/>
-              <a:defRPr sz="1600" kern="1200">
-                <a:solidFill>
-                  <a:schemeClr val="tx1"/>
-                </a:solidFill>
-                <a:latin typeface="+mn-lt"/>
-                <a:ea typeface="+mn-ea"/>
-                <a:cs typeface="+mn-cs"/>
-              </a:defRPr>
-            </a:lvl7pPr>
-            <a:lvl8pPr marL="1554480" indent="-173736" algn="l" defTabSz="914400" rtl="0" eaLnBrk="1" latinLnBrk="0" hangingPunct="1">
-              <a:spcBef>
-                <a:spcPts val="600"/>
-              </a:spcBef>
-              <a:buClr>
-                <a:schemeClr val="accent1"/>
-              </a:buClr>
-              <a:buFont typeface="Arial" pitchFamily="34" charset="0"/>
-              <a:buChar char="•"/>
-              <a:defRPr sz="1600" kern="1200">
-                <a:solidFill>
-                  <a:schemeClr val="tx1"/>
-                </a:solidFill>
-                <a:latin typeface="+mn-lt"/>
-                <a:ea typeface="+mn-ea"/>
-                <a:cs typeface="+mn-cs"/>
-              </a:defRPr>
-            </a:lvl8pPr>
-            <a:lvl9pPr marL="1728216" indent="-173736" algn="l" defTabSz="914400" rtl="0" eaLnBrk="1" latinLnBrk="0" hangingPunct="1">
-              <a:spcBef>
-                <a:spcPts val="600"/>
-              </a:spcBef>
-              <a:buClr>
-                <a:schemeClr val="accent1"/>
-              </a:buClr>
-              <a:buFont typeface="Arial" pitchFamily="34" charset="0"/>
-              <a:buChar char="•"/>
-              <a:defRPr sz="1600" kern="1200">
-                <a:solidFill>
-                  <a:schemeClr val="tx1"/>
-                </a:solidFill>
-                <a:latin typeface="+mn-lt"/>
-                <a:ea typeface="+mn-ea"/>
-                <a:cs typeface="+mn-cs"/>
-              </a:defRPr>
-            </a:lvl9pPr>
-          </a:lstStyle>
-          <a:p>
-            <a:pPr marL="0" indent="0">
-              <a:buFont typeface="Arial" pitchFamily="34" charset="0"/>
-              <a:buNone/>
-            </a:pPr>
-            <a:r>
-              <a:rPr lang="ko-KR" altLang="en-US" sz="5400" b="1" dirty="0"/>
-              <a:t>기본 코드</a:t>
-            </a:r>
-            <a:endParaRPr lang="en-US" sz="5400" b="1" dirty="0"/>
-          </a:p>
-        </p:txBody>
-      </p:sp>
-    </p:spTree>
-    <p:extLst>
-      <p:ext uri="{BB962C8B-B14F-4D97-AF65-F5344CB8AC3E}">
-        <p14:creationId xmlns:p14="http://schemas.microsoft.com/office/powerpoint/2010/main" val="1115361486"/>
-      </p:ext>
-    </p:extLst>
-  </p:cSld>
-  <p:clrMapOvr>
-    <a:masterClrMapping/>
-  </p:clrMapOvr>
-  <mc:AlternateContent xmlns:mc="http://schemas.openxmlformats.org/markup-compatibility/2006">
-    <mc:Choice xmlns:p14="http://schemas.microsoft.com/office/powerpoint/2010/main" Requires="p14">
-      <p:transition spd="med" p14:dur="700">
-        <p:fade/>
-      </p:transition>
-    </mc:Choice>
-    <mc:Fallback>
-      <p:transition spd="med">
-        <p:fade/>
-      </p:transition>
-    </mc:Fallback>
-  </mc:AlternateContent>
-</p:sld>
-</file>
-
-<file path=ppt/slides/slide5.xml><?xml version="1.0" encoding="utf-8"?>
-<p:sld xmlns:a="http://schemas.openxmlformats.org/drawingml/2006/main" xmlns:r="http://schemas.openxmlformats.org/officeDocument/2006/relationships" xmlns:p="http://schemas.openxmlformats.org/presentationml/2006/main">
-  <p:cSld>
-    <p:spTree>
-      <p:nvGrpSpPr>
-        <p:cNvPr id="1" name=""/>
-        <p:cNvGrpSpPr/>
-        <p:nvPr/>
-      </p:nvGrpSpPr>
-      <p:grpSpPr>
-        <a:xfrm>
-          <a:off x="0" y="0"/>
-          <a:ext cx="0" cy="0"/>
-          <a:chOff x="0" y="0"/>
-          <a:chExt cx="0" cy="0"/>
-        </a:xfrm>
-      </p:grpSpPr>
-      <p:sp>
-        <p:nvSpPr>
-          <p:cNvPr id="2" name="Title 1">
-            <a:extLst>
-              <a:ext uri="{FF2B5EF4-FFF2-40B4-BE49-F238E27FC236}">
-                <a16:creationId xmlns:a16="http://schemas.microsoft.com/office/drawing/2014/main" id="{A7F5E160-4E42-4FCC-9B4E-9574CD651EEE}"/>
-              </a:ext>
-            </a:extLst>
-          </p:cNvPr>
-          <p:cNvSpPr>
-            <a:spLocks noGrp="1"/>
-          </p:cNvSpPr>
-          <p:nvPr>
-            <p:ph type="title"/>
-          </p:nvPr>
-        </p:nvSpPr>
-        <p:spPr>
-          <a:xfrm>
-            <a:off x="912812" y="228600"/>
-            <a:ext cx="9144001" cy="1371600"/>
-          </a:xfrm>
-        </p:spPr>
-        <p:txBody>
-          <a:bodyPr/>
-          <a:lstStyle/>
-          <a:p>
-            <a:r>
-              <a:rPr lang="en-US" dirty="0"/>
-              <a:t>Scriptable Object</a:t>
-            </a:r>
-          </a:p>
-        </p:txBody>
-      </p:sp>
-      <p:sp>
-        <p:nvSpPr>
-          <p:cNvPr id="3" name="Content Placeholder 2">
-            <a:extLst>
-              <a:ext uri="{FF2B5EF4-FFF2-40B4-BE49-F238E27FC236}">
-                <a16:creationId xmlns:a16="http://schemas.microsoft.com/office/drawing/2014/main" id="{AE76CEDF-7A2B-443E-BB9D-5A6E793670A8}"/>
-              </a:ext>
-            </a:extLst>
-          </p:cNvPr>
-          <p:cNvSpPr>
-            <a:spLocks noGrp="1"/>
-          </p:cNvSpPr>
-          <p:nvPr>
-            <p:ph idx="1"/>
-          </p:nvPr>
-        </p:nvSpPr>
-        <p:spPr>
-          <a:xfrm>
-            <a:off x="912812" y="1828801"/>
-            <a:ext cx="5857792" cy="914400"/>
-          </a:xfrm>
-        </p:spPr>
-        <p:txBody>
-          <a:bodyPr>
-            <a:normAutofit fontScale="92500"/>
-          </a:bodyPr>
-          <a:lstStyle/>
-          <a:p>
-            <a:pPr marL="0" indent="0">
-              <a:buNone/>
-            </a:pPr>
-            <a:r>
-              <a:rPr lang="en-US" dirty="0"/>
-              <a:t>Scriptable Object is a “Data Container” for large amount of data independent of class instance. </a:t>
-            </a:r>
-          </a:p>
-        </p:txBody>
-      </p:sp>
-      <p:sp>
-        <p:nvSpPr>
-          <p:cNvPr id="4" name="Content Placeholder 2">
-            <a:extLst>
-              <a:ext uri="{FF2B5EF4-FFF2-40B4-BE49-F238E27FC236}">
-                <a16:creationId xmlns:a16="http://schemas.microsoft.com/office/drawing/2014/main" id="{0D1AF2C3-9D3A-4250-68BB-0E16EF53A299}"/>
-              </a:ext>
-            </a:extLst>
-          </p:cNvPr>
-          <p:cNvSpPr txBox="1">
-            <a:spLocks/>
-          </p:cNvSpPr>
-          <p:nvPr/>
-        </p:nvSpPr>
-        <p:spPr>
-          <a:xfrm>
-            <a:off x="8456612" y="457200"/>
-            <a:ext cx="5857792" cy="1600201"/>
-          </a:xfrm>
-          <a:prstGeom prst="rect">
-            <a:avLst/>
-          </a:prstGeom>
-        </p:spPr>
-        <p:txBody>
-          <a:bodyPr vert="horz" lIns="91440" tIns="45720" rIns="91440" bIns="45720" rtlCol="0">
-            <a:normAutofit fontScale="92500" lnSpcReduction="10000"/>
-          </a:bodyPr>
-          <a:lstStyle>
-            <a:lvl1pPr marL="223838" indent="-223838" algn="l" defTabSz="914400" rtl="0" eaLnBrk="1" latinLnBrk="0" hangingPunct="1">
-              <a:lnSpc>
-                <a:spcPct val="90000"/>
-              </a:lnSpc>
-              <a:spcBef>
-                <a:spcPts val="1800"/>
-              </a:spcBef>
-              <a:buClr>
-                <a:schemeClr val="accent1"/>
-              </a:buClr>
-              <a:buSzPct val="100000"/>
-              <a:buFont typeface="Arial" pitchFamily="34" charset="0"/>
-              <a:buChar char="•"/>
-              <a:defRPr sz="2400" kern="1200">
-                <a:solidFill>
-                  <a:schemeClr val="tx1"/>
-                </a:solidFill>
-                <a:latin typeface="+mn-lt"/>
-                <a:ea typeface="+mn-ea"/>
-                <a:cs typeface="+mn-cs"/>
-              </a:defRPr>
-            </a:lvl1pPr>
-            <a:lvl2pPr marL="463550" indent="-231775" algn="l" defTabSz="914400" rtl="0" eaLnBrk="1" latinLnBrk="0" hangingPunct="1">
-              <a:lnSpc>
-                <a:spcPct val="90000"/>
-              </a:lnSpc>
-              <a:spcBef>
-                <a:spcPts val="1200"/>
-              </a:spcBef>
-              <a:buClr>
-                <a:schemeClr val="accent1"/>
-              </a:buClr>
-              <a:buSzPct val="100000"/>
-              <a:buFont typeface="Arial" pitchFamily="34" charset="0"/>
-              <a:buChar char="•"/>
-              <a:defRPr sz="2000" kern="1200">
-                <a:solidFill>
-                  <a:schemeClr val="tx1"/>
-                </a:solidFill>
-                <a:latin typeface="+mn-lt"/>
-                <a:ea typeface="+mn-ea"/>
-                <a:cs typeface="+mn-cs"/>
-              </a:defRPr>
-            </a:lvl2pPr>
-            <a:lvl3pPr marL="682625" indent="-219075" algn="l" defTabSz="914400" rtl="0" eaLnBrk="1" latinLnBrk="0" hangingPunct="1">
-              <a:lnSpc>
-                <a:spcPct val="90000"/>
-              </a:lnSpc>
-              <a:spcBef>
-                <a:spcPts val="600"/>
-              </a:spcBef>
-              <a:buClr>
-                <a:schemeClr val="accent1"/>
-              </a:buClr>
-              <a:buSzPct val="100000"/>
-              <a:buFont typeface="Arial" pitchFamily="34" charset="0"/>
-              <a:buChar char="•"/>
-              <a:defRPr sz="1800" kern="1200">
-                <a:solidFill>
-                  <a:schemeClr val="tx1"/>
-                </a:solidFill>
-                <a:latin typeface="+mn-lt"/>
-                <a:ea typeface="+mn-ea"/>
-                <a:cs typeface="+mn-cs"/>
-              </a:defRPr>
-            </a:lvl3pPr>
-            <a:lvl4pPr marL="857250" indent="-174625" algn="l" defTabSz="914400" rtl="0" eaLnBrk="1" latinLnBrk="0" hangingPunct="1">
-              <a:lnSpc>
-                <a:spcPct val="90000"/>
-              </a:lnSpc>
-              <a:spcBef>
-                <a:spcPts val="600"/>
-              </a:spcBef>
-              <a:buClr>
-                <a:schemeClr val="accent1"/>
-              </a:buClr>
-              <a:buSzPct val="100000"/>
-              <a:buFont typeface="Arial" pitchFamily="34" charset="0"/>
-              <a:buChar char="•"/>
-              <a:defRPr sz="1600" kern="1200">
-                <a:solidFill>
-                  <a:schemeClr val="tx1"/>
-                </a:solidFill>
-                <a:latin typeface="+mn-lt"/>
-                <a:ea typeface="+mn-ea"/>
-                <a:cs typeface="+mn-cs"/>
-              </a:defRPr>
-            </a:lvl4pPr>
-            <a:lvl5pPr marL="1030288" indent="-173038" algn="l" defTabSz="914400" rtl="0" eaLnBrk="1" latinLnBrk="0" hangingPunct="1">
-              <a:lnSpc>
-                <a:spcPct val="90000"/>
-              </a:lnSpc>
-              <a:spcBef>
-                <a:spcPts val="600"/>
-              </a:spcBef>
-              <a:buClr>
-                <a:schemeClr val="accent1"/>
-              </a:buClr>
-              <a:buSzPct val="100000"/>
-              <a:buFont typeface="Arial" pitchFamily="34" charset="0"/>
-              <a:buChar char="•"/>
-              <a:defRPr sz="1600" kern="1200">
-                <a:solidFill>
-                  <a:schemeClr val="tx1"/>
-                </a:solidFill>
-                <a:latin typeface="+mn-lt"/>
-                <a:ea typeface="+mn-ea"/>
-                <a:cs typeface="+mn-cs"/>
-              </a:defRPr>
-            </a:lvl5pPr>
-            <a:lvl6pPr marL="1207008" indent="-173736" algn="l" defTabSz="914400" rtl="0" eaLnBrk="1" latinLnBrk="0" hangingPunct="1">
-              <a:spcBef>
-                <a:spcPts val="600"/>
-              </a:spcBef>
-              <a:buClr>
-                <a:schemeClr val="accent1"/>
-              </a:buClr>
-              <a:buFont typeface="Arial" pitchFamily="34" charset="0"/>
-              <a:buChar char="•"/>
-              <a:defRPr sz="1600" kern="1200">
-                <a:solidFill>
-                  <a:schemeClr val="tx1"/>
-                </a:solidFill>
-                <a:latin typeface="+mn-lt"/>
-                <a:ea typeface="+mn-ea"/>
-                <a:cs typeface="+mn-cs"/>
-              </a:defRPr>
-            </a:lvl6pPr>
-            <a:lvl7pPr marL="1380744" indent="-173736" algn="l" defTabSz="914400" rtl="0" eaLnBrk="1" latinLnBrk="0" hangingPunct="1">
-              <a:spcBef>
-                <a:spcPts val="600"/>
-              </a:spcBef>
-              <a:buClr>
-                <a:schemeClr val="accent1"/>
-              </a:buClr>
-              <a:buFont typeface="Arial" pitchFamily="34" charset="0"/>
-              <a:buChar char="•"/>
-              <a:defRPr sz="1600" kern="1200">
-                <a:solidFill>
-                  <a:schemeClr val="tx1"/>
-                </a:solidFill>
-                <a:latin typeface="+mn-lt"/>
-                <a:ea typeface="+mn-ea"/>
-                <a:cs typeface="+mn-cs"/>
-              </a:defRPr>
-            </a:lvl7pPr>
-            <a:lvl8pPr marL="1554480" indent="-173736" algn="l" defTabSz="914400" rtl="0" eaLnBrk="1" latinLnBrk="0" hangingPunct="1">
-              <a:spcBef>
-                <a:spcPts val="600"/>
-              </a:spcBef>
-              <a:buClr>
-                <a:schemeClr val="accent1"/>
-              </a:buClr>
-              <a:buFont typeface="Arial" pitchFamily="34" charset="0"/>
-              <a:buChar char="•"/>
-              <a:defRPr sz="1600" kern="1200">
-                <a:solidFill>
-                  <a:schemeClr val="tx1"/>
-                </a:solidFill>
-                <a:latin typeface="+mn-lt"/>
-                <a:ea typeface="+mn-ea"/>
-                <a:cs typeface="+mn-cs"/>
-              </a:defRPr>
-            </a:lvl8pPr>
-            <a:lvl9pPr marL="1728216" indent="-173736" algn="l" defTabSz="914400" rtl="0" eaLnBrk="1" latinLnBrk="0" hangingPunct="1">
-              <a:spcBef>
-                <a:spcPts val="600"/>
-              </a:spcBef>
-              <a:buClr>
-                <a:schemeClr val="accent1"/>
-              </a:buClr>
-              <a:buFont typeface="Arial" pitchFamily="34" charset="0"/>
-              <a:buChar char="•"/>
-              <a:defRPr sz="1600" kern="1200">
-                <a:solidFill>
-                  <a:schemeClr val="tx1"/>
-                </a:solidFill>
-                <a:latin typeface="+mn-lt"/>
-                <a:ea typeface="+mn-ea"/>
-                <a:cs typeface="+mn-cs"/>
-              </a:defRPr>
-            </a:lvl9pPr>
-          </a:lstStyle>
-          <a:p>
-            <a:pPr marL="0" indent="0">
-              <a:buFont typeface="Arial" pitchFamily="34" charset="0"/>
-              <a:buNone/>
-            </a:pPr>
-            <a:r>
-              <a:rPr lang="ko-KR" altLang="en-US" sz="5400" b="1" dirty="0"/>
-              <a:t>엑셀모양 </a:t>
-            </a:r>
-            <a:endParaRPr lang="en-US" altLang="ko-KR" sz="5400" b="1" dirty="0"/>
-          </a:p>
-          <a:p>
-            <a:pPr marL="0" indent="0">
-              <a:buFont typeface="Arial" pitchFamily="34" charset="0"/>
-              <a:buNone/>
-            </a:pPr>
-            <a:r>
-              <a:rPr lang="ko-KR" altLang="en-US" sz="5400" b="1" dirty="0"/>
-              <a:t>예시</a:t>
-            </a:r>
-            <a:endParaRPr lang="en-US" sz="5400" b="1" dirty="0"/>
-          </a:p>
-        </p:txBody>
-      </p:sp>
-      <p:graphicFrame>
-        <p:nvGraphicFramePr>
-          <p:cNvPr id="5" name="표 5">
-            <a:extLst>
-              <a:ext uri="{FF2B5EF4-FFF2-40B4-BE49-F238E27FC236}">
-                <a16:creationId xmlns:a16="http://schemas.microsoft.com/office/drawing/2014/main" id="{25040FE2-B6A9-CCC5-C303-5A1AFC64B16E}"/>
+                <a16:creationId xmlns:a16="http://schemas.microsoft.com/office/drawing/2014/main" id="{122A92D4-7BB1-A374-73F5-86E446C106CB}"/>
               </a:ext>
             </a:extLst>
           </p:cNvPr>
@@ -5416,14 +6555,14 @@
           <p:nvPr>
             <p:extLst>
               <p:ext uri="{D42A27DB-BD31-4B8C-83A1-F6EECF244321}">
-                <p14:modId xmlns:p14="http://schemas.microsoft.com/office/powerpoint/2010/main" val="714473470"/>
+                <p14:modId xmlns:p14="http://schemas.microsoft.com/office/powerpoint/2010/main" val="2087175671"/>
               </p:ext>
             </p:extLst>
           </p:nvPr>
         </p:nvGraphicFramePr>
         <p:xfrm>
-          <a:off x="989012" y="3282793"/>
-          <a:ext cx="8125885" cy="1483360"/>
+          <a:off x="760412" y="4273394"/>
+          <a:ext cx="7848600" cy="2123440"/>
         </p:xfrm>
         <a:graphic>
           <a:graphicData uri="http://schemas.openxmlformats.org/drawingml/2006/table">
@@ -5432,7 +6571,7 @@
                 <a:tableStyleId>{5C22544A-7EE6-4342-B048-85BDC9FD1C3A}</a:tableStyleId>
               </a:tblPr>
               <a:tblGrid>
-                <a:gridCol w="1625177">
+                <a:gridCol w="1347892">
                   <a:extLst>
                     <a:ext uri="{9D8B030D-6E8A-4147-A177-3AD203B41FA5}">
                       <a16:colId xmlns:a16="http://schemas.microsoft.com/office/drawing/2014/main" val="1779635752"/>
@@ -5476,9 +6615,18 @@
                     <a:p>
                       <a:pPr latinLnBrk="1"/>
                       <a:r>
-                        <a:rPr lang="ko-KR" altLang="en-US" dirty="0"/>
-                        <a:t>이름</a:t>
+                        <a:rPr lang="en-US" altLang="ko-KR" dirty="0">
+                          <a:solidFill>
+                            <a:srgbClr val="FF0000"/>
+                          </a:solidFill>
+                        </a:rPr>
+                        <a:t>Name</a:t>
                       </a:r>
+                      <a:endParaRPr lang="ko-KR" altLang="en-US" dirty="0">
+                        <a:solidFill>
+                          <a:srgbClr val="FF0000"/>
+                        </a:solidFill>
+                      </a:endParaRPr>
                     </a:p>
                   </a:txBody>
                   <a:tcPr/>
@@ -5490,12 +6638,8 @@
                     <a:p>
                       <a:pPr latinLnBrk="1"/>
                       <a:r>
-                        <a:rPr lang="ko-KR" altLang="en-US" dirty="0"/>
-                        <a:t>좀비</a:t>
-                      </a:r>
-                      <a:r>
                         <a:rPr lang="en-US" altLang="ko-KR" dirty="0"/>
-                        <a:t>1</a:t>
+                        <a:t>Pikachu</a:t>
                       </a:r>
                       <a:endParaRPr lang="ko-KR" altLang="en-US" dirty="0"/>
                     </a:p>
@@ -5509,12 +6653,8 @@
                     <a:p>
                       <a:pPr latinLnBrk="1"/>
                       <a:r>
-                        <a:rPr lang="ko-KR" altLang="en-US" dirty="0"/>
-                        <a:t>좀비</a:t>
-                      </a:r>
-                      <a:r>
                         <a:rPr lang="en-US" altLang="ko-KR" dirty="0"/>
-                        <a:t>2 </a:t>
+                        <a:t>Charmander</a:t>
                       </a:r>
                       <a:endParaRPr lang="ko-KR" altLang="en-US" dirty="0"/>
                     </a:p>
@@ -5528,12 +6668,8 @@
                     <a:p>
                       <a:pPr latinLnBrk="1"/>
                       <a:r>
-                        <a:rPr lang="ko-KR" altLang="en-US" dirty="0"/>
-                        <a:t>좀비</a:t>
-                      </a:r>
-                      <a:r>
                         <a:rPr lang="en-US" altLang="ko-KR" dirty="0"/>
-                        <a:t>3</a:t>
+                        <a:t>Squirtle</a:t>
                       </a:r>
                       <a:endParaRPr lang="ko-KR" altLang="en-US" dirty="0"/>
                     </a:p>
@@ -5546,7 +6682,11 @@
                     <a:lstStyle/>
                     <a:p>
                       <a:pPr latinLnBrk="1"/>
-                      <a:endParaRPr lang="ko-KR" altLang="en-US"/>
+                      <a:r>
+                        <a:rPr lang="en-US" altLang="ko-KR" dirty="0" err="1"/>
+                        <a:t>etc</a:t>
+                      </a:r>
+                      <a:endParaRPr lang="ko-KR" altLang="en-US" dirty="0"/>
                     </a:p>
                   </a:txBody>
                   <a:tcPr/>
@@ -5565,9 +6705,18 @@
                     <a:p>
                       <a:pPr latinLnBrk="1"/>
                       <a:r>
-                        <a:rPr lang="ko-KR" altLang="en-US" dirty="0"/>
-                        <a:t>타입</a:t>
+                        <a:rPr lang="en-US" altLang="ko-KR" dirty="0">
+                          <a:solidFill>
+                            <a:srgbClr val="FF0000"/>
+                          </a:solidFill>
+                        </a:rPr>
+                        <a:t>Type</a:t>
                       </a:r>
+                      <a:endParaRPr lang="ko-KR" altLang="en-US" dirty="0">
+                        <a:solidFill>
+                          <a:srgbClr val="FF0000"/>
+                        </a:solidFill>
+                      </a:endParaRPr>
                     </a:p>
                   </a:txBody>
                   <a:tcPr/>
@@ -5579,36 +6728,8 @@
                     <a:p>
                       <a:pPr latinLnBrk="1"/>
                       <a:r>
-                        <a:rPr lang="ko-KR" altLang="en-US" dirty="0"/>
-                        <a:t>스피드 좀비</a:t>
-                      </a:r>
-                    </a:p>
-                  </a:txBody>
-                  <a:tcPr/>
-                </a:tc>
-                <a:tc>
-                  <a:txBody>
-                    <a:bodyPr/>
-                    <a:lstStyle/>
-                    <a:p>
-                      <a:pPr latinLnBrk="1"/>
-                      <a:r>
-                        <a:rPr lang="ko-KR" altLang="en-US" dirty="0"/>
-                        <a:t>연근이 </a:t>
-                      </a:r>
-                    </a:p>
-                  </a:txBody>
-                  <a:tcPr/>
-                </a:tc>
-                <a:tc>
-                  <a:txBody>
-                    <a:bodyPr/>
-                    <a:lstStyle/>
-                    <a:p>
-                      <a:pPr latinLnBrk="1"/>
-                      <a:r>
-                        <a:rPr lang="ko-KR" altLang="en-US" dirty="0" err="1"/>
-                        <a:t>근육몬</a:t>
+                        <a:rPr lang="en-US" altLang="ko-KR" dirty="0"/>
+                        <a:t>Electric</a:t>
                       </a:r>
                       <a:endParaRPr lang="ko-KR" altLang="en-US" dirty="0"/>
                     </a:p>
@@ -5621,7 +6742,41 @@
                     <a:lstStyle/>
                     <a:p>
                       <a:pPr latinLnBrk="1"/>
-                      <a:endParaRPr lang="ko-KR" altLang="en-US"/>
+                      <a:r>
+                        <a:rPr lang="en-US" altLang="ko-KR" dirty="0"/>
+                        <a:t>Fire</a:t>
+                      </a:r>
+                      <a:endParaRPr lang="ko-KR" altLang="en-US" dirty="0"/>
+                    </a:p>
+                  </a:txBody>
+                  <a:tcPr/>
+                </a:tc>
+                <a:tc>
+                  <a:txBody>
+                    <a:bodyPr/>
+                    <a:lstStyle/>
+                    <a:p>
+                      <a:pPr latinLnBrk="1"/>
+                      <a:r>
+                        <a:rPr lang="en-US" altLang="ko-KR" dirty="0"/>
+                        <a:t>Water</a:t>
+                      </a:r>
+                      <a:endParaRPr lang="ko-KR" altLang="en-US" dirty="0"/>
+                    </a:p>
+                  </a:txBody>
+                  <a:tcPr/>
+                </a:tc>
+                <a:tc>
+                  <a:txBody>
+                    <a:bodyPr/>
+                    <a:lstStyle/>
+                    <a:p>
+                      <a:pPr latinLnBrk="1"/>
+                      <a:r>
+                        <a:rPr lang="en-US" altLang="ko-KR" dirty="0"/>
+                        <a:t>…</a:t>
+                      </a:r>
+                      <a:endParaRPr lang="ko-KR" altLang="en-US" dirty="0"/>
                     </a:p>
                   </a:txBody>
                   <a:tcPr/>
@@ -5640,9 +6795,122 @@
                     <a:p>
                       <a:pPr latinLnBrk="1"/>
                       <a:r>
-                        <a:rPr lang="ko-KR" altLang="en-US" dirty="0"/>
-                        <a:t>체력</a:t>
+                        <a:rPr lang="en-US" altLang="ko-KR" dirty="0">
+                          <a:solidFill>
+                            <a:srgbClr val="FF0000"/>
+                          </a:solidFill>
+                        </a:rPr>
+                        <a:t>Prefab</a:t>
                       </a:r>
+                      <a:endParaRPr lang="ko-KR" altLang="en-US" dirty="0">
+                        <a:solidFill>
+                          <a:srgbClr val="FF0000"/>
+                        </a:solidFill>
+                      </a:endParaRPr>
+                    </a:p>
+                  </a:txBody>
+                  <a:tcPr/>
+                </a:tc>
+                <a:tc>
+                  <a:txBody>
+                    <a:bodyPr/>
+                    <a:lstStyle/>
+                    <a:p>
+                      <a:pPr latinLnBrk="1"/>
+                      <a:r>
+                        <a:rPr lang="en-US" altLang="ko-KR" dirty="0"/>
+                        <a:t>Pikachu</a:t>
+                      </a:r>
+                    </a:p>
+                    <a:p>
+                      <a:pPr latinLnBrk="1"/>
+                      <a:r>
+                        <a:rPr lang="en-US" altLang="ko-KR" dirty="0"/>
+                        <a:t>prefab</a:t>
+                      </a:r>
+                      <a:endParaRPr lang="ko-KR" altLang="en-US" dirty="0"/>
+                    </a:p>
+                  </a:txBody>
+                  <a:tcPr/>
+                </a:tc>
+                <a:tc>
+                  <a:txBody>
+                    <a:bodyPr/>
+                    <a:lstStyle/>
+                    <a:p>
+                      <a:pPr latinLnBrk="1"/>
+                      <a:r>
+                        <a:rPr lang="en-US" altLang="ko-KR" dirty="0"/>
+                        <a:t>Charmander prefab</a:t>
+                      </a:r>
+                      <a:endParaRPr lang="ko-KR" altLang="en-US" dirty="0"/>
+                    </a:p>
+                  </a:txBody>
+                  <a:tcPr/>
+                </a:tc>
+                <a:tc>
+                  <a:txBody>
+                    <a:bodyPr/>
+                    <a:lstStyle/>
+                    <a:p>
+                      <a:pPr latinLnBrk="1"/>
+                      <a:r>
+                        <a:rPr lang="en-US" altLang="ko-KR" dirty="0"/>
+                        <a:t>Squirtle </a:t>
+                      </a:r>
+                    </a:p>
+                    <a:p>
+                      <a:pPr latinLnBrk="1"/>
+                      <a:r>
+                        <a:rPr lang="en-US" altLang="ko-KR" dirty="0"/>
+                        <a:t>Prefab</a:t>
+                      </a:r>
+                      <a:endParaRPr lang="ko-KR" altLang="en-US" dirty="0"/>
+                    </a:p>
+                  </a:txBody>
+                  <a:tcPr/>
+                </a:tc>
+                <a:tc>
+                  <a:txBody>
+                    <a:bodyPr/>
+                    <a:lstStyle/>
+                    <a:p>
+                      <a:pPr latinLnBrk="1"/>
+                      <a:r>
+                        <a:rPr lang="en-US" altLang="ko-KR" dirty="0"/>
+                        <a:t>…</a:t>
+                      </a:r>
+                      <a:endParaRPr lang="ko-KR" altLang="en-US" dirty="0"/>
+                    </a:p>
+                  </a:txBody>
+                  <a:tcPr/>
+                </a:tc>
+                <a:extLst>
+                  <a:ext uri="{0D108BD9-81ED-4DB2-BD59-A6C34878D82A}">
+                    <a16:rowId xmlns:a16="http://schemas.microsoft.com/office/drawing/2014/main" val="2854101617"/>
+                  </a:ext>
+                </a:extLst>
+              </a:tr>
+              <a:tr h="370840">
+                <a:tc>
+                  <a:txBody>
+                    <a:bodyPr/>
+                    <a:lstStyle/>
+                    <a:p>
+                      <a:pPr latinLnBrk="1"/>
+                      <a:r>
+                        <a:rPr lang="en-US" altLang="ko-KR" dirty="0">
+                          <a:solidFill>
+                            <a:srgbClr val="FF0000"/>
+                          </a:solidFill>
+                        </a:rPr>
+                        <a:t>Hp</a:t>
+                      </a:r>
+                      <a:endParaRPr lang="ko-KR" altLang="en-US" dirty="0">
+                        <a:solidFill>
+                          <a:srgbClr val="FF0000"/>
+                        </a:solidFill>
+                      </a:endParaRPr>
                     </a:p>
                   </a:txBody>
                   <a:tcPr/>
@@ -5685,54 +6953,7 @@
                       <a:pPr latinLnBrk="1"/>
                       <a:r>
                         <a:rPr lang="en-US" altLang="ko-KR" dirty="0"/>
-                        <a:t>50</a:t>
-                      </a:r>
-                      <a:endParaRPr lang="ko-KR" altLang="en-US" dirty="0"/>
-                    </a:p>
-                  </a:txBody>
-                  <a:tcPr/>
-                </a:tc>
-                <a:tc>
-                  <a:txBody>
-                    <a:bodyPr/>
-                    <a:lstStyle/>
-                    <a:p>
-                      <a:pPr latinLnBrk="1"/>
-                      <a:endParaRPr lang="ko-KR" altLang="en-US"/>
-                    </a:p>
-                  </a:txBody>
-                  <a:tcPr/>
-                </a:tc>
-                <a:extLst>
-                  <a:ext uri="{0D108BD9-81ED-4DB2-BD59-A6C34878D82A}">
-                    <a16:rowId xmlns:a16="http://schemas.microsoft.com/office/drawing/2014/main" val="2854101617"/>
-                  </a:ext>
-                </a:extLst>
-              </a:tr>
-              <a:tr h="370840">
-                <a:tc>
-                  <a:txBody>
-                    <a:bodyPr/>
-                    <a:lstStyle/>
-                    <a:p>
-                      <a:pPr latinLnBrk="1"/>
-                      <a:r>
-                        <a:rPr lang="ko-KR" altLang="en-US" dirty="0"/>
-                        <a:t>속도</a:t>
-                      </a:r>
-                    </a:p>
-                  </a:txBody>
-                  <a:tcPr/>
-                </a:tc>
-                <a:tc>
-                  <a:txBody>
-                    <a:bodyPr/>
-                    <a:lstStyle/>
-                    <a:p>
-                      <a:pPr latinLnBrk="1"/>
-                      <a:r>
-                        <a:rPr lang="en-US" altLang="ko-KR" dirty="0"/>
-                        <a:t>1</a:t>
+                        <a:t>20</a:t>
                       </a:r>
                       <a:endParaRPr lang="ko-KR" altLang="en-US" dirty="0"/>
                     </a:p>
@@ -5747,7 +6968,52 @@
                       <a:pPr latinLnBrk="1"/>
                       <a:r>
                         <a:rPr lang="en-US" altLang="ko-KR" dirty="0"/>
-                        <a:t>2</a:t>
+                        <a:t>…</a:t>
+                      </a:r>
+                      <a:endParaRPr lang="ko-KR" altLang="en-US" dirty="0"/>
+                    </a:p>
+                  </a:txBody>
+                  <a:tcPr/>
+                </a:tc>
+                <a:extLst>
+                  <a:ext uri="{0D108BD9-81ED-4DB2-BD59-A6C34878D82A}">
+                    <a16:rowId xmlns:a16="http://schemas.microsoft.com/office/drawing/2014/main" val="1625710824"/>
+                  </a:ext>
+                </a:extLst>
+              </a:tr>
+              <a:tr h="370840">
+                <a:tc>
+                  <a:txBody>
+                    <a:bodyPr/>
+                    <a:lstStyle/>
+                    <a:p>
+                      <a:pPr latinLnBrk="1"/>
+                      <a:r>
+                        <a:rPr lang="en-US" altLang="ko-KR" dirty="0">
+                          <a:solidFill>
+                            <a:srgbClr val="FF0000"/>
+                          </a:solidFill>
+                        </a:rPr>
+                        <a:t>Speed</a:t>
+                      </a:r>
+                      <a:endParaRPr lang="ko-KR" altLang="en-US" dirty="0">
+                        <a:solidFill>
+                          <a:srgbClr val="FF0000"/>
+                        </a:solidFill>
+                      </a:endParaRPr>
+                    </a:p>
+                  </a:txBody>
+                  <a:tcPr/>
+                </a:tc>
+                <a:tc>
+                  <a:txBody>
+                    <a:bodyPr/>
+                    <a:lstStyle/>
+                    <a:p>
+                      <a:pPr latinLnBrk="1"/>
+                      <a:r>
+                        <a:rPr lang="en-US" altLang="ko-KR" dirty="0"/>
+                        <a:t>6</a:t>
                       </a:r>
                       <a:endParaRPr lang="ko-KR" altLang="en-US" dirty="0"/>
                     </a:p>
@@ -5762,7 +7028,7 @@
                       <a:pPr latinLnBrk="1"/>
                       <a:r>
                         <a:rPr lang="en-US" altLang="ko-KR" dirty="0"/>
-                        <a:t>3</a:t>
+                        <a:t>5</a:t>
                       </a:r>
                       <a:endParaRPr lang="ko-KR" altLang="en-US" dirty="0"/>
                     </a:p>
@@ -5775,6 +7041,25 @@
                     <a:lstStyle/>
                     <a:p>
                       <a:pPr latinLnBrk="1"/>
+                      <a:r>
+                        <a:rPr lang="en-US" altLang="ko-KR" dirty="0"/>
+                        <a:t>4</a:t>
+                      </a:r>
+                      <a:endParaRPr lang="ko-KR" altLang="en-US" dirty="0"/>
+                    </a:p>
+                  </a:txBody>
+                  <a:tcPr/>
+                </a:tc>
+                <a:tc>
+                  <a:txBody>
+                    <a:bodyPr/>
+                    <a:lstStyle/>
+                    <a:p>
+                      <a:pPr latinLnBrk="1"/>
+                      <a:r>
+                        <a:rPr lang="en-US" altLang="ko-KR" dirty="0"/>
+                        <a:t>…</a:t>
+                      </a:r>
                       <a:endParaRPr lang="ko-KR" altLang="en-US" dirty="0"/>
                     </a:p>
                   </a:txBody>
@@ -5782,7 +7067,7 @@
                 </a:tc>
                 <a:extLst>
                   <a:ext uri="{0D108BD9-81ED-4DB2-BD59-A6C34878D82A}">
-                    <a16:rowId xmlns:a16="http://schemas.microsoft.com/office/drawing/2014/main" val="1625710824"/>
+                    <a16:rowId xmlns:a16="http://schemas.microsoft.com/office/drawing/2014/main" val="3992715307"/>
                   </a:ext>
                 </a:extLst>
               </a:tr>
@@ -5792,284 +7077,1042 @@
       </p:graphicFrame>
       <p:sp>
         <p:nvSpPr>
-          <p:cNvPr id="6" name="Content Placeholder 2">
+          <p:cNvPr id="5" name="타원 4">
             <a:extLst>
               <a:ext uri="{FF2B5EF4-FFF2-40B4-BE49-F238E27FC236}">
-                <a16:creationId xmlns:a16="http://schemas.microsoft.com/office/drawing/2014/main" id="{A3D2E575-D068-3439-7985-DCEAB37604C2}"/>
+                <a16:creationId xmlns:a16="http://schemas.microsoft.com/office/drawing/2014/main" id="{5D3B9C55-8AA4-0554-9AF2-4A76BB10932E}"/>
               </a:ext>
             </a:extLst>
           </p:cNvPr>
-          <p:cNvSpPr txBox="1">
-            <a:spLocks/>
-          </p:cNvSpPr>
+          <p:cNvSpPr/>
           <p:nvPr/>
         </p:nvSpPr>
         <p:spPr>
           <a:xfrm>
-            <a:off x="881997" y="5715000"/>
-            <a:ext cx="5857792" cy="914400"/>
+            <a:off x="5942012" y="1375938"/>
+            <a:ext cx="914400" cy="914400"/>
           </a:xfrm>
-          <a:prstGeom prst="rect">
+          <a:prstGeom prst="ellipse">
             <a:avLst/>
           </a:prstGeom>
         </p:spPr>
-        <p:txBody>
-          <a:bodyPr vert="horz" lIns="91440" tIns="45720" rIns="91440" bIns="45720" rtlCol="0">
-            <a:normAutofit lnSpcReduction="10000"/>
-          </a:bodyPr>
-          <a:lstStyle>
-            <a:lvl1pPr marL="223838" indent="-223838" algn="l" defTabSz="914400" rtl="0" eaLnBrk="1" latinLnBrk="0" hangingPunct="1">
-              <a:lnSpc>
-                <a:spcPct val="90000"/>
-              </a:lnSpc>
-              <a:spcBef>
-                <a:spcPts val="1800"/>
-              </a:spcBef>
-              <a:buClr>
-                <a:schemeClr val="accent1"/>
-              </a:buClr>
-              <a:buSzPct val="100000"/>
-              <a:buFont typeface="Arial" pitchFamily="34" charset="0"/>
-              <a:buChar char="•"/>
-              <a:defRPr sz="2400" kern="1200">
-                <a:solidFill>
-                  <a:schemeClr val="tx1"/>
-                </a:solidFill>
-                <a:latin typeface="+mn-lt"/>
-                <a:ea typeface="+mn-ea"/>
-                <a:cs typeface="+mn-cs"/>
-              </a:defRPr>
-            </a:lvl1pPr>
-            <a:lvl2pPr marL="463550" indent="-231775" algn="l" defTabSz="914400" rtl="0" eaLnBrk="1" latinLnBrk="0" hangingPunct="1">
-              <a:lnSpc>
-                <a:spcPct val="90000"/>
-              </a:lnSpc>
-              <a:spcBef>
-                <a:spcPts val="1200"/>
-              </a:spcBef>
-              <a:buClr>
-                <a:schemeClr val="accent1"/>
-              </a:buClr>
-              <a:buSzPct val="100000"/>
-              <a:buFont typeface="Arial" pitchFamily="34" charset="0"/>
-              <a:buChar char="•"/>
-              <a:defRPr sz="2000" kern="1200">
-                <a:solidFill>
-                  <a:schemeClr val="tx1"/>
-                </a:solidFill>
-                <a:latin typeface="+mn-lt"/>
-                <a:ea typeface="+mn-ea"/>
-                <a:cs typeface="+mn-cs"/>
-              </a:defRPr>
-            </a:lvl2pPr>
-            <a:lvl3pPr marL="682625" indent="-219075" algn="l" defTabSz="914400" rtl="0" eaLnBrk="1" latinLnBrk="0" hangingPunct="1">
-              <a:lnSpc>
-                <a:spcPct val="90000"/>
-              </a:lnSpc>
-              <a:spcBef>
-                <a:spcPts val="600"/>
-              </a:spcBef>
-              <a:buClr>
-                <a:schemeClr val="accent1"/>
-              </a:buClr>
-              <a:buSzPct val="100000"/>
-              <a:buFont typeface="Arial" pitchFamily="34" charset="0"/>
-              <a:buChar char="•"/>
-              <a:defRPr sz="1800" kern="1200">
-                <a:solidFill>
-                  <a:schemeClr val="tx1"/>
-                </a:solidFill>
-                <a:latin typeface="+mn-lt"/>
-                <a:ea typeface="+mn-ea"/>
-                <a:cs typeface="+mn-cs"/>
-              </a:defRPr>
-            </a:lvl3pPr>
-            <a:lvl4pPr marL="857250" indent="-174625" algn="l" defTabSz="914400" rtl="0" eaLnBrk="1" latinLnBrk="0" hangingPunct="1">
-              <a:lnSpc>
-                <a:spcPct val="90000"/>
-              </a:lnSpc>
-              <a:spcBef>
-                <a:spcPts val="600"/>
-              </a:spcBef>
-              <a:buClr>
-                <a:schemeClr val="accent1"/>
-              </a:buClr>
-              <a:buSzPct val="100000"/>
-              <a:buFont typeface="Arial" pitchFamily="34" charset="0"/>
-              <a:buChar char="•"/>
-              <a:defRPr sz="1600" kern="1200">
-                <a:solidFill>
-                  <a:schemeClr val="tx1"/>
-                </a:solidFill>
-                <a:latin typeface="+mn-lt"/>
-                <a:ea typeface="+mn-ea"/>
-                <a:cs typeface="+mn-cs"/>
-              </a:defRPr>
-            </a:lvl4pPr>
-            <a:lvl5pPr marL="1030288" indent="-173038" algn="l" defTabSz="914400" rtl="0" eaLnBrk="1" latinLnBrk="0" hangingPunct="1">
-              <a:lnSpc>
-                <a:spcPct val="90000"/>
-              </a:lnSpc>
-              <a:spcBef>
-                <a:spcPts val="600"/>
-              </a:spcBef>
-              <a:buClr>
-                <a:schemeClr val="accent1"/>
-              </a:buClr>
-              <a:buSzPct val="100000"/>
-              <a:buFont typeface="Arial" pitchFamily="34" charset="0"/>
-              <a:buChar char="•"/>
-              <a:defRPr sz="1600" kern="1200">
-                <a:solidFill>
-                  <a:schemeClr val="tx1"/>
-                </a:solidFill>
-                <a:latin typeface="+mn-lt"/>
-                <a:ea typeface="+mn-ea"/>
-                <a:cs typeface="+mn-cs"/>
-              </a:defRPr>
-            </a:lvl5pPr>
-            <a:lvl6pPr marL="1207008" indent="-173736" algn="l" defTabSz="914400" rtl="0" eaLnBrk="1" latinLnBrk="0" hangingPunct="1">
-              <a:spcBef>
-                <a:spcPts val="600"/>
-              </a:spcBef>
-              <a:buClr>
-                <a:schemeClr val="accent1"/>
-              </a:buClr>
-              <a:buFont typeface="Arial" pitchFamily="34" charset="0"/>
-              <a:buChar char="•"/>
-              <a:defRPr sz="1600" kern="1200">
-                <a:solidFill>
-                  <a:schemeClr val="tx1"/>
-                </a:solidFill>
-                <a:latin typeface="+mn-lt"/>
-                <a:ea typeface="+mn-ea"/>
-                <a:cs typeface="+mn-cs"/>
-              </a:defRPr>
-            </a:lvl6pPr>
-            <a:lvl7pPr marL="1380744" indent="-173736" algn="l" defTabSz="914400" rtl="0" eaLnBrk="1" latinLnBrk="0" hangingPunct="1">
-              <a:spcBef>
-                <a:spcPts val="600"/>
-              </a:spcBef>
-              <a:buClr>
-                <a:schemeClr val="accent1"/>
-              </a:buClr>
-              <a:buFont typeface="Arial" pitchFamily="34" charset="0"/>
-              <a:buChar char="•"/>
-              <a:defRPr sz="1600" kern="1200">
-                <a:solidFill>
-                  <a:schemeClr val="tx1"/>
-                </a:solidFill>
-                <a:latin typeface="+mn-lt"/>
-                <a:ea typeface="+mn-ea"/>
-                <a:cs typeface="+mn-cs"/>
-              </a:defRPr>
-            </a:lvl7pPr>
-            <a:lvl8pPr marL="1554480" indent="-173736" algn="l" defTabSz="914400" rtl="0" eaLnBrk="1" latinLnBrk="0" hangingPunct="1">
-              <a:spcBef>
-                <a:spcPts val="600"/>
-              </a:spcBef>
-              <a:buClr>
-                <a:schemeClr val="accent1"/>
-              </a:buClr>
-              <a:buFont typeface="Arial" pitchFamily="34" charset="0"/>
-              <a:buChar char="•"/>
-              <a:defRPr sz="1600" kern="1200">
-                <a:solidFill>
-                  <a:schemeClr val="tx1"/>
-                </a:solidFill>
-                <a:latin typeface="+mn-lt"/>
-                <a:ea typeface="+mn-ea"/>
-                <a:cs typeface="+mn-cs"/>
-              </a:defRPr>
-            </a:lvl8pPr>
-            <a:lvl9pPr marL="1728216" indent="-173736" algn="l" defTabSz="914400" rtl="0" eaLnBrk="1" latinLnBrk="0" hangingPunct="1">
-              <a:spcBef>
-                <a:spcPts val="600"/>
-              </a:spcBef>
-              <a:buClr>
-                <a:schemeClr val="accent1"/>
-              </a:buClr>
-              <a:buFont typeface="Arial" pitchFamily="34" charset="0"/>
-              <a:buChar char="•"/>
-              <a:defRPr sz="1600" kern="1200">
-                <a:solidFill>
-                  <a:schemeClr val="tx1"/>
-                </a:solidFill>
-                <a:latin typeface="+mn-lt"/>
-                <a:ea typeface="+mn-ea"/>
-                <a:cs typeface="+mn-cs"/>
-              </a:defRPr>
-            </a:lvl9pPr>
-          </a:lstStyle>
-          <a:p>
-            <a:pPr marL="0" indent="0">
-              <a:buFont typeface="Arial" pitchFamily="34" charset="0"/>
-              <a:buNone/>
-            </a:pPr>
-            <a:r>
-              <a:rPr lang="en-US" dirty="0"/>
-              <a:t>1</a:t>
-            </a:r>
-            <a:r>
-              <a:rPr lang="ko-KR" altLang="en-US" dirty="0"/>
-              <a:t>열과 같이 </a:t>
-            </a:r>
-            <a:r>
-              <a:rPr lang="en-US" altLang="ko-KR" dirty="0"/>
-              <a:t>scriptable object </a:t>
-            </a:r>
-            <a:r>
-              <a:rPr lang="ko-KR" altLang="en-US" dirty="0" err="1"/>
-              <a:t>만들어두면</a:t>
-            </a:r>
-            <a:r>
-              <a:rPr lang="ko-KR" altLang="en-US" dirty="0"/>
+        <p:style>
+          <a:lnRef idx="2">
+            <a:schemeClr val="accent1">
+              <a:shade val="15000"/>
+            </a:schemeClr>
+          </a:lnRef>
+          <a:fillRef idx="1">
+            <a:schemeClr val="accent1"/>
+          </a:fillRef>
+          <a:effectRef idx="0">
+            <a:schemeClr val="accent1"/>
+          </a:effectRef>
+          <a:fontRef idx="minor">
+            <a:schemeClr val="lt1"/>
+          </a:fontRef>
+        </p:style>
+        <p:txBody>
+          <a:bodyPr rtlCol="0" anchor="ctr"/>
+          <a:lstStyle/>
+          <a:p>
+            <a:pPr algn="ctr"/>
+            <a:r>
+              <a:rPr lang="en-US" altLang="ko-KR" sz="900" dirty="0" err="1"/>
+              <a:t>Pokemon</a:t>
+            </a:r>
+            <a:r>
+              <a:rPr lang="en-US" altLang="ko-KR" sz="900" dirty="0"/>
               <a:t> </a:t>
             </a:r>
-            <a:endParaRPr lang="en-US" altLang="ko-KR" dirty="0"/>
-          </a:p>
-          <a:p>
-            <a:pPr marL="0" indent="0">
-              <a:buFont typeface="Arial" pitchFamily="34" charset="0"/>
-              <a:buNone/>
-            </a:pPr>
-            <a:r>
-              <a:rPr lang="ko-KR" altLang="en-US" dirty="0"/>
-              <a:t>언제든 </a:t>
-            </a:r>
-            <a:r>
-              <a:rPr lang="ko-KR" altLang="en-US" dirty="0" err="1"/>
-              <a:t>좀비변수들이</a:t>
-            </a:r>
-            <a:r>
-              <a:rPr lang="ko-KR" altLang="en-US" dirty="0"/>
-              <a:t> 참조를 한다</a:t>
-            </a:r>
-            <a:r>
-              <a:rPr lang="en-US" altLang="ko-KR" dirty="0"/>
-              <a:t>. </a:t>
-            </a:r>
-            <a:endParaRPr lang="en-US" dirty="0"/>
+            <a:endParaRPr lang="ko-KR" altLang="en-US" sz="900" dirty="0"/>
+          </a:p>
+        </p:txBody>
+      </p:sp>
+      <p:sp>
+        <p:nvSpPr>
+          <p:cNvPr id="13" name="타원 12">
+            <a:extLst>
+              <a:ext uri="{FF2B5EF4-FFF2-40B4-BE49-F238E27FC236}">
+                <a16:creationId xmlns:a16="http://schemas.microsoft.com/office/drawing/2014/main" id="{178FEFD5-2DAC-5E37-0D31-229493657B14}"/>
+              </a:ext>
+            </a:extLst>
+          </p:cNvPr>
+          <p:cNvSpPr/>
+          <p:nvPr/>
+        </p:nvSpPr>
+        <p:spPr>
+          <a:xfrm>
+            <a:off x="5942012" y="2584606"/>
+            <a:ext cx="914400" cy="914400"/>
+          </a:xfrm>
+          <a:prstGeom prst="ellipse">
+            <a:avLst/>
+          </a:prstGeom>
+        </p:spPr>
+        <p:style>
+          <a:lnRef idx="2">
+            <a:schemeClr val="accent1">
+              <a:shade val="15000"/>
+            </a:schemeClr>
+          </a:lnRef>
+          <a:fillRef idx="1">
+            <a:schemeClr val="accent1"/>
+          </a:fillRef>
+          <a:effectRef idx="0">
+            <a:schemeClr val="accent1"/>
+          </a:effectRef>
+          <a:fontRef idx="minor">
+            <a:schemeClr val="lt1"/>
+          </a:fontRef>
+        </p:style>
+        <p:txBody>
+          <a:bodyPr rtlCol="0" anchor="ctr"/>
+          <a:lstStyle/>
+          <a:p>
+            <a:pPr algn="ctr"/>
+            <a:r>
+              <a:rPr lang="en-US" altLang="ko-KR" sz="900" dirty="0" err="1"/>
+              <a:t>Pokemon</a:t>
+            </a:r>
+            <a:r>
+              <a:rPr lang="en-US" altLang="ko-KR" sz="900" dirty="0"/>
+              <a:t> </a:t>
+            </a:r>
+            <a:endParaRPr lang="ko-KR" altLang="en-US" sz="900" dirty="0"/>
+          </a:p>
+        </p:txBody>
+      </p:sp>
+      <p:sp>
+        <p:nvSpPr>
+          <p:cNvPr id="17" name="타원 16">
+            <a:extLst>
+              <a:ext uri="{FF2B5EF4-FFF2-40B4-BE49-F238E27FC236}">
+                <a16:creationId xmlns:a16="http://schemas.microsoft.com/office/drawing/2014/main" id="{43D07EE2-FF24-E1F7-F978-82414D93CF81}"/>
+              </a:ext>
+            </a:extLst>
+          </p:cNvPr>
+          <p:cNvSpPr/>
+          <p:nvPr/>
+        </p:nvSpPr>
+        <p:spPr>
+          <a:xfrm>
+            <a:off x="7161212" y="1375938"/>
+            <a:ext cx="914400" cy="914400"/>
+          </a:xfrm>
+          <a:prstGeom prst="ellipse">
+            <a:avLst/>
+          </a:prstGeom>
+        </p:spPr>
+        <p:style>
+          <a:lnRef idx="2">
+            <a:schemeClr val="accent1">
+              <a:shade val="15000"/>
+            </a:schemeClr>
+          </a:lnRef>
+          <a:fillRef idx="1">
+            <a:schemeClr val="accent1"/>
+          </a:fillRef>
+          <a:effectRef idx="0">
+            <a:schemeClr val="accent1"/>
+          </a:effectRef>
+          <a:fontRef idx="minor">
+            <a:schemeClr val="lt1"/>
+          </a:fontRef>
+        </p:style>
+        <p:txBody>
+          <a:bodyPr rtlCol="0" anchor="ctr"/>
+          <a:lstStyle/>
+          <a:p>
+            <a:pPr algn="ctr"/>
+            <a:r>
+              <a:rPr lang="en-US" altLang="ko-KR" sz="900" dirty="0" err="1"/>
+              <a:t>Pokemon</a:t>
+            </a:r>
+            <a:r>
+              <a:rPr lang="en-US" altLang="ko-KR" sz="900" dirty="0"/>
+              <a:t> </a:t>
+            </a:r>
+            <a:endParaRPr lang="ko-KR" altLang="en-US" sz="900" dirty="0"/>
+          </a:p>
+        </p:txBody>
+      </p:sp>
+      <p:sp>
+        <p:nvSpPr>
+          <p:cNvPr id="18" name="타원 17">
+            <a:extLst>
+              <a:ext uri="{FF2B5EF4-FFF2-40B4-BE49-F238E27FC236}">
+                <a16:creationId xmlns:a16="http://schemas.microsoft.com/office/drawing/2014/main" id="{0F32C9D8-5768-CC66-EFE3-67BEE0CA4201}"/>
+              </a:ext>
+            </a:extLst>
+          </p:cNvPr>
+          <p:cNvSpPr/>
+          <p:nvPr/>
+        </p:nvSpPr>
+        <p:spPr>
+          <a:xfrm>
+            <a:off x="7161212" y="2584606"/>
+            <a:ext cx="914400" cy="914400"/>
+          </a:xfrm>
+          <a:prstGeom prst="ellipse">
+            <a:avLst/>
+          </a:prstGeom>
+        </p:spPr>
+        <p:style>
+          <a:lnRef idx="2">
+            <a:schemeClr val="accent1">
+              <a:shade val="15000"/>
+            </a:schemeClr>
+          </a:lnRef>
+          <a:fillRef idx="1">
+            <a:schemeClr val="accent1"/>
+          </a:fillRef>
+          <a:effectRef idx="0">
+            <a:schemeClr val="accent1"/>
+          </a:effectRef>
+          <a:fontRef idx="minor">
+            <a:schemeClr val="lt1"/>
+          </a:fontRef>
+        </p:style>
+        <p:txBody>
+          <a:bodyPr rtlCol="0" anchor="ctr"/>
+          <a:lstStyle/>
+          <a:p>
+            <a:pPr algn="ctr"/>
+            <a:r>
+              <a:rPr lang="en-US" altLang="ko-KR" sz="900" dirty="0" err="1"/>
+              <a:t>Pokemon</a:t>
+            </a:r>
+            <a:r>
+              <a:rPr lang="en-US" altLang="ko-KR" sz="900" dirty="0"/>
+              <a:t> </a:t>
+            </a:r>
+            <a:endParaRPr lang="ko-KR" altLang="en-US" sz="900" dirty="0"/>
+          </a:p>
+        </p:txBody>
+      </p:sp>
+      <p:sp>
+        <p:nvSpPr>
+          <p:cNvPr id="19" name="타원 18">
+            <a:extLst>
+              <a:ext uri="{FF2B5EF4-FFF2-40B4-BE49-F238E27FC236}">
+                <a16:creationId xmlns:a16="http://schemas.microsoft.com/office/drawing/2014/main" id="{55D4324C-8245-CEA6-14FF-36AA7C9D8E3F}"/>
+              </a:ext>
+            </a:extLst>
+          </p:cNvPr>
+          <p:cNvSpPr/>
+          <p:nvPr/>
+        </p:nvSpPr>
+        <p:spPr>
+          <a:xfrm>
+            <a:off x="8348344" y="1375938"/>
+            <a:ext cx="914400" cy="914400"/>
+          </a:xfrm>
+          <a:prstGeom prst="ellipse">
+            <a:avLst/>
+          </a:prstGeom>
+        </p:spPr>
+        <p:style>
+          <a:lnRef idx="2">
+            <a:schemeClr val="accent1">
+              <a:shade val="15000"/>
+            </a:schemeClr>
+          </a:lnRef>
+          <a:fillRef idx="1">
+            <a:schemeClr val="accent1"/>
+          </a:fillRef>
+          <a:effectRef idx="0">
+            <a:schemeClr val="accent1"/>
+          </a:effectRef>
+          <a:fontRef idx="minor">
+            <a:schemeClr val="lt1"/>
+          </a:fontRef>
+        </p:style>
+        <p:txBody>
+          <a:bodyPr rtlCol="0" anchor="ctr"/>
+          <a:lstStyle/>
+          <a:p>
+            <a:pPr algn="ctr"/>
+            <a:r>
+              <a:rPr lang="en-US" altLang="ko-KR" sz="900" dirty="0" err="1"/>
+              <a:t>Pokemon</a:t>
+            </a:r>
+            <a:r>
+              <a:rPr lang="en-US" altLang="ko-KR" sz="900" dirty="0"/>
+              <a:t> </a:t>
+            </a:r>
+            <a:endParaRPr lang="ko-KR" altLang="en-US" sz="900" dirty="0"/>
+          </a:p>
+        </p:txBody>
+      </p:sp>
+      <p:sp>
+        <p:nvSpPr>
+          <p:cNvPr id="20" name="타원 19">
+            <a:extLst>
+              <a:ext uri="{FF2B5EF4-FFF2-40B4-BE49-F238E27FC236}">
+                <a16:creationId xmlns:a16="http://schemas.microsoft.com/office/drawing/2014/main" id="{8AD7D839-4983-FE9D-57F4-39A0F35C6231}"/>
+              </a:ext>
+            </a:extLst>
+          </p:cNvPr>
+          <p:cNvSpPr/>
+          <p:nvPr/>
+        </p:nvSpPr>
+        <p:spPr>
+          <a:xfrm>
+            <a:off x="8348344" y="2584606"/>
+            <a:ext cx="914400" cy="914400"/>
+          </a:xfrm>
+          <a:prstGeom prst="ellipse">
+            <a:avLst/>
+          </a:prstGeom>
+        </p:spPr>
+        <p:style>
+          <a:lnRef idx="2">
+            <a:schemeClr val="accent1">
+              <a:shade val="15000"/>
+            </a:schemeClr>
+          </a:lnRef>
+          <a:fillRef idx="1">
+            <a:schemeClr val="accent1"/>
+          </a:fillRef>
+          <a:effectRef idx="0">
+            <a:schemeClr val="accent1"/>
+          </a:effectRef>
+          <a:fontRef idx="minor">
+            <a:schemeClr val="lt1"/>
+          </a:fontRef>
+        </p:style>
+        <p:txBody>
+          <a:bodyPr rtlCol="0" anchor="ctr"/>
+          <a:lstStyle/>
+          <a:p>
+            <a:pPr algn="ctr"/>
+            <a:r>
+              <a:rPr lang="en-US" altLang="ko-KR" sz="900" dirty="0" err="1"/>
+              <a:t>Pokemon</a:t>
+            </a:r>
+            <a:r>
+              <a:rPr lang="en-US" altLang="ko-KR" sz="900" dirty="0"/>
+              <a:t> </a:t>
+            </a:r>
+            <a:endParaRPr lang="ko-KR" altLang="en-US" sz="900" dirty="0"/>
+          </a:p>
+        </p:txBody>
+      </p:sp>
+      <p:sp>
+        <p:nvSpPr>
+          <p:cNvPr id="21" name="타원 20">
+            <a:extLst>
+              <a:ext uri="{FF2B5EF4-FFF2-40B4-BE49-F238E27FC236}">
+                <a16:creationId xmlns:a16="http://schemas.microsoft.com/office/drawing/2014/main" id="{AA5F77C0-DB81-60EE-E86D-8DA527E64276}"/>
+              </a:ext>
+            </a:extLst>
+          </p:cNvPr>
+          <p:cNvSpPr/>
+          <p:nvPr/>
+        </p:nvSpPr>
+        <p:spPr>
+          <a:xfrm>
+            <a:off x="9570899" y="1375938"/>
+            <a:ext cx="914400" cy="914400"/>
+          </a:xfrm>
+          <a:prstGeom prst="ellipse">
+            <a:avLst/>
+          </a:prstGeom>
+        </p:spPr>
+        <p:style>
+          <a:lnRef idx="2">
+            <a:schemeClr val="accent1">
+              <a:shade val="15000"/>
+            </a:schemeClr>
+          </a:lnRef>
+          <a:fillRef idx="1">
+            <a:schemeClr val="accent1"/>
+          </a:fillRef>
+          <a:effectRef idx="0">
+            <a:schemeClr val="accent1"/>
+          </a:effectRef>
+          <a:fontRef idx="minor">
+            <a:schemeClr val="lt1"/>
+          </a:fontRef>
+        </p:style>
+        <p:txBody>
+          <a:bodyPr rtlCol="0" anchor="ctr"/>
+          <a:lstStyle/>
+          <a:p>
+            <a:pPr algn="ctr"/>
+            <a:r>
+              <a:rPr lang="en-US" altLang="ko-KR" sz="900" dirty="0" err="1"/>
+              <a:t>Pokemon</a:t>
+            </a:r>
+            <a:r>
+              <a:rPr lang="en-US" altLang="ko-KR" sz="900" dirty="0"/>
+              <a:t> </a:t>
+            </a:r>
+            <a:endParaRPr lang="ko-KR" altLang="en-US" sz="900" dirty="0"/>
+          </a:p>
+        </p:txBody>
+      </p:sp>
+      <p:sp>
+        <p:nvSpPr>
+          <p:cNvPr id="22" name="타원 21">
+            <a:extLst>
+              <a:ext uri="{FF2B5EF4-FFF2-40B4-BE49-F238E27FC236}">
+                <a16:creationId xmlns:a16="http://schemas.microsoft.com/office/drawing/2014/main" id="{3C6B2B98-DBD6-137C-1B2D-F0DDAB7AF7CD}"/>
+              </a:ext>
+            </a:extLst>
+          </p:cNvPr>
+          <p:cNvSpPr/>
+          <p:nvPr/>
+        </p:nvSpPr>
+        <p:spPr>
+          <a:xfrm>
+            <a:off x="9570899" y="2584606"/>
+            <a:ext cx="914400" cy="914400"/>
+          </a:xfrm>
+          <a:prstGeom prst="ellipse">
+            <a:avLst/>
+          </a:prstGeom>
+        </p:spPr>
+        <p:style>
+          <a:lnRef idx="2">
+            <a:schemeClr val="accent1">
+              <a:shade val="15000"/>
+            </a:schemeClr>
+          </a:lnRef>
+          <a:fillRef idx="1">
+            <a:schemeClr val="accent1"/>
+          </a:fillRef>
+          <a:effectRef idx="0">
+            <a:schemeClr val="accent1"/>
+          </a:effectRef>
+          <a:fontRef idx="minor">
+            <a:schemeClr val="lt1"/>
+          </a:fontRef>
+        </p:style>
+        <p:txBody>
+          <a:bodyPr rtlCol="0" anchor="ctr"/>
+          <a:lstStyle/>
+          <a:p>
+            <a:pPr algn="ctr"/>
+            <a:r>
+              <a:rPr lang="en-US" altLang="ko-KR" sz="900" dirty="0" err="1"/>
+              <a:t>Pokemon</a:t>
+            </a:r>
+            <a:r>
+              <a:rPr lang="en-US" altLang="ko-KR" sz="900" dirty="0"/>
+              <a:t> </a:t>
+            </a:r>
+            <a:endParaRPr lang="ko-KR" altLang="en-US" sz="900" dirty="0"/>
           </a:p>
         </p:txBody>
       </p:sp>
     </p:spTree>
     <p:extLst>
       <p:ext uri="{BB962C8B-B14F-4D97-AF65-F5344CB8AC3E}">
-        <p14:creationId xmlns:p14="http://schemas.microsoft.com/office/powerpoint/2010/main" val="1872224216"/>
+        <p14:creationId xmlns:p14="http://schemas.microsoft.com/office/powerpoint/2010/main" val="3969684712"/>
       </p:ext>
     </p:extLst>
   </p:cSld>
   <p:clrMapOvr>
     <a:masterClrMapping/>
   </p:clrMapOvr>
-  <mc:AlternateContent xmlns:mc="http://schemas.openxmlformats.org/markup-compatibility/2006">
-    <mc:Choice xmlns:p14="http://schemas.microsoft.com/office/powerpoint/2010/main" Requires="p14">
+  <mc:AlternateContent xmlns:mc="http://schemas.openxmlformats.org/markup-compatibility/2006" xmlns:p14="http://schemas.microsoft.com/office/powerpoint/2010/main">
+    <mc:Choice Requires="p14">
       <p:transition spd="med" p14:dur="700">
         <p:fade/>
       </p:transition>
     </mc:Choice>
-    <mc:Fallback>
+    <mc:Fallback xmlns="">
+      <p:transition spd="med">
+        <p:fade/>
+      </p:transition>
+    </mc:Fallback>
+  </mc:AlternateContent>
+</p:sld>
+</file>
+
+<file path=ppt/slides/slide4.xml><?xml version="1.0" encoding="utf-8"?>
+<p:sld xmlns:a="http://schemas.openxmlformats.org/drawingml/2006/main" xmlns:r="http://schemas.openxmlformats.org/officeDocument/2006/relationships" xmlns:p="http://schemas.openxmlformats.org/presentationml/2006/main">
+  <p:cSld>
+    <p:spTree>
+      <p:nvGrpSpPr>
+        <p:cNvPr id="1" name=""/>
+        <p:cNvGrpSpPr/>
+        <p:nvPr/>
+      </p:nvGrpSpPr>
+      <p:grpSpPr>
+        <a:xfrm>
+          <a:off x="0" y="0"/>
+          <a:ext cx="0" cy="0"/>
+          <a:chOff x="0" y="0"/>
+          <a:chExt cx="0" cy="0"/>
+        </a:xfrm>
+      </p:grpSpPr>
+      <p:sp>
+        <p:nvSpPr>
+          <p:cNvPr id="2" name="Title 1">
+            <a:extLst>
+              <a:ext uri="{FF2B5EF4-FFF2-40B4-BE49-F238E27FC236}">
+                <a16:creationId xmlns:a16="http://schemas.microsoft.com/office/drawing/2014/main" id="{A7F5E160-4E42-4FCC-9B4E-9574CD651EEE}"/>
+              </a:ext>
+            </a:extLst>
+          </p:cNvPr>
+          <p:cNvSpPr>
+            <a:spLocks noGrp="1"/>
+          </p:cNvSpPr>
+          <p:nvPr>
+            <p:ph type="title"/>
+          </p:nvPr>
+        </p:nvSpPr>
+        <p:spPr>
+          <a:xfrm>
+            <a:off x="912812" y="228600"/>
+            <a:ext cx="9144001" cy="1371600"/>
+          </a:xfrm>
+        </p:spPr>
+        <p:txBody>
+          <a:bodyPr/>
+          <a:lstStyle/>
+          <a:p>
+            <a:r>
+              <a:rPr lang="en-US" dirty="0"/>
+              <a:t>Basic Structure</a:t>
+            </a:r>
+          </a:p>
+        </p:txBody>
+      </p:sp>
+      <p:sp>
+        <p:nvSpPr>
+          <p:cNvPr id="3" name="Content Placeholder 2">
+            <a:extLst>
+              <a:ext uri="{FF2B5EF4-FFF2-40B4-BE49-F238E27FC236}">
+                <a16:creationId xmlns:a16="http://schemas.microsoft.com/office/drawing/2014/main" id="{AE76CEDF-7A2B-443E-BB9D-5A6E793670A8}"/>
+              </a:ext>
+            </a:extLst>
+          </p:cNvPr>
+          <p:cNvSpPr>
+            <a:spLocks noGrp="1"/>
+          </p:cNvSpPr>
+          <p:nvPr>
+            <p:ph idx="1"/>
+          </p:nvPr>
+        </p:nvSpPr>
+        <p:spPr>
+          <a:xfrm>
+            <a:off x="9218612" y="2121075"/>
+            <a:ext cx="3200400" cy="4114801"/>
+          </a:xfrm>
+        </p:spPr>
+        <p:txBody>
+          <a:bodyPr>
+            <a:normAutofit/>
+          </a:bodyPr>
+          <a:lstStyle/>
+          <a:p>
+            <a:pPr marL="0" indent="0">
+              <a:buNone/>
+            </a:pPr>
+            <a:r>
+              <a:rPr lang="en-US" dirty="0"/>
+              <a:t>-And any extra information as you needed! </a:t>
+            </a:r>
+          </a:p>
+        </p:txBody>
+      </p:sp>
+      <p:pic>
+        <p:nvPicPr>
+          <p:cNvPr id="6" name="그림 5">
+            <a:extLst>
+              <a:ext uri="{FF2B5EF4-FFF2-40B4-BE49-F238E27FC236}">
+                <a16:creationId xmlns:a16="http://schemas.microsoft.com/office/drawing/2014/main" id="{C7275326-6144-24AD-4EF4-B0253FE5457B}"/>
+              </a:ext>
+            </a:extLst>
+          </p:cNvPr>
+          <p:cNvPicPr>
+            <a:picLocks noChangeAspect="1"/>
+          </p:cNvPicPr>
+          <p:nvPr/>
+        </p:nvPicPr>
+        <p:blipFill>
+          <a:blip r:embed="rId2"/>
+          <a:stretch>
+            <a:fillRect/>
+          </a:stretch>
+        </p:blipFill>
+        <p:spPr>
+          <a:xfrm>
+            <a:off x="303212" y="1981201"/>
+            <a:ext cx="8249074" cy="2495678"/>
+          </a:xfrm>
+          <a:prstGeom prst="rect">
+            <a:avLst/>
+          </a:prstGeom>
+        </p:spPr>
+      </p:pic>
+    </p:spTree>
+    <p:extLst>
+      <p:ext uri="{BB962C8B-B14F-4D97-AF65-F5344CB8AC3E}">
+        <p14:creationId xmlns:p14="http://schemas.microsoft.com/office/powerpoint/2010/main" val="1115361486"/>
+      </p:ext>
+    </p:extLst>
+  </p:cSld>
+  <p:clrMapOvr>
+    <a:masterClrMapping/>
+  </p:clrMapOvr>
+  <mc:AlternateContent xmlns:mc="http://schemas.openxmlformats.org/markup-compatibility/2006" xmlns:p14="http://schemas.microsoft.com/office/powerpoint/2010/main">
+    <mc:Choice Requires="p14">
+      <p:transition spd="med" p14:dur="700">
+        <p:fade/>
+      </p:transition>
+    </mc:Choice>
+    <mc:Fallback xmlns="">
+      <p:transition spd="med">
+        <p:fade/>
+      </p:transition>
+    </mc:Fallback>
+  </mc:AlternateContent>
+</p:sld>
+</file>
+
+<file path=ppt/slides/slide5.xml><?xml version="1.0" encoding="utf-8"?>
+<p:sld xmlns:a="http://schemas.openxmlformats.org/drawingml/2006/main" xmlns:r="http://schemas.openxmlformats.org/officeDocument/2006/relationships" xmlns:p="http://schemas.openxmlformats.org/presentationml/2006/main">
+  <p:cSld>
+    <p:spTree>
+      <p:nvGrpSpPr>
+        <p:cNvPr id="1" name=""/>
+        <p:cNvGrpSpPr/>
+        <p:nvPr/>
+      </p:nvGrpSpPr>
+      <p:grpSpPr>
+        <a:xfrm>
+          <a:off x="0" y="0"/>
+          <a:ext cx="0" cy="0"/>
+          <a:chOff x="0" y="0"/>
+          <a:chExt cx="0" cy="0"/>
+        </a:xfrm>
+      </p:grpSpPr>
+      <p:sp>
+        <p:nvSpPr>
+          <p:cNvPr id="2" name="Title 1">
+            <a:extLst>
+              <a:ext uri="{FF2B5EF4-FFF2-40B4-BE49-F238E27FC236}">
+                <a16:creationId xmlns:a16="http://schemas.microsoft.com/office/drawing/2014/main" id="{A7F5E160-4E42-4FCC-9B4E-9574CD651EEE}"/>
+              </a:ext>
+            </a:extLst>
+          </p:cNvPr>
+          <p:cNvSpPr>
+            <a:spLocks noGrp="1"/>
+          </p:cNvSpPr>
+          <p:nvPr>
+            <p:ph type="title"/>
+          </p:nvPr>
+        </p:nvSpPr>
+        <p:spPr>
+          <a:xfrm>
+            <a:off x="919932" y="198832"/>
+            <a:ext cx="9144001" cy="685800"/>
+          </a:xfrm>
+        </p:spPr>
+        <p:txBody>
+          <a:bodyPr/>
+          <a:lstStyle/>
+          <a:p>
+            <a:r>
+              <a:rPr lang="en-US" dirty="0"/>
+              <a:t>How It works</a:t>
+            </a:r>
+          </a:p>
+        </p:txBody>
+      </p:sp>
+      <p:sp>
+        <p:nvSpPr>
+          <p:cNvPr id="7" name="내용 개체 틀 6">
+            <a:extLst>
+              <a:ext uri="{FF2B5EF4-FFF2-40B4-BE49-F238E27FC236}">
+                <a16:creationId xmlns:a16="http://schemas.microsoft.com/office/drawing/2014/main" id="{DE84A7AF-E6C3-12EB-C3D7-66B2F888206C}"/>
+              </a:ext>
+            </a:extLst>
+          </p:cNvPr>
+          <p:cNvSpPr>
+            <a:spLocks noGrp="1"/>
+          </p:cNvSpPr>
+          <p:nvPr>
+            <p:ph idx="1"/>
+          </p:nvPr>
+        </p:nvSpPr>
+        <p:spPr>
+          <a:xfrm>
+            <a:off x="929542" y="1590320"/>
+            <a:ext cx="9134391" cy="4114801"/>
+          </a:xfrm>
+        </p:spPr>
+        <p:txBody>
+          <a:bodyPr>
+            <a:normAutofit lnSpcReduction="10000"/>
+          </a:bodyPr>
+          <a:lstStyle/>
+          <a:p>
+            <a:pPr marL="0" indent="0">
+              <a:buNone/>
+            </a:pPr>
+            <a:r>
+              <a:rPr lang="en-US" altLang="ko-KR" dirty="0"/>
+              <a:t>What you wanna create ? </a:t>
+            </a:r>
+          </a:p>
+          <a:p>
+            <a:pPr marL="0" indent="0">
+              <a:buNone/>
+            </a:pPr>
+            <a:r>
+              <a:rPr lang="en-US" altLang="ko-KR" dirty="0"/>
+              <a:t>- Set scriptable object</a:t>
+            </a:r>
+          </a:p>
+          <a:p>
+            <a:pPr marL="0" indent="0">
+              <a:buNone/>
+            </a:pPr>
+            <a:endParaRPr lang="en-US" altLang="ko-KR" dirty="0"/>
+          </a:p>
+          <a:p>
+            <a:pPr marL="0" indent="0">
+              <a:buNone/>
+            </a:pPr>
+            <a:r>
+              <a:rPr lang="en-US" altLang="ko-KR" dirty="0"/>
+              <a:t>Where you wanna create?</a:t>
+            </a:r>
+          </a:p>
+          <a:p>
+            <a:pPr marL="0" indent="0">
+              <a:buNone/>
+            </a:pPr>
+            <a:r>
+              <a:rPr lang="en-US" altLang="ko-KR" dirty="0"/>
+              <a:t>- Set C# script in the game object</a:t>
+            </a:r>
+          </a:p>
+          <a:p>
+            <a:pPr marL="0" indent="0">
+              <a:buNone/>
+            </a:pPr>
+            <a:endParaRPr lang="en-US" altLang="ko-KR" dirty="0"/>
+          </a:p>
+          <a:p>
+            <a:pPr marL="0" indent="0">
+              <a:buNone/>
+            </a:pPr>
+            <a:r>
+              <a:rPr lang="en-US" altLang="ko-KR" dirty="0"/>
+              <a:t>What you wanna do with the created object?</a:t>
+            </a:r>
+          </a:p>
+          <a:p>
+            <a:pPr marL="0" indent="0">
+              <a:buNone/>
+            </a:pPr>
+            <a:r>
+              <a:rPr lang="en-US" altLang="ko-KR" dirty="0"/>
+              <a:t>- Write game logic in C# script</a:t>
+            </a:r>
+          </a:p>
+        </p:txBody>
+      </p:sp>
+      <p:pic>
+        <p:nvPicPr>
+          <p:cNvPr id="9" name="그림 8">
+            <a:extLst>
+              <a:ext uri="{FF2B5EF4-FFF2-40B4-BE49-F238E27FC236}">
+                <a16:creationId xmlns:a16="http://schemas.microsoft.com/office/drawing/2014/main" id="{D7309AF3-9D6F-AE28-3B0C-C3F3DC4DDB08}"/>
+              </a:ext>
+            </a:extLst>
+          </p:cNvPr>
+          <p:cNvPicPr>
+            <a:picLocks noChangeAspect="1"/>
+          </p:cNvPicPr>
+          <p:nvPr/>
+        </p:nvPicPr>
+        <p:blipFill rotWithShape="1">
+          <a:blip r:embed="rId2"/>
+          <a:srcRect/>
+          <a:stretch/>
+        </p:blipFill>
+        <p:spPr>
+          <a:xfrm>
+            <a:off x="8924585" y="4107724"/>
+            <a:ext cx="2946052" cy="1391693"/>
+          </a:xfrm>
+          <a:prstGeom prst="rect">
+            <a:avLst/>
+          </a:prstGeom>
+        </p:spPr>
+      </p:pic>
+      <p:pic>
+        <p:nvPicPr>
+          <p:cNvPr id="13" name="그림 12">
+            <a:extLst>
+              <a:ext uri="{FF2B5EF4-FFF2-40B4-BE49-F238E27FC236}">
+                <a16:creationId xmlns:a16="http://schemas.microsoft.com/office/drawing/2014/main" id="{0A56FBF9-CD1A-18BD-56BC-FE8F6F1746D9}"/>
+              </a:ext>
+            </a:extLst>
+          </p:cNvPr>
+          <p:cNvPicPr>
+            <a:picLocks noChangeAspect="1"/>
+          </p:cNvPicPr>
+          <p:nvPr/>
+        </p:nvPicPr>
+        <p:blipFill>
+          <a:blip r:embed="rId3"/>
+          <a:stretch>
+            <a:fillRect/>
+          </a:stretch>
+        </p:blipFill>
+        <p:spPr>
+          <a:xfrm>
+            <a:off x="8912566" y="1430576"/>
+            <a:ext cx="3070461" cy="1439132"/>
+          </a:xfrm>
+          <a:prstGeom prst="rect">
+            <a:avLst/>
+          </a:prstGeom>
+        </p:spPr>
+      </p:pic>
+      <p:pic>
+        <p:nvPicPr>
+          <p:cNvPr id="15" name="그림 14">
+            <a:extLst>
+              <a:ext uri="{FF2B5EF4-FFF2-40B4-BE49-F238E27FC236}">
+                <a16:creationId xmlns:a16="http://schemas.microsoft.com/office/drawing/2014/main" id="{56F0AB66-343A-D4FA-EBFC-AB87E7C989A2}"/>
+              </a:ext>
+            </a:extLst>
+          </p:cNvPr>
+          <p:cNvPicPr>
+            <a:picLocks noChangeAspect="1"/>
+          </p:cNvPicPr>
+          <p:nvPr/>
+        </p:nvPicPr>
+        <p:blipFill rotWithShape="1">
+          <a:blip r:embed="rId4"/>
+          <a:srcRect l="7843" t="5305" r="-1963" b="-1961"/>
+          <a:stretch/>
+        </p:blipFill>
+        <p:spPr>
+          <a:xfrm>
+            <a:off x="5561012" y="864744"/>
+            <a:ext cx="2362200" cy="1793048"/>
+          </a:xfrm>
+          <a:prstGeom prst="rect">
+            <a:avLst/>
+          </a:prstGeom>
+        </p:spPr>
+      </p:pic>
+      <p:sp>
+        <p:nvSpPr>
+          <p:cNvPr id="16" name="사각형: 둥근 모서리 15">
+            <a:extLst>
+              <a:ext uri="{FF2B5EF4-FFF2-40B4-BE49-F238E27FC236}">
+                <a16:creationId xmlns:a16="http://schemas.microsoft.com/office/drawing/2014/main" id="{5D724BE4-06A8-77B7-1CBC-DA0E4E0901F3}"/>
+              </a:ext>
+            </a:extLst>
+          </p:cNvPr>
+          <p:cNvSpPr/>
+          <p:nvPr/>
+        </p:nvSpPr>
+        <p:spPr>
+          <a:xfrm>
+            <a:off x="5637212" y="448724"/>
+            <a:ext cx="1905000" cy="304800"/>
+          </a:xfrm>
+          <a:prstGeom prst="roundRect">
+            <a:avLst/>
+          </a:prstGeom>
+          <a:solidFill>
+            <a:schemeClr val="accent2">
+              <a:lumMod val="20000"/>
+              <a:lumOff val="80000"/>
+            </a:schemeClr>
+          </a:solidFill>
+          <a:ln>
+            <a:noFill/>
+          </a:ln>
+        </p:spPr>
+        <p:style>
+          <a:lnRef idx="2">
+            <a:schemeClr val="accent1">
+              <a:shade val="15000"/>
+            </a:schemeClr>
+          </a:lnRef>
+          <a:fillRef idx="1">
+            <a:schemeClr val="accent1"/>
+          </a:fillRef>
+          <a:effectRef idx="0">
+            <a:schemeClr val="accent1"/>
+          </a:effectRef>
+          <a:fontRef idx="minor">
+            <a:schemeClr val="lt1"/>
+          </a:fontRef>
+        </p:style>
+        <p:txBody>
+          <a:bodyPr rtlCol="0" anchor="ctr"/>
+          <a:lstStyle/>
+          <a:p>
+            <a:pPr algn="ctr"/>
+            <a:r>
+              <a:rPr lang="en-US" altLang="ko-KR" sz="1050" b="1" dirty="0">
+                <a:solidFill>
+                  <a:schemeClr val="bg2"/>
+                </a:solidFill>
+              </a:rPr>
+              <a:t>Game Object</a:t>
+            </a:r>
+            <a:endParaRPr lang="ko-KR" altLang="en-US" sz="1050" b="1" dirty="0">
+              <a:solidFill>
+                <a:schemeClr val="bg2"/>
+              </a:solidFill>
+            </a:endParaRPr>
+          </a:p>
+        </p:txBody>
+      </p:sp>
+      <p:pic>
+        <p:nvPicPr>
+          <p:cNvPr id="18" name="그림 17">
+            <a:extLst>
+              <a:ext uri="{FF2B5EF4-FFF2-40B4-BE49-F238E27FC236}">
+                <a16:creationId xmlns:a16="http://schemas.microsoft.com/office/drawing/2014/main" id="{47DF0408-A61A-5F50-E76E-0067F41BFE4E}"/>
+              </a:ext>
+            </a:extLst>
+          </p:cNvPr>
+          <p:cNvPicPr>
+            <a:picLocks noChangeAspect="1"/>
+          </p:cNvPicPr>
+          <p:nvPr/>
+        </p:nvPicPr>
+        <p:blipFill rotWithShape="1">
+          <a:blip r:embed="rId5"/>
+          <a:srcRect l="1615" t="20870" b="14287"/>
+          <a:stretch/>
+        </p:blipFill>
+        <p:spPr>
+          <a:xfrm>
+            <a:off x="8963140" y="685800"/>
+            <a:ext cx="2514603" cy="473529"/>
+          </a:xfrm>
+          <a:prstGeom prst="rect">
+            <a:avLst/>
+          </a:prstGeom>
+        </p:spPr>
+      </p:pic>
+      <p:sp>
+        <p:nvSpPr>
+          <p:cNvPr id="19" name="화살표: 아래쪽 18">
+            <a:extLst>
+              <a:ext uri="{FF2B5EF4-FFF2-40B4-BE49-F238E27FC236}">
+                <a16:creationId xmlns:a16="http://schemas.microsoft.com/office/drawing/2014/main" id="{A15C9285-C688-02CD-C2A3-9235DB64C055}"/>
+              </a:ext>
+            </a:extLst>
+          </p:cNvPr>
+          <p:cNvSpPr/>
+          <p:nvPr/>
+        </p:nvSpPr>
+        <p:spPr>
+          <a:xfrm rot="10800000">
+            <a:off x="10220441" y="3090433"/>
+            <a:ext cx="445971" cy="719566"/>
+          </a:xfrm>
+          <a:prstGeom prst="downArrow">
+            <a:avLst/>
+          </a:prstGeom>
+        </p:spPr>
+        <p:style>
+          <a:lnRef idx="2">
+            <a:schemeClr val="accent1">
+              <a:shade val="15000"/>
+            </a:schemeClr>
+          </a:lnRef>
+          <a:fillRef idx="1">
+            <a:schemeClr val="accent1"/>
+          </a:fillRef>
+          <a:effectRef idx="0">
+            <a:schemeClr val="accent1"/>
+          </a:effectRef>
+          <a:fontRef idx="minor">
+            <a:schemeClr val="lt1"/>
+          </a:fontRef>
+        </p:style>
+        <p:txBody>
+          <a:bodyPr rtlCol="0" anchor="ctr"/>
+          <a:lstStyle/>
+          <a:p>
+            <a:pPr algn="ctr"/>
+            <a:endParaRPr lang="ko-KR" altLang="en-US"/>
+          </a:p>
+        </p:txBody>
+      </p:sp>
+      <p:sp>
+        <p:nvSpPr>
+          <p:cNvPr id="20" name="화살표: 오른쪽 19">
+            <a:extLst>
+              <a:ext uri="{FF2B5EF4-FFF2-40B4-BE49-F238E27FC236}">
+                <a16:creationId xmlns:a16="http://schemas.microsoft.com/office/drawing/2014/main" id="{AC56B2C9-DA7C-EDAE-5626-8079500C1F47}"/>
+              </a:ext>
+            </a:extLst>
+          </p:cNvPr>
+          <p:cNvSpPr/>
+          <p:nvPr/>
+        </p:nvSpPr>
+        <p:spPr>
+          <a:xfrm rot="10800000">
+            <a:off x="7954281" y="911597"/>
+            <a:ext cx="762000" cy="304800"/>
+          </a:xfrm>
+          <a:prstGeom prst="rightArrow">
+            <a:avLst/>
+          </a:prstGeom>
+        </p:spPr>
+        <p:style>
+          <a:lnRef idx="2">
+            <a:schemeClr val="accent1">
+              <a:shade val="15000"/>
+            </a:schemeClr>
+          </a:lnRef>
+          <a:fillRef idx="1">
+            <a:schemeClr val="accent1"/>
+          </a:fillRef>
+          <a:effectRef idx="0">
+            <a:schemeClr val="accent1"/>
+          </a:effectRef>
+          <a:fontRef idx="minor">
+            <a:schemeClr val="lt1"/>
+          </a:fontRef>
+        </p:style>
+        <p:txBody>
+          <a:bodyPr rtlCol="0" anchor="ctr"/>
+          <a:lstStyle/>
+          <a:p>
+            <a:pPr algn="ctr"/>
+            <a:endParaRPr lang="ko-KR" altLang="en-US"/>
+          </a:p>
+        </p:txBody>
+      </p:sp>
+    </p:spTree>
+    <p:extLst>
+      <p:ext uri="{BB962C8B-B14F-4D97-AF65-F5344CB8AC3E}">
+        <p14:creationId xmlns:p14="http://schemas.microsoft.com/office/powerpoint/2010/main" val="2697450791"/>
+      </p:ext>
+    </p:extLst>
+  </p:cSld>
+  <p:clrMapOvr>
+    <a:masterClrMapping/>
+  </p:clrMapOvr>
+  <mc:AlternateContent xmlns:mc="http://schemas.openxmlformats.org/markup-compatibility/2006" xmlns:p14="http://schemas.microsoft.com/office/powerpoint/2010/main">
+    <mc:Choice Requires="p14">
+      <p:transition spd="med" p14:dur="700">
+        <p:fade/>
+      </p:transition>
+    </mc:Choice>
+    <mc:Fallback xmlns="">
       <p:transition spd="med">
         <p:fade/>
       </p:transition>
@@ -6123,7 +8166,7 @@
           <a:p>
             <a:r>
               <a:rPr lang="en-US" dirty="0"/>
-              <a:t>Basic Usage</a:t>
+              <a:t>Example of Scriptable Object Usage</a:t>
             </a:r>
           </a:p>
         </p:txBody>
@@ -6146,8 +8189,8 @@
         </p:nvSpPr>
         <p:spPr>
           <a:xfrm>
-            <a:off x="912812" y="1828800"/>
-            <a:ext cx="5857792" cy="4114801"/>
+            <a:off x="8380412" y="1828800"/>
+            <a:ext cx="3200400" cy="4114801"/>
           </a:xfrm>
         </p:spPr>
         <p:txBody>
@@ -6161,263 +8204,58 @@
             </a:pPr>
             <a:r>
               <a:rPr lang="en-US" dirty="0"/>
-              <a:t>Scriptable Object is a “Data Container” for large amount of data independent of class instance. </a:t>
-            </a:r>
-          </a:p>
-        </p:txBody>
-      </p:sp>
-      <p:sp>
-        <p:nvSpPr>
-          <p:cNvPr id="4" name="Content Placeholder 2">
+              <a:t>When interact, create the food item.</a:t>
+            </a:r>
+          </a:p>
+        </p:txBody>
+      </p:sp>
+      <p:pic>
+        <p:nvPicPr>
+          <p:cNvPr id="7" name="그림 6">
             <a:extLst>
               <a:ext uri="{FF2B5EF4-FFF2-40B4-BE49-F238E27FC236}">
-                <a16:creationId xmlns:a16="http://schemas.microsoft.com/office/drawing/2014/main" id="{0D1AF2C3-9D3A-4250-68BB-0E16EF53A299}"/>
+                <a16:creationId xmlns:a16="http://schemas.microsoft.com/office/drawing/2014/main" id="{47A4337D-2645-CFBF-FF03-CAABEAD36CF5}"/>
               </a:ext>
             </a:extLst>
           </p:cNvPr>
-          <p:cNvSpPr txBox="1">
-            <a:spLocks/>
-          </p:cNvSpPr>
+          <p:cNvPicPr>
+            <a:picLocks noChangeAspect="1"/>
+          </p:cNvPicPr>
           <p:nvPr/>
-        </p:nvSpPr>
+        </p:nvPicPr>
+        <p:blipFill>
+          <a:blip r:embed="rId2"/>
+          <a:stretch>
+            <a:fillRect/>
+          </a:stretch>
+        </p:blipFill>
         <p:spPr>
           <a:xfrm>
-            <a:off x="8151812" y="381000"/>
-            <a:ext cx="5857792" cy="1600201"/>
+            <a:off x="949002" y="1762246"/>
+            <a:ext cx="7236056" cy="4438796"/>
           </a:xfrm>
           <a:prstGeom prst="rect">
             <a:avLst/>
           </a:prstGeom>
         </p:spPr>
-        <p:txBody>
-          <a:bodyPr vert="horz" lIns="91440" tIns="45720" rIns="91440" bIns="45720" rtlCol="0">
-            <a:normAutofit fontScale="92500" lnSpcReduction="10000"/>
-          </a:bodyPr>
-          <a:lstStyle>
-            <a:lvl1pPr marL="223838" indent="-223838" algn="l" defTabSz="914400" rtl="0" eaLnBrk="1" latinLnBrk="0" hangingPunct="1">
-              <a:lnSpc>
-                <a:spcPct val="90000"/>
-              </a:lnSpc>
-              <a:spcBef>
-                <a:spcPts val="1800"/>
-              </a:spcBef>
-              <a:buClr>
-                <a:schemeClr val="accent1"/>
-              </a:buClr>
-              <a:buSzPct val="100000"/>
-              <a:buFont typeface="Arial" pitchFamily="34" charset="0"/>
-              <a:buChar char="•"/>
-              <a:defRPr sz="2400" kern="1200">
-                <a:solidFill>
-                  <a:schemeClr val="tx1"/>
-                </a:solidFill>
-                <a:latin typeface="+mn-lt"/>
-                <a:ea typeface="+mn-ea"/>
-                <a:cs typeface="+mn-cs"/>
-              </a:defRPr>
-            </a:lvl1pPr>
-            <a:lvl2pPr marL="463550" indent="-231775" algn="l" defTabSz="914400" rtl="0" eaLnBrk="1" latinLnBrk="0" hangingPunct="1">
-              <a:lnSpc>
-                <a:spcPct val="90000"/>
-              </a:lnSpc>
-              <a:spcBef>
-                <a:spcPts val="1200"/>
-              </a:spcBef>
-              <a:buClr>
-                <a:schemeClr val="accent1"/>
-              </a:buClr>
-              <a:buSzPct val="100000"/>
-              <a:buFont typeface="Arial" pitchFamily="34" charset="0"/>
-              <a:buChar char="•"/>
-              <a:defRPr sz="2000" kern="1200">
-                <a:solidFill>
-                  <a:schemeClr val="tx1"/>
-                </a:solidFill>
-                <a:latin typeface="+mn-lt"/>
-                <a:ea typeface="+mn-ea"/>
-                <a:cs typeface="+mn-cs"/>
-              </a:defRPr>
-            </a:lvl2pPr>
-            <a:lvl3pPr marL="682625" indent="-219075" algn="l" defTabSz="914400" rtl="0" eaLnBrk="1" latinLnBrk="0" hangingPunct="1">
-              <a:lnSpc>
-                <a:spcPct val="90000"/>
-              </a:lnSpc>
-              <a:spcBef>
-                <a:spcPts val="600"/>
-              </a:spcBef>
-              <a:buClr>
-                <a:schemeClr val="accent1"/>
-              </a:buClr>
-              <a:buSzPct val="100000"/>
-              <a:buFont typeface="Arial" pitchFamily="34" charset="0"/>
-              <a:buChar char="•"/>
-              <a:defRPr sz="1800" kern="1200">
-                <a:solidFill>
-                  <a:schemeClr val="tx1"/>
-                </a:solidFill>
-                <a:latin typeface="+mn-lt"/>
-                <a:ea typeface="+mn-ea"/>
-                <a:cs typeface="+mn-cs"/>
-              </a:defRPr>
-            </a:lvl3pPr>
-            <a:lvl4pPr marL="857250" indent="-174625" algn="l" defTabSz="914400" rtl="0" eaLnBrk="1" latinLnBrk="0" hangingPunct="1">
-              <a:lnSpc>
-                <a:spcPct val="90000"/>
-              </a:lnSpc>
-              <a:spcBef>
-                <a:spcPts val="600"/>
-              </a:spcBef>
-              <a:buClr>
-                <a:schemeClr val="accent1"/>
-              </a:buClr>
-              <a:buSzPct val="100000"/>
-              <a:buFont typeface="Arial" pitchFamily="34" charset="0"/>
-              <a:buChar char="•"/>
-              <a:defRPr sz="1600" kern="1200">
-                <a:solidFill>
-                  <a:schemeClr val="tx1"/>
-                </a:solidFill>
-                <a:latin typeface="+mn-lt"/>
-                <a:ea typeface="+mn-ea"/>
-                <a:cs typeface="+mn-cs"/>
-              </a:defRPr>
-            </a:lvl4pPr>
-            <a:lvl5pPr marL="1030288" indent="-173038" algn="l" defTabSz="914400" rtl="0" eaLnBrk="1" latinLnBrk="0" hangingPunct="1">
-              <a:lnSpc>
-                <a:spcPct val="90000"/>
-              </a:lnSpc>
-              <a:spcBef>
-                <a:spcPts val="600"/>
-              </a:spcBef>
-              <a:buClr>
-                <a:schemeClr val="accent1"/>
-              </a:buClr>
-              <a:buSzPct val="100000"/>
-              <a:buFont typeface="Arial" pitchFamily="34" charset="0"/>
-              <a:buChar char="•"/>
-              <a:defRPr sz="1600" kern="1200">
-                <a:solidFill>
-                  <a:schemeClr val="tx1"/>
-                </a:solidFill>
-                <a:latin typeface="+mn-lt"/>
-                <a:ea typeface="+mn-ea"/>
-                <a:cs typeface="+mn-cs"/>
-              </a:defRPr>
-            </a:lvl5pPr>
-            <a:lvl6pPr marL="1207008" indent="-173736" algn="l" defTabSz="914400" rtl="0" eaLnBrk="1" latinLnBrk="0" hangingPunct="1">
-              <a:spcBef>
-                <a:spcPts val="600"/>
-              </a:spcBef>
-              <a:buClr>
-                <a:schemeClr val="accent1"/>
-              </a:buClr>
-              <a:buFont typeface="Arial" pitchFamily="34" charset="0"/>
-              <a:buChar char="•"/>
-              <a:defRPr sz="1600" kern="1200">
-                <a:solidFill>
-                  <a:schemeClr val="tx1"/>
-                </a:solidFill>
-                <a:latin typeface="+mn-lt"/>
-                <a:ea typeface="+mn-ea"/>
-                <a:cs typeface="+mn-cs"/>
-              </a:defRPr>
-            </a:lvl6pPr>
-            <a:lvl7pPr marL="1380744" indent="-173736" algn="l" defTabSz="914400" rtl="0" eaLnBrk="1" latinLnBrk="0" hangingPunct="1">
-              <a:spcBef>
-                <a:spcPts val="600"/>
-              </a:spcBef>
-              <a:buClr>
-                <a:schemeClr val="accent1"/>
-              </a:buClr>
-              <a:buFont typeface="Arial" pitchFamily="34" charset="0"/>
-              <a:buChar char="•"/>
-              <a:defRPr sz="1600" kern="1200">
-                <a:solidFill>
-                  <a:schemeClr val="tx1"/>
-                </a:solidFill>
-                <a:latin typeface="+mn-lt"/>
-                <a:ea typeface="+mn-ea"/>
-                <a:cs typeface="+mn-cs"/>
-              </a:defRPr>
-            </a:lvl7pPr>
-            <a:lvl8pPr marL="1554480" indent="-173736" algn="l" defTabSz="914400" rtl="0" eaLnBrk="1" latinLnBrk="0" hangingPunct="1">
-              <a:spcBef>
-                <a:spcPts val="600"/>
-              </a:spcBef>
-              <a:buClr>
-                <a:schemeClr val="accent1"/>
-              </a:buClr>
-              <a:buFont typeface="Arial" pitchFamily="34" charset="0"/>
-              <a:buChar char="•"/>
-              <a:defRPr sz="1600" kern="1200">
-                <a:solidFill>
-                  <a:schemeClr val="tx1"/>
-                </a:solidFill>
-                <a:latin typeface="+mn-lt"/>
-                <a:ea typeface="+mn-ea"/>
-                <a:cs typeface="+mn-cs"/>
-              </a:defRPr>
-            </a:lvl8pPr>
-            <a:lvl9pPr marL="1728216" indent="-173736" algn="l" defTabSz="914400" rtl="0" eaLnBrk="1" latinLnBrk="0" hangingPunct="1">
-              <a:spcBef>
-                <a:spcPts val="600"/>
-              </a:spcBef>
-              <a:buClr>
-                <a:schemeClr val="accent1"/>
-              </a:buClr>
-              <a:buFont typeface="Arial" pitchFamily="34" charset="0"/>
-              <a:buChar char="•"/>
-              <a:defRPr sz="1600" kern="1200">
-                <a:solidFill>
-                  <a:schemeClr val="tx1"/>
-                </a:solidFill>
-                <a:latin typeface="+mn-lt"/>
-                <a:ea typeface="+mn-ea"/>
-                <a:cs typeface="+mn-cs"/>
-              </a:defRPr>
-            </a:lvl9pPr>
-          </a:lstStyle>
-          <a:p>
-            <a:pPr marL="0" indent="0">
-              <a:buFont typeface="Arial" pitchFamily="34" charset="0"/>
-              <a:buNone/>
-            </a:pPr>
-            <a:r>
-              <a:rPr lang="ko-KR" altLang="en-US" sz="5400" b="1" dirty="0"/>
-              <a:t>사용이유</a:t>
-            </a:r>
-            <a:endParaRPr lang="en-US" altLang="ko-KR" sz="5400" b="1" dirty="0"/>
-          </a:p>
-          <a:p>
-            <a:pPr marL="0" indent="0">
-              <a:buFont typeface="Arial" pitchFamily="34" charset="0"/>
-              <a:buNone/>
-            </a:pPr>
-            <a:r>
-              <a:rPr lang="ko-KR" altLang="en-US" sz="5400" b="1" dirty="0"/>
-              <a:t>전 후 비교</a:t>
-            </a:r>
-            <a:endParaRPr lang="en-US" sz="5400" b="1" dirty="0"/>
-          </a:p>
-        </p:txBody>
-      </p:sp>
+      </p:pic>
     </p:spTree>
     <p:extLst>
       <p:ext uri="{BB962C8B-B14F-4D97-AF65-F5344CB8AC3E}">
-        <p14:creationId xmlns:p14="http://schemas.microsoft.com/office/powerpoint/2010/main" val="3990155932"/>
+        <p14:creationId xmlns:p14="http://schemas.microsoft.com/office/powerpoint/2010/main" val="1458716332"/>
       </p:ext>
     </p:extLst>
   </p:cSld>
   <p:clrMapOvr>
     <a:masterClrMapping/>
   </p:clrMapOvr>
-  <mc:AlternateContent xmlns:mc="http://schemas.openxmlformats.org/markup-compatibility/2006">
-    <mc:Choice xmlns:p14="http://schemas.microsoft.com/office/powerpoint/2010/main" Requires="p14">
+  <mc:AlternateContent xmlns:mc="http://schemas.openxmlformats.org/markup-compatibility/2006" xmlns:p14="http://schemas.microsoft.com/office/powerpoint/2010/main">
+    <mc:Choice Requires="p14">
       <p:transition spd="med" p14:dur="700">
         <p:fade/>
       </p:transition>
     </mc:Choice>
-    <mc:Fallback>
+    <mc:Fallback xmlns="">
       <p:transition spd="med">
         <p:fade/>
       </p:transition>
@@ -6471,7 +8309,547 @@
           <a:p>
             <a:r>
               <a:rPr lang="en-US" dirty="0"/>
-              <a:t>Basic Usage</a:t>
+              <a:t>Data Types</a:t>
+            </a:r>
+          </a:p>
+        </p:txBody>
+      </p:sp>
+      <p:sp>
+        <p:nvSpPr>
+          <p:cNvPr id="6" name="사각형: 둥근 모서리 5">
+            <a:extLst>
+              <a:ext uri="{FF2B5EF4-FFF2-40B4-BE49-F238E27FC236}">
+                <a16:creationId xmlns:a16="http://schemas.microsoft.com/office/drawing/2014/main" id="{E253146E-3530-200B-11D6-767CE3C42137}"/>
+              </a:ext>
+            </a:extLst>
+          </p:cNvPr>
+          <p:cNvSpPr/>
+          <p:nvPr/>
+        </p:nvSpPr>
+        <p:spPr>
+          <a:xfrm>
+            <a:off x="531812" y="1847850"/>
+            <a:ext cx="3366862" cy="3352800"/>
+          </a:xfrm>
+          <a:prstGeom prst="roundRect">
+            <a:avLst/>
+          </a:prstGeom>
+        </p:spPr>
+        <p:style>
+          <a:lnRef idx="2">
+            <a:schemeClr val="accent1">
+              <a:shade val="15000"/>
+            </a:schemeClr>
+          </a:lnRef>
+          <a:fillRef idx="1">
+            <a:schemeClr val="accent1"/>
+          </a:fillRef>
+          <a:effectRef idx="0">
+            <a:schemeClr val="accent1"/>
+          </a:effectRef>
+          <a:fontRef idx="minor">
+            <a:schemeClr val="lt1"/>
+          </a:fontRef>
+        </p:style>
+        <p:txBody>
+          <a:bodyPr rtlCol="0" anchor="ctr"/>
+          <a:lstStyle/>
+          <a:p>
+            <a:pPr algn="l"/>
+            <a:r>
+              <a:rPr lang="en-US" altLang="ko-KR" b="1" i="0" dirty="0">
+                <a:effectLst/>
+                <a:latin typeface="Söhne"/>
+              </a:rPr>
+              <a:t>Primitive Data Types:</a:t>
+            </a:r>
+          </a:p>
+          <a:p>
+            <a:pPr algn="l">
+              <a:buFont typeface="Arial" panose="020B0604020202020204" pitchFamily="34" charset="0"/>
+              <a:buChar char="•"/>
+            </a:pPr>
+            <a:r>
+              <a:rPr lang="en-US" altLang="ko-KR" sz="2500" b="1" i="0" dirty="0">
+                <a:solidFill>
+                  <a:srgbClr val="374151"/>
+                </a:solidFill>
+                <a:effectLst/>
+                <a:latin typeface="Söhne"/>
+              </a:rPr>
+              <a:t>int</a:t>
+            </a:r>
+          </a:p>
+          <a:p>
+            <a:pPr algn="l">
+              <a:buFont typeface="Arial" panose="020B0604020202020204" pitchFamily="34" charset="0"/>
+              <a:buChar char="•"/>
+            </a:pPr>
+            <a:r>
+              <a:rPr lang="en-US" altLang="ko-KR" sz="2500" b="1" i="0" dirty="0">
+                <a:solidFill>
+                  <a:srgbClr val="374151"/>
+                </a:solidFill>
+                <a:effectLst/>
+                <a:latin typeface="Söhne"/>
+              </a:rPr>
+              <a:t>float</a:t>
+            </a:r>
+          </a:p>
+          <a:p>
+            <a:pPr algn="l">
+              <a:buFont typeface="Arial" panose="020B0604020202020204" pitchFamily="34" charset="0"/>
+              <a:buChar char="•"/>
+            </a:pPr>
+            <a:r>
+              <a:rPr lang="en-US" altLang="ko-KR" sz="2500" b="1" i="0" dirty="0">
+                <a:solidFill>
+                  <a:srgbClr val="374151"/>
+                </a:solidFill>
+                <a:effectLst/>
+                <a:latin typeface="Söhne"/>
+              </a:rPr>
+              <a:t>double</a:t>
+            </a:r>
+          </a:p>
+          <a:p>
+            <a:pPr algn="l">
+              <a:buFont typeface="Arial" panose="020B0604020202020204" pitchFamily="34" charset="0"/>
+              <a:buChar char="•"/>
+            </a:pPr>
+            <a:r>
+              <a:rPr lang="en-US" altLang="ko-KR" sz="2500" b="1" i="0" dirty="0">
+                <a:solidFill>
+                  <a:srgbClr val="374151"/>
+                </a:solidFill>
+                <a:effectLst/>
+                <a:latin typeface="Söhne"/>
+              </a:rPr>
+              <a:t>bool</a:t>
+            </a:r>
+          </a:p>
+          <a:p>
+            <a:pPr algn="l">
+              <a:buFont typeface="Arial" panose="020B0604020202020204" pitchFamily="34" charset="0"/>
+              <a:buChar char="•"/>
+            </a:pPr>
+            <a:r>
+              <a:rPr lang="en-US" altLang="ko-KR" sz="2500" b="1" i="0" dirty="0">
+                <a:solidFill>
+                  <a:srgbClr val="374151"/>
+                </a:solidFill>
+                <a:effectLst/>
+                <a:latin typeface="Söhne"/>
+              </a:rPr>
+              <a:t>char</a:t>
+            </a:r>
+          </a:p>
+          <a:p>
+            <a:pPr algn="l">
+              <a:buFont typeface="Arial" panose="020B0604020202020204" pitchFamily="34" charset="0"/>
+              <a:buChar char="•"/>
+            </a:pPr>
+            <a:r>
+              <a:rPr lang="en-US" altLang="ko-KR" sz="2500" b="1" i="0" dirty="0">
+                <a:solidFill>
+                  <a:srgbClr val="374151"/>
+                </a:solidFill>
+                <a:effectLst/>
+                <a:latin typeface="Söhne"/>
+              </a:rPr>
+              <a:t>string</a:t>
+            </a:r>
+          </a:p>
+        </p:txBody>
+      </p:sp>
+      <p:sp>
+        <p:nvSpPr>
+          <p:cNvPr id="7" name="사각형: 둥근 모서리 6">
+            <a:extLst>
+              <a:ext uri="{FF2B5EF4-FFF2-40B4-BE49-F238E27FC236}">
+                <a16:creationId xmlns:a16="http://schemas.microsoft.com/office/drawing/2014/main" id="{B02EA9B8-BD40-170C-23DF-90006054A9A6}"/>
+              </a:ext>
+            </a:extLst>
+          </p:cNvPr>
+          <p:cNvSpPr/>
+          <p:nvPr/>
+        </p:nvSpPr>
+        <p:spPr>
+          <a:xfrm>
+            <a:off x="4151312" y="1828800"/>
+            <a:ext cx="3366862" cy="3352800"/>
+          </a:xfrm>
+          <a:prstGeom prst="roundRect">
+            <a:avLst/>
+          </a:prstGeom>
+        </p:spPr>
+        <p:style>
+          <a:lnRef idx="2">
+            <a:schemeClr val="accent1">
+              <a:shade val="15000"/>
+            </a:schemeClr>
+          </a:lnRef>
+          <a:fillRef idx="1">
+            <a:schemeClr val="accent1"/>
+          </a:fillRef>
+          <a:effectRef idx="0">
+            <a:schemeClr val="accent1"/>
+          </a:effectRef>
+          <a:fontRef idx="minor">
+            <a:schemeClr val="lt1"/>
+          </a:fontRef>
+        </p:style>
+        <p:txBody>
+          <a:bodyPr rtlCol="0" anchor="ctr"/>
+          <a:lstStyle/>
+          <a:p>
+            <a:pPr algn="l"/>
+            <a:r>
+              <a:rPr lang="en-US" altLang="ko-KR" b="1" i="0" dirty="0">
+                <a:effectLst/>
+                <a:latin typeface="Söhne"/>
+              </a:rPr>
+              <a:t>Unity Types:</a:t>
+            </a:r>
+          </a:p>
+          <a:p>
+            <a:pPr algn="l">
+              <a:buFont typeface="Arial" panose="020B0604020202020204" pitchFamily="34" charset="0"/>
+              <a:buChar char="•"/>
+            </a:pPr>
+            <a:r>
+              <a:rPr lang="en-US" altLang="ko-KR" sz="2500" b="1" i="0" dirty="0">
+                <a:solidFill>
+                  <a:srgbClr val="374151"/>
+                </a:solidFill>
+                <a:effectLst/>
+                <a:latin typeface="Söhne"/>
+              </a:rPr>
+              <a:t>Vector2</a:t>
+            </a:r>
+          </a:p>
+          <a:p>
+            <a:pPr algn="l">
+              <a:buFont typeface="Arial" panose="020B0604020202020204" pitchFamily="34" charset="0"/>
+              <a:buChar char="•"/>
+            </a:pPr>
+            <a:r>
+              <a:rPr lang="en-US" altLang="ko-KR" sz="2500" b="1" i="0" dirty="0">
+                <a:solidFill>
+                  <a:srgbClr val="374151"/>
+                </a:solidFill>
+                <a:effectLst/>
+                <a:latin typeface="Söhne"/>
+              </a:rPr>
+              <a:t>Vector3</a:t>
+            </a:r>
+          </a:p>
+          <a:p>
+            <a:pPr algn="l">
+              <a:buFont typeface="Arial" panose="020B0604020202020204" pitchFamily="34" charset="0"/>
+              <a:buChar char="•"/>
+            </a:pPr>
+            <a:r>
+              <a:rPr lang="en-US" altLang="ko-KR" sz="2500" b="1" i="0" dirty="0">
+                <a:solidFill>
+                  <a:srgbClr val="374151"/>
+                </a:solidFill>
+                <a:effectLst/>
+                <a:latin typeface="Söhne"/>
+              </a:rPr>
+              <a:t>Vector4</a:t>
+            </a:r>
+          </a:p>
+          <a:p>
+            <a:pPr algn="l">
+              <a:buFont typeface="Arial" panose="020B0604020202020204" pitchFamily="34" charset="0"/>
+              <a:buChar char="•"/>
+            </a:pPr>
+            <a:r>
+              <a:rPr lang="en-US" altLang="ko-KR" sz="2500" b="1" i="0" dirty="0">
+                <a:solidFill>
+                  <a:srgbClr val="374151"/>
+                </a:solidFill>
+                <a:effectLst/>
+                <a:latin typeface="Söhne"/>
+              </a:rPr>
+              <a:t>Quaternion</a:t>
+            </a:r>
+          </a:p>
+          <a:p>
+            <a:pPr algn="l">
+              <a:buFont typeface="Arial" panose="020B0604020202020204" pitchFamily="34" charset="0"/>
+              <a:buChar char="•"/>
+            </a:pPr>
+            <a:r>
+              <a:rPr lang="en-US" altLang="ko-KR" sz="2500" b="1" i="0" dirty="0">
+                <a:solidFill>
+                  <a:srgbClr val="374151"/>
+                </a:solidFill>
+                <a:effectLst/>
+                <a:latin typeface="Söhne"/>
+              </a:rPr>
+              <a:t>Color</a:t>
+            </a:r>
+          </a:p>
+        </p:txBody>
+      </p:sp>
+      <p:sp>
+        <p:nvSpPr>
+          <p:cNvPr id="8" name="사각형: 둥근 모서리 7">
+            <a:extLst>
+              <a:ext uri="{FF2B5EF4-FFF2-40B4-BE49-F238E27FC236}">
+                <a16:creationId xmlns:a16="http://schemas.microsoft.com/office/drawing/2014/main" id="{B7237F24-55B1-AA4D-C88C-F7FB03C987E0}"/>
+              </a:ext>
+            </a:extLst>
+          </p:cNvPr>
+          <p:cNvSpPr/>
+          <p:nvPr/>
+        </p:nvSpPr>
+        <p:spPr>
+          <a:xfrm>
+            <a:off x="7770812" y="1602921"/>
+            <a:ext cx="3366862" cy="4038600"/>
+          </a:xfrm>
+          <a:prstGeom prst="roundRect">
+            <a:avLst/>
+          </a:prstGeom>
+          <a:ln w="76200">
+            <a:solidFill>
+              <a:srgbClr val="FF0000"/>
+            </a:solidFill>
+          </a:ln>
+        </p:spPr>
+        <p:style>
+          <a:lnRef idx="2">
+            <a:schemeClr val="accent1">
+              <a:shade val="15000"/>
+            </a:schemeClr>
+          </a:lnRef>
+          <a:fillRef idx="1">
+            <a:schemeClr val="accent1"/>
+          </a:fillRef>
+          <a:effectRef idx="0">
+            <a:schemeClr val="accent1"/>
+          </a:effectRef>
+          <a:fontRef idx="minor">
+            <a:schemeClr val="lt1"/>
+          </a:fontRef>
+        </p:style>
+        <p:txBody>
+          <a:bodyPr rtlCol="0" anchor="ctr"/>
+          <a:lstStyle/>
+          <a:p>
+            <a:pPr algn="l"/>
+            <a:r>
+              <a:rPr lang="en-US" altLang="ko-KR" i="0" dirty="0">
+                <a:effectLst/>
+                <a:latin typeface="Söhne"/>
+              </a:rPr>
+              <a:t>Unity Object Types:</a:t>
+            </a:r>
+          </a:p>
+          <a:p>
+            <a:pPr algn="l">
+              <a:buFont typeface="Arial" panose="020B0604020202020204" pitchFamily="34" charset="0"/>
+              <a:buChar char="•"/>
+            </a:pPr>
+            <a:r>
+              <a:rPr lang="en-US" altLang="ko-KR" sz="2500" b="1" i="0" dirty="0">
+                <a:solidFill>
+                  <a:srgbClr val="374151"/>
+                </a:solidFill>
+                <a:effectLst/>
+                <a:latin typeface="Söhne"/>
+              </a:rPr>
+              <a:t>GameObject</a:t>
+            </a:r>
+          </a:p>
+          <a:p>
+            <a:pPr algn="l">
+              <a:buFont typeface="Arial" panose="020B0604020202020204" pitchFamily="34" charset="0"/>
+              <a:buChar char="•"/>
+            </a:pPr>
+            <a:r>
+              <a:rPr lang="en-US" altLang="ko-KR" sz="2500" b="1" i="0" dirty="0">
+                <a:solidFill>
+                  <a:srgbClr val="374151"/>
+                </a:solidFill>
+                <a:effectLst/>
+                <a:latin typeface="Söhne"/>
+              </a:rPr>
+              <a:t>Material</a:t>
+            </a:r>
+          </a:p>
+          <a:p>
+            <a:pPr algn="l">
+              <a:buFont typeface="Arial" panose="020B0604020202020204" pitchFamily="34" charset="0"/>
+              <a:buChar char="•"/>
+            </a:pPr>
+            <a:r>
+              <a:rPr lang="en-US" altLang="ko-KR" sz="2500" b="1" i="0" dirty="0">
+                <a:solidFill>
+                  <a:srgbClr val="374151"/>
+                </a:solidFill>
+                <a:effectLst/>
+                <a:latin typeface="Söhne"/>
+              </a:rPr>
+              <a:t>Texture2D</a:t>
+            </a:r>
+          </a:p>
+          <a:p>
+            <a:pPr algn="l">
+              <a:buFont typeface="Arial" panose="020B0604020202020204" pitchFamily="34" charset="0"/>
+              <a:buChar char="•"/>
+            </a:pPr>
+            <a:r>
+              <a:rPr lang="en-US" altLang="ko-KR" sz="2500" b="1" i="0" dirty="0">
+                <a:solidFill>
+                  <a:srgbClr val="374151"/>
+                </a:solidFill>
+                <a:effectLst/>
+                <a:latin typeface="Söhne"/>
+              </a:rPr>
+              <a:t>Sprite</a:t>
+            </a:r>
+          </a:p>
+          <a:p>
+            <a:pPr algn="l">
+              <a:buFont typeface="Arial" panose="020B0604020202020204" pitchFamily="34" charset="0"/>
+              <a:buChar char="•"/>
+            </a:pPr>
+            <a:r>
+              <a:rPr lang="en-US" altLang="ko-KR" sz="2500" b="1" i="0" dirty="0">
+                <a:solidFill>
+                  <a:srgbClr val="374151"/>
+                </a:solidFill>
+                <a:effectLst/>
+                <a:latin typeface="Söhne"/>
+              </a:rPr>
+              <a:t>AudioClip</a:t>
+            </a:r>
+          </a:p>
+          <a:p>
+            <a:pPr algn="l">
+              <a:buFont typeface="Arial" panose="020B0604020202020204" pitchFamily="34" charset="0"/>
+              <a:buChar char="•"/>
+            </a:pPr>
+            <a:r>
+              <a:rPr lang="en-US" altLang="ko-KR" sz="2500" b="1" i="0" dirty="0">
+                <a:solidFill>
+                  <a:srgbClr val="374151"/>
+                </a:solidFill>
+                <a:effectLst/>
+                <a:latin typeface="Söhne"/>
+              </a:rPr>
+              <a:t>AnimationClip</a:t>
+            </a:r>
+          </a:p>
+          <a:p>
+            <a:pPr algn="l">
+              <a:buFont typeface="Arial" panose="020B0604020202020204" pitchFamily="34" charset="0"/>
+              <a:buChar char="•"/>
+            </a:pPr>
+            <a:r>
+              <a:rPr lang="en-US" altLang="ko-KR" sz="2500" b="1" i="0" dirty="0">
+                <a:solidFill>
+                  <a:srgbClr val="374151"/>
+                </a:solidFill>
+                <a:effectLst/>
+                <a:latin typeface="Söhne"/>
+              </a:rPr>
+              <a:t>Mesh</a:t>
+            </a:r>
+          </a:p>
+          <a:p>
+            <a:pPr algn="l">
+              <a:buFont typeface="Arial" panose="020B0604020202020204" pitchFamily="34" charset="0"/>
+              <a:buChar char="•"/>
+            </a:pPr>
+            <a:r>
+              <a:rPr lang="en-US" altLang="ko-KR" sz="2500" b="1" i="0" dirty="0">
+                <a:solidFill>
+                  <a:srgbClr val="374151"/>
+                </a:solidFill>
+                <a:effectLst/>
+                <a:latin typeface="Söhne"/>
+              </a:rPr>
+              <a:t>Shader</a:t>
+            </a:r>
+          </a:p>
+        </p:txBody>
+      </p:sp>
+    </p:spTree>
+    <p:extLst>
+      <p:ext uri="{BB962C8B-B14F-4D97-AF65-F5344CB8AC3E}">
+        <p14:creationId xmlns:p14="http://schemas.microsoft.com/office/powerpoint/2010/main" val="4215947548"/>
+      </p:ext>
+    </p:extLst>
+  </p:cSld>
+  <p:clrMapOvr>
+    <a:masterClrMapping/>
+  </p:clrMapOvr>
+  <mc:AlternateContent xmlns:mc="http://schemas.openxmlformats.org/markup-compatibility/2006">
+    <mc:Choice xmlns:p14="http://schemas.microsoft.com/office/powerpoint/2010/main" Requires="p14">
+      <p:transition spd="med" p14:dur="700">
+        <p:fade/>
+      </p:transition>
+    </mc:Choice>
+    <mc:Fallback>
+      <p:transition spd="med">
+        <p:fade/>
+      </p:transition>
+    </mc:Fallback>
+  </mc:AlternateContent>
+</p:sld>
+</file>
+
+<file path=ppt/slides/slide8.xml><?xml version="1.0" encoding="utf-8"?>
+<p:sld xmlns:a="http://schemas.openxmlformats.org/drawingml/2006/main" xmlns:r="http://schemas.openxmlformats.org/officeDocument/2006/relationships" xmlns:p="http://schemas.openxmlformats.org/presentationml/2006/main">
+  <p:cSld>
+    <p:spTree>
+      <p:nvGrpSpPr>
+        <p:cNvPr id="1" name=""/>
+        <p:cNvGrpSpPr/>
+        <p:nvPr/>
+      </p:nvGrpSpPr>
+      <p:grpSpPr>
+        <a:xfrm>
+          <a:off x="0" y="0"/>
+          <a:ext cx="0" cy="0"/>
+          <a:chOff x="0" y="0"/>
+          <a:chExt cx="0" cy="0"/>
+        </a:xfrm>
+      </p:grpSpPr>
+      <p:sp>
+        <p:nvSpPr>
+          <p:cNvPr id="2" name="Title 1">
+            <a:extLst>
+              <a:ext uri="{FF2B5EF4-FFF2-40B4-BE49-F238E27FC236}">
+                <a16:creationId xmlns:a16="http://schemas.microsoft.com/office/drawing/2014/main" id="{A7F5E160-4E42-4FCC-9B4E-9574CD651EEE}"/>
+              </a:ext>
+            </a:extLst>
+          </p:cNvPr>
+          <p:cNvSpPr>
+            <a:spLocks noGrp="1"/>
+          </p:cNvSpPr>
+          <p:nvPr>
+            <p:ph type="title"/>
+          </p:nvPr>
+        </p:nvSpPr>
+        <p:spPr>
+          <a:xfrm>
+            <a:off x="912812" y="228600"/>
+            <a:ext cx="9144001" cy="1371600"/>
+          </a:xfrm>
+        </p:spPr>
+        <p:txBody>
+          <a:bodyPr/>
+          <a:lstStyle/>
+          <a:p>
+            <a:r>
+              <a:rPr lang="en-US" dirty="0"/>
+              <a:t>Scriptable Object vs JSON</a:t>
             </a:r>
           </a:p>
         </p:txBody>
@@ -6494,8 +8872,8 @@
         </p:nvSpPr>
         <p:spPr>
           <a:xfrm>
-            <a:off x="912812" y="1828800"/>
-            <a:ext cx="5857792" cy="4114801"/>
+            <a:off x="946602" y="1905000"/>
+            <a:ext cx="3700009" cy="4114801"/>
           </a:xfrm>
         </p:spPr>
         <p:txBody>
@@ -6509,7 +8887,25 @@
             </a:pPr>
             <a:r>
               <a:rPr lang="en-US" dirty="0"/>
-              <a:t>Scriptable Object is a “Data Container” for large amount of data independent of class instance. </a:t>
+              <a:t>Scriptable Object</a:t>
+            </a:r>
+          </a:p>
+          <a:p>
+            <a:pPr marL="0" indent="0">
+              <a:buNone/>
+            </a:pPr>
+            <a:r>
+              <a:rPr lang="en-US" dirty="0"/>
+              <a:t>- Support all datatypes in C# and Unity</a:t>
+            </a:r>
+          </a:p>
+          <a:p>
+            <a:pPr marL="0" indent="0">
+              <a:buNone/>
+            </a:pPr>
+            <a:r>
+              <a:rPr lang="en-US" dirty="0"/>
+              <a:t>- Flexible to use </a:t>
             </a:r>
           </a:p>
         </p:txBody>
@@ -6519,7 +8915,7 @@
           <p:cNvPr id="4" name="Content Placeholder 2">
             <a:extLst>
               <a:ext uri="{FF2B5EF4-FFF2-40B4-BE49-F238E27FC236}">
-                <a16:creationId xmlns:a16="http://schemas.microsoft.com/office/drawing/2014/main" id="{0D1AF2C3-9D3A-4250-68BB-0E16EF53A299}"/>
+                <a16:creationId xmlns:a16="http://schemas.microsoft.com/office/drawing/2014/main" id="{C6BD65BD-48C6-5CFF-2A1F-304B3989A4EC}"/>
               </a:ext>
             </a:extLst>
           </p:cNvPr>
@@ -6530,8 +8926,8 @@
         </p:nvSpPr>
         <p:spPr>
           <a:xfrm>
-            <a:off x="8151812" y="381000"/>
-            <a:ext cx="5857792" cy="1600201"/>
+            <a:off x="5513160" y="1905000"/>
+            <a:ext cx="3476852" cy="4114801"/>
           </a:xfrm>
           <a:prstGeom prst="rect">
             <a:avLst/>
@@ -6731,34 +9127,222 @@
               <a:buNone/>
             </a:pPr>
             <a:r>
-              <a:rPr lang="en-US" sz="5400" b="1" dirty="0"/>
-              <a:t>Json</a:t>
-            </a:r>
-            <a:r>
-              <a:rPr lang="ko-KR" altLang="en-US" sz="5400" b="1" dirty="0"/>
-              <a:t> 과 비교</a:t>
-            </a:r>
-            <a:endParaRPr lang="en-US" sz="5400" b="1" dirty="0"/>
+              <a:rPr lang="en-US" altLang="ko-KR" dirty="0"/>
+              <a:t>JSON</a:t>
+            </a:r>
+          </a:p>
+          <a:p>
+            <a:pPr marL="0" indent="0">
+              <a:buFont typeface="Arial" pitchFamily="34" charset="0"/>
+              <a:buNone/>
+            </a:pPr>
+            <a:r>
+              <a:rPr lang="en-US" altLang="ko-KR" dirty="0"/>
+              <a:t>- Support basic datatypes</a:t>
+            </a:r>
+          </a:p>
+          <a:p>
+            <a:pPr marL="0" indent="0">
+              <a:buFont typeface="Arial" pitchFamily="34" charset="0"/>
+              <a:buNone/>
+            </a:pPr>
+            <a:r>
+              <a:rPr lang="en-US" altLang="ko-KR" dirty="0"/>
+              <a:t>- Text Based</a:t>
+            </a:r>
+          </a:p>
+          <a:p>
+            <a:pPr marL="0" indent="0">
+              <a:buFont typeface="Arial" pitchFamily="34" charset="0"/>
+              <a:buNone/>
+            </a:pPr>
+            <a:r>
+              <a:rPr lang="en-US" dirty="0"/>
+              <a:t>- Useful for Save &amp; Load</a:t>
+            </a:r>
+            <a:endParaRPr lang="en-US" altLang="ko-KR" dirty="0"/>
+          </a:p>
+          <a:p>
+            <a:pPr marL="0" indent="0">
+              <a:buFont typeface="Arial" pitchFamily="34" charset="0"/>
+              <a:buNone/>
+            </a:pPr>
+            <a:r>
+              <a:rPr lang="en-US" altLang="ko-KR" dirty="0"/>
+              <a:t>- Useful for large projects</a:t>
+            </a:r>
+            <a:r>
+              <a:rPr lang="ko-KR" altLang="en-US" dirty="0"/>
+              <a:t> </a:t>
+            </a:r>
+            <a:endParaRPr lang="en-US" altLang="ko-KR" dirty="0"/>
+          </a:p>
+          <a:p>
+            <a:pPr marL="0" indent="0">
+              <a:buFont typeface="Arial" pitchFamily="34" charset="0"/>
+              <a:buNone/>
+            </a:pPr>
+            <a:r>
+              <a:rPr lang="en-US" dirty="0"/>
+              <a:t>- Manage data in excel </a:t>
+            </a:r>
           </a:p>
         </p:txBody>
       </p:sp>
     </p:spTree>
     <p:extLst>
       <p:ext uri="{BB962C8B-B14F-4D97-AF65-F5344CB8AC3E}">
-        <p14:creationId xmlns:p14="http://schemas.microsoft.com/office/powerpoint/2010/main" val="1071372594"/>
+        <p14:creationId xmlns:p14="http://schemas.microsoft.com/office/powerpoint/2010/main" val="2193125552"/>
       </p:ext>
     </p:extLst>
   </p:cSld>
   <p:clrMapOvr>
     <a:masterClrMapping/>
   </p:clrMapOvr>
-  <mc:AlternateContent xmlns:mc="http://schemas.openxmlformats.org/markup-compatibility/2006">
-    <mc:Choice xmlns:p14="http://schemas.microsoft.com/office/powerpoint/2010/main" Requires="p14">
+  <mc:AlternateContent xmlns:mc="http://schemas.openxmlformats.org/markup-compatibility/2006" xmlns:p14="http://schemas.microsoft.com/office/powerpoint/2010/main">
+    <mc:Choice Requires="p14">
       <p:transition spd="med" p14:dur="700">
         <p:fade/>
       </p:transition>
     </mc:Choice>
-    <mc:Fallback>
+    <mc:Fallback xmlns="">
+      <p:transition spd="med">
+        <p:fade/>
+      </p:transition>
+    </mc:Fallback>
+  </mc:AlternateContent>
+</p:sld>
+</file>
+
+<file path=ppt/slides/slide9.xml><?xml version="1.0" encoding="utf-8"?>
+<p:sld xmlns:a="http://schemas.openxmlformats.org/drawingml/2006/main" xmlns:r="http://schemas.openxmlformats.org/officeDocument/2006/relationships" xmlns:p="http://schemas.openxmlformats.org/presentationml/2006/main">
+  <p:cSld>
+    <p:spTree>
+      <p:nvGrpSpPr>
+        <p:cNvPr id="1" name=""/>
+        <p:cNvGrpSpPr/>
+        <p:nvPr/>
+      </p:nvGrpSpPr>
+      <p:grpSpPr>
+        <a:xfrm>
+          <a:off x="0" y="0"/>
+          <a:ext cx="0" cy="0"/>
+          <a:chOff x="0" y="0"/>
+          <a:chExt cx="0" cy="0"/>
+        </a:xfrm>
+      </p:grpSpPr>
+      <p:sp>
+        <p:nvSpPr>
+          <p:cNvPr id="2" name="Title 1">
+            <a:extLst>
+              <a:ext uri="{FF2B5EF4-FFF2-40B4-BE49-F238E27FC236}">
+                <a16:creationId xmlns:a16="http://schemas.microsoft.com/office/drawing/2014/main" id="{A7F5E160-4E42-4FCC-9B4E-9574CD651EEE}"/>
+              </a:ext>
+            </a:extLst>
+          </p:cNvPr>
+          <p:cNvSpPr>
+            <a:spLocks noGrp="1"/>
+          </p:cNvSpPr>
+          <p:nvPr>
+            <p:ph type="title"/>
+          </p:nvPr>
+        </p:nvSpPr>
+        <p:spPr>
+          <a:xfrm>
+            <a:off x="912812" y="228600"/>
+            <a:ext cx="9144001" cy="1371600"/>
+          </a:xfrm>
+        </p:spPr>
+        <p:txBody>
+          <a:bodyPr/>
+          <a:lstStyle/>
+          <a:p>
+            <a:r>
+              <a:rPr lang="en-US" dirty="0"/>
+              <a:t>Pros</a:t>
+            </a:r>
+          </a:p>
+        </p:txBody>
+      </p:sp>
+      <p:sp>
+        <p:nvSpPr>
+          <p:cNvPr id="3" name="Content Placeholder 2">
+            <a:extLst>
+              <a:ext uri="{FF2B5EF4-FFF2-40B4-BE49-F238E27FC236}">
+                <a16:creationId xmlns:a16="http://schemas.microsoft.com/office/drawing/2014/main" id="{AE76CEDF-7A2B-443E-BB9D-5A6E793670A8}"/>
+              </a:ext>
+            </a:extLst>
+          </p:cNvPr>
+          <p:cNvSpPr>
+            <a:spLocks noGrp="1"/>
+          </p:cNvSpPr>
+          <p:nvPr>
+            <p:ph idx="1"/>
+          </p:nvPr>
+        </p:nvSpPr>
+        <p:spPr>
+          <a:xfrm>
+            <a:off x="946602" y="1905000"/>
+            <a:ext cx="10177009" cy="4114801"/>
+          </a:xfrm>
+        </p:spPr>
+        <p:txBody>
+          <a:bodyPr>
+            <a:normAutofit/>
+          </a:bodyPr>
+          <a:lstStyle/>
+          <a:p>
+            <a:pPr marL="0" indent="0">
+              <a:buNone/>
+            </a:pPr>
+            <a:r>
+              <a:rPr lang="en-US" altLang="ko-KR" dirty="0"/>
+              <a:t>Event Handling : Make it easy to work with events happening in some conditions. Easy to track changes.</a:t>
+            </a:r>
+          </a:p>
+          <a:p>
+            <a:pPr marL="0" indent="0">
+              <a:buNone/>
+            </a:pPr>
+            <a:r>
+              <a:rPr lang="en-US" altLang="ko-KR" dirty="0"/>
+              <a:t>Memory Efficiency : Scriptable Object don’t need to be attached to Game Object. It reference the memory rather than copying which reduce overhead. </a:t>
+            </a:r>
+          </a:p>
+          <a:p>
+            <a:pPr marL="0" indent="0">
+              <a:buNone/>
+            </a:pPr>
+            <a:r>
+              <a:rPr lang="en-US" altLang="ko-KR" dirty="0"/>
+              <a:t>Immutability : The data doesn’t change nor reset the value.</a:t>
+            </a:r>
+          </a:p>
+          <a:p>
+            <a:pPr marL="0" indent="0">
+              <a:buNone/>
+            </a:pPr>
+            <a:endParaRPr lang="en-US" altLang="ko-KR" dirty="0"/>
+          </a:p>
+        </p:txBody>
+      </p:sp>
+    </p:spTree>
+    <p:extLst>
+      <p:ext uri="{BB962C8B-B14F-4D97-AF65-F5344CB8AC3E}">
+        <p14:creationId xmlns:p14="http://schemas.microsoft.com/office/powerpoint/2010/main" val="4104786626"/>
+      </p:ext>
+    </p:extLst>
+  </p:cSld>
+  <p:clrMapOvr>
+    <a:masterClrMapping/>
+  </p:clrMapOvr>
+  <mc:AlternateContent xmlns:mc="http://schemas.openxmlformats.org/markup-compatibility/2006" xmlns:p14="http://schemas.microsoft.com/office/powerpoint/2010/main">
+    <mc:Choice Requires="p14">
+      <p:transition spd="med" p14:dur="700">
+        <p:fade/>
+      </p:transition>
+    </mc:Choice>
+    <mc:Fallback xmlns="">
       <p:transition spd="med">
         <p:fade/>
       </p:transition>

--- a/Game 330 Unity/Unity Tutorial/Scriptable Object Tutorial.pptx
+++ b/Game 330 Unity/Unity Tutorial/Scriptable Object Tutorial.pptx
@@ -5,10 +5,10 @@
     <p:sldMasterId id="2147483648" r:id="rId4"/>
   </p:sldMasterIdLst>
   <p:notesMasterIdLst>
-    <p:notesMasterId r:id="rId15"/>
+    <p:notesMasterId r:id="rId14"/>
   </p:notesMasterIdLst>
   <p:handoutMasterIdLst>
-    <p:handoutMasterId r:id="rId16"/>
+    <p:handoutMasterId r:id="rId15"/>
   </p:handoutMasterIdLst>
   <p:sldIdLst>
     <p:sldId id="323" r:id="rId5"/>
@@ -16,16 +16,15 @@
     <p:sldId id="326" r:id="rId7"/>
     <p:sldId id="327" r:id="rId8"/>
     <p:sldId id="328" r:id="rId9"/>
-    <p:sldId id="329" r:id="rId10"/>
+    <p:sldId id="331" r:id="rId10"/>
     <p:sldId id="332" r:id="rId11"/>
-    <p:sldId id="331" r:id="rId12"/>
-    <p:sldId id="330" r:id="rId13"/>
-    <p:sldId id="333" r:id="rId14"/>
+    <p:sldId id="330" r:id="rId12"/>
+    <p:sldId id="333" r:id="rId13"/>
   </p:sldIdLst>
   <p:sldSz cx="12188825" cy="6858000"/>
   <p:notesSz cx="6858000" cy="9144000"/>
   <p:custDataLst>
-    <p:tags r:id="rId17"/>
+    <p:tags r:id="rId16"/>
   </p:custDataLst>
   <p:defaultTextStyle>
     <a:defPPr>
@@ -226,7 +225,7 @@
           <a:p>
             <a:fld id="{59088EAF-6ECA-4616-85EF-35AA19C641F3}" type="datetimeFigureOut">
               <a:rPr lang="en-US"/>
-              <a:t>9/24/2023</a:t>
+              <a:t>9/25/2023</a:t>
             </a:fld>
             <a:endParaRPr/>
           </a:p>
@@ -391,7 +390,7 @@
           <a:p>
             <a:fld id="{3ABD2D7A-D230-4F91-BD59-0A39C2703BA8}" type="datetimeFigureOut">
               <a:rPr lang="en-US"/>
-              <a:t>9/24/2023</a:t>
+              <a:t>9/25/2023</a:t>
             </a:fld>
             <a:endParaRPr/>
           </a:p>
@@ -1071,22 +1070,6 @@
           <a:bodyPr/>
           <a:lstStyle/>
           <a:p>
-            <a:r>
-              <a:rPr lang="ko-KR" altLang="en-US" dirty="0"/>
-              <a:t>그 외에도 </a:t>
-            </a:r>
-            <a:r>
-              <a:rPr lang="en-US" altLang="ko-KR" dirty="0"/>
-              <a:t>Array, Enum </a:t>
-            </a:r>
-            <a:r>
-              <a:rPr lang="ko-KR" altLang="en-US" dirty="0"/>
-              <a:t>등등 무궁무진함</a:t>
-            </a:r>
-            <a:r>
-              <a:rPr lang="en-US" altLang="ko-KR" dirty="0"/>
-              <a:t>.</a:t>
-            </a:r>
             <a:endParaRPr lang="ko-KR" altLang="en-US" dirty="0"/>
           </a:p>
         </p:txBody>
@@ -1108,7 +1091,7 @@
           <a:p>
             <a:fld id="{F93199CD-3E1B-4AE6-990F-76F925F5EA9F}" type="slidenum">
               <a:rPr lang="en-US" altLang="ko-KR" smtClean="0"/>
-              <a:t>7</a:t>
+              <a:t>4</a:t>
             </a:fld>
             <a:endParaRPr lang="en-US" altLang="ko-KR"/>
           </a:p>
@@ -1117,7 +1100,7 @@
     </p:spTree>
     <p:extLst>
       <p:ext uri="{BB962C8B-B14F-4D97-AF65-F5344CB8AC3E}">
-        <p14:creationId xmlns:p14="http://schemas.microsoft.com/office/powerpoint/2010/main" val="2539074973"/>
+        <p14:creationId xmlns:p14="http://schemas.microsoft.com/office/powerpoint/2010/main" val="2865447543"/>
       </p:ext>
     </p:extLst>
   </p:cSld>
@@ -1171,505 +1154,22 @@
           <a:bodyPr/>
           <a:lstStyle/>
           <a:p>
-            <a:pPr algn="l">
-              <a:buFont typeface="Arial" panose="020B0604020202020204" pitchFamily="34" charset="0"/>
-              <a:buChar char="•"/>
-            </a:pPr>
-            <a:r>
-              <a:rPr lang="ko-KR" altLang="en-US" b="0" i="0" dirty="0">
-                <a:solidFill>
-                  <a:srgbClr val="374151"/>
-                </a:solidFill>
-                <a:effectLst/>
-                <a:latin typeface="Söhne"/>
-              </a:rPr>
-              <a:t>메모리 효율성</a:t>
-            </a:r>
-            <a:r>
-              <a:rPr lang="en-US" altLang="ko-KR" b="0" i="0" dirty="0">
-                <a:solidFill>
-                  <a:srgbClr val="374151"/>
-                </a:solidFill>
-                <a:effectLst/>
-                <a:latin typeface="Söhne"/>
-              </a:rPr>
-              <a:t>: Scene</a:t>
-            </a:r>
-            <a:r>
-              <a:rPr lang="ko-KR" altLang="en-US" b="0" i="0" dirty="0">
-                <a:solidFill>
-                  <a:srgbClr val="374151"/>
-                </a:solidFill>
-                <a:effectLst/>
-                <a:latin typeface="Söhne"/>
-              </a:rPr>
-              <a:t>이 변경되어도 데이터가 유지되므로</a:t>
-            </a:r>
-            <a:r>
-              <a:rPr lang="en-US" altLang="ko-KR" b="0" i="0" dirty="0">
-                <a:solidFill>
-                  <a:srgbClr val="374151"/>
-                </a:solidFill>
-                <a:effectLst/>
-                <a:latin typeface="Söhne"/>
-              </a:rPr>
-              <a:t>, </a:t>
-            </a:r>
-            <a:r>
-              <a:rPr lang="ko-KR" altLang="en-US" b="0" i="0" dirty="0">
-                <a:solidFill>
-                  <a:srgbClr val="374151"/>
-                </a:solidFill>
-                <a:effectLst/>
-                <a:latin typeface="Söhne"/>
-              </a:rPr>
-              <a:t>메모리 사용이 효율적입니다</a:t>
-            </a:r>
-            <a:r>
-              <a:rPr lang="en-US" altLang="ko-KR" b="0" i="0" dirty="0">
-                <a:solidFill>
-                  <a:srgbClr val="374151"/>
-                </a:solidFill>
-                <a:effectLst/>
-                <a:latin typeface="Söhne"/>
-              </a:rPr>
+            <a:r>
+              <a:rPr lang="ko-KR" altLang="en-US" dirty="0"/>
+              <a:t>그 외에도 </a:t>
+            </a:r>
+            <a:r>
+              <a:rPr lang="en-US" altLang="ko-KR" dirty="0"/>
+              <a:t>Array, Enum </a:t>
+            </a:r>
+            <a:r>
+              <a:rPr lang="ko-KR" altLang="en-US" dirty="0"/>
+              <a:t>등등 무궁무진함</a:t>
+            </a:r>
+            <a:r>
+              <a:rPr lang="en-US" altLang="ko-KR" dirty="0"/>
               <a:t>.</a:t>
             </a:r>
-          </a:p>
-          <a:p>
-            <a:pPr algn="l">
-              <a:buFont typeface="Arial" panose="020B0604020202020204" pitchFamily="34" charset="0"/>
-              <a:buChar char="•"/>
-            </a:pPr>
-            <a:r>
-              <a:rPr lang="ko-KR" altLang="en-US" b="0" i="0" dirty="0">
-                <a:solidFill>
-                  <a:srgbClr val="374151"/>
-                </a:solidFill>
-                <a:effectLst/>
-                <a:latin typeface="Söhne"/>
-              </a:rPr>
-              <a:t>재사용성</a:t>
-            </a:r>
-            <a:r>
-              <a:rPr lang="en-US" altLang="ko-KR" b="0" i="0" dirty="0">
-                <a:solidFill>
-                  <a:srgbClr val="374151"/>
-                </a:solidFill>
-                <a:effectLst/>
-                <a:latin typeface="Söhne"/>
-              </a:rPr>
-              <a:t>: </a:t>
-            </a:r>
-            <a:r>
-              <a:rPr lang="ko-KR" altLang="en-US" b="0" i="0" dirty="0">
-                <a:solidFill>
-                  <a:srgbClr val="374151"/>
-                </a:solidFill>
-                <a:effectLst/>
-                <a:latin typeface="Söhne"/>
-              </a:rPr>
-              <a:t>동일한 데이터를 여러 게임 오브젝트에서 재사용할 수 있습니다</a:t>
-            </a:r>
-            <a:r>
-              <a:rPr lang="en-US" altLang="ko-KR" b="0" i="0" dirty="0">
-                <a:solidFill>
-                  <a:srgbClr val="374151"/>
-                </a:solidFill>
-                <a:effectLst/>
-                <a:latin typeface="Söhne"/>
-              </a:rPr>
-              <a:t>.</a:t>
-            </a:r>
-          </a:p>
-          <a:p>
-            <a:pPr algn="l">
-              <a:buFont typeface="Arial" panose="020B0604020202020204" pitchFamily="34" charset="0"/>
-              <a:buChar char="•"/>
-            </a:pPr>
-            <a:r>
-              <a:rPr lang="ko-KR" altLang="en-US" b="0" i="0" dirty="0">
-                <a:solidFill>
-                  <a:srgbClr val="374151"/>
-                </a:solidFill>
-                <a:effectLst/>
-                <a:latin typeface="Söhne"/>
-              </a:rPr>
-              <a:t>확장성</a:t>
-            </a:r>
-            <a:r>
-              <a:rPr lang="en-US" altLang="ko-KR" b="0" i="0" dirty="0">
-                <a:solidFill>
-                  <a:srgbClr val="374151"/>
-                </a:solidFill>
-                <a:effectLst/>
-                <a:latin typeface="Söhne"/>
-              </a:rPr>
-              <a:t>: </a:t>
-            </a:r>
-            <a:r>
-              <a:rPr lang="ko-KR" altLang="en-US" b="0" i="0" dirty="0">
-                <a:solidFill>
-                  <a:srgbClr val="374151"/>
-                </a:solidFill>
-                <a:effectLst/>
-                <a:latin typeface="Söhne"/>
-              </a:rPr>
-              <a:t>데이터 구조를 쉽게 확장하고 수정할 수 있습니다</a:t>
-            </a:r>
-            <a:r>
-              <a:rPr lang="en-US" altLang="ko-KR" b="0" i="0" dirty="0">
-                <a:solidFill>
-                  <a:srgbClr val="374151"/>
-                </a:solidFill>
-                <a:effectLst/>
-                <a:latin typeface="Söhne"/>
-              </a:rPr>
-              <a:t>.</a:t>
-            </a:r>
-          </a:p>
-          <a:p>
-            <a:endParaRPr lang="en-US" altLang="ko-KR" dirty="0"/>
-          </a:p>
-          <a:p>
-            <a:pPr algn="l">
-              <a:buFont typeface="+mj-lt"/>
-              <a:buAutoNum type="arabicPeriod"/>
-            </a:pPr>
-            <a:r>
-              <a:rPr lang="ko-KR" altLang="en-US" b="1" i="0" dirty="0" err="1">
-                <a:solidFill>
-                  <a:srgbClr val="374151"/>
-                </a:solidFill>
-                <a:effectLst/>
-                <a:latin typeface="Söhne"/>
-              </a:rPr>
-              <a:t>디커플링</a:t>
-            </a:r>
-            <a:r>
-              <a:rPr lang="en-US" altLang="ko-KR" b="1" i="0" dirty="0">
-                <a:solidFill>
-                  <a:srgbClr val="374151"/>
-                </a:solidFill>
-                <a:effectLst/>
-                <a:latin typeface="Söhne"/>
-              </a:rPr>
-              <a:t>(Decoupling)</a:t>
-            </a:r>
-            <a:r>
-              <a:rPr lang="en-US" altLang="ko-KR" b="0" i="0" dirty="0">
-                <a:solidFill>
-                  <a:srgbClr val="374151"/>
-                </a:solidFill>
-                <a:effectLst/>
-                <a:latin typeface="Söhne"/>
-              </a:rPr>
-              <a:t>:</a:t>
-            </a:r>
-          </a:p>
-          <a:p>
-            <a:pPr marL="742950" lvl="1" indent="-285750" algn="l">
-              <a:buFont typeface="+mj-lt"/>
-              <a:buAutoNum type="arabicPeriod"/>
-            </a:pPr>
-            <a:r>
-              <a:rPr lang="ko-KR" altLang="en-US" b="0" i="0" dirty="0">
-                <a:solidFill>
-                  <a:srgbClr val="374151"/>
-                </a:solidFill>
-                <a:effectLst/>
-                <a:latin typeface="Söhne"/>
-              </a:rPr>
-              <a:t>이벤트 발생 소스와 이벤트를 처리하는 </a:t>
-            </a:r>
-            <a:r>
-              <a:rPr lang="ko-KR" altLang="en-US" b="0" i="0" dirty="0" err="1">
-                <a:solidFill>
-                  <a:srgbClr val="374151"/>
-                </a:solidFill>
-                <a:effectLst/>
-                <a:latin typeface="Söhne"/>
-              </a:rPr>
-              <a:t>리스너</a:t>
-            </a:r>
-            <a:r>
-              <a:rPr lang="ko-KR" altLang="en-US" b="0" i="0" dirty="0">
-                <a:solidFill>
-                  <a:srgbClr val="374151"/>
-                </a:solidFill>
-                <a:effectLst/>
-                <a:latin typeface="Söhne"/>
-              </a:rPr>
-              <a:t> 사이의 종속성을 줄일 수 있습니다</a:t>
-            </a:r>
-            <a:r>
-              <a:rPr lang="en-US" altLang="ko-KR" b="0" i="0" dirty="0">
-                <a:solidFill>
-                  <a:srgbClr val="374151"/>
-                </a:solidFill>
-                <a:effectLst/>
-                <a:latin typeface="Söhne"/>
-              </a:rPr>
-              <a:t>.</a:t>
-            </a:r>
-          </a:p>
-          <a:p>
-            <a:pPr marL="742950" lvl="1" indent="-285750" algn="l">
-              <a:buFont typeface="+mj-lt"/>
-              <a:buAutoNum type="arabicPeriod"/>
-            </a:pPr>
-            <a:r>
-              <a:rPr lang="ko-KR" altLang="en-US" b="0" i="0" dirty="0">
-                <a:solidFill>
-                  <a:srgbClr val="374151"/>
-                </a:solidFill>
-                <a:effectLst/>
-                <a:latin typeface="Söhne"/>
-              </a:rPr>
-              <a:t>이로 인해 코드의 모듈성과 재사용성이 향상됩니다</a:t>
-            </a:r>
-            <a:r>
-              <a:rPr lang="en-US" altLang="ko-KR" b="0" i="0" dirty="0">
-                <a:solidFill>
-                  <a:srgbClr val="374151"/>
-                </a:solidFill>
-                <a:effectLst/>
-                <a:latin typeface="Söhne"/>
-              </a:rPr>
-              <a:t>.</a:t>
-            </a:r>
-          </a:p>
-          <a:p>
-            <a:pPr algn="l">
-              <a:buFont typeface="+mj-lt"/>
-              <a:buAutoNum type="arabicPeriod"/>
-            </a:pPr>
-            <a:r>
-              <a:rPr lang="ko-KR" altLang="en-US" b="1" i="0" dirty="0">
-                <a:solidFill>
-                  <a:srgbClr val="374151"/>
-                </a:solidFill>
-                <a:effectLst/>
-                <a:latin typeface="Söhne"/>
-              </a:rPr>
-              <a:t>유연성</a:t>
-            </a:r>
-            <a:r>
-              <a:rPr lang="en-US" altLang="ko-KR" b="0" i="0" dirty="0">
-                <a:solidFill>
-                  <a:srgbClr val="374151"/>
-                </a:solidFill>
-                <a:effectLst/>
-                <a:latin typeface="Söhne"/>
-              </a:rPr>
-              <a:t>:</a:t>
-            </a:r>
-          </a:p>
-          <a:p>
-            <a:pPr marL="742950" lvl="1" indent="-285750" algn="l">
-              <a:buFont typeface="+mj-lt"/>
-              <a:buAutoNum type="arabicPeriod"/>
-            </a:pPr>
-            <a:r>
-              <a:rPr lang="ko-KR" altLang="en-US" b="0" i="0" dirty="0" err="1">
-                <a:solidFill>
-                  <a:srgbClr val="374151"/>
-                </a:solidFill>
-                <a:effectLst/>
-                <a:latin typeface="Söhne"/>
-              </a:rPr>
-              <a:t>스크립터블</a:t>
-            </a:r>
-            <a:r>
-              <a:rPr lang="ko-KR" altLang="en-US" b="0" i="0" dirty="0">
-                <a:solidFill>
-                  <a:srgbClr val="374151"/>
-                </a:solidFill>
-                <a:effectLst/>
-                <a:latin typeface="Söhne"/>
-              </a:rPr>
-              <a:t> 오브젝트를 이용한 이벤트 시스템은 유연하게 확장 및 수정이 가능합니다</a:t>
-            </a:r>
-            <a:r>
-              <a:rPr lang="en-US" altLang="ko-KR" b="0" i="0" dirty="0">
-                <a:solidFill>
-                  <a:srgbClr val="374151"/>
-                </a:solidFill>
-                <a:effectLst/>
-                <a:latin typeface="Söhne"/>
-              </a:rPr>
-              <a:t>.</a:t>
-            </a:r>
-          </a:p>
-          <a:p>
-            <a:pPr marL="742950" lvl="1" indent="-285750" algn="l">
-              <a:buFont typeface="+mj-lt"/>
-              <a:buAutoNum type="arabicPeriod"/>
-            </a:pPr>
-            <a:r>
-              <a:rPr lang="ko-KR" altLang="en-US" b="0" i="0" dirty="0">
-                <a:solidFill>
-                  <a:srgbClr val="374151"/>
-                </a:solidFill>
-                <a:effectLst/>
-                <a:latin typeface="Söhne"/>
-              </a:rPr>
-              <a:t>다양한 이벤트와 </a:t>
-            </a:r>
-            <a:r>
-              <a:rPr lang="ko-KR" altLang="en-US" b="0" i="0" dirty="0" err="1">
-                <a:solidFill>
-                  <a:srgbClr val="374151"/>
-                </a:solidFill>
-                <a:effectLst/>
-                <a:latin typeface="Söhne"/>
-              </a:rPr>
-              <a:t>리스너를</a:t>
-            </a:r>
-            <a:r>
-              <a:rPr lang="ko-KR" altLang="en-US" b="0" i="0" dirty="0">
-                <a:solidFill>
-                  <a:srgbClr val="374151"/>
-                </a:solidFill>
-                <a:effectLst/>
-                <a:latin typeface="Söhne"/>
-              </a:rPr>
-              <a:t> 쉽게 추가하거나 변경할 수 있습니다</a:t>
-            </a:r>
-            <a:r>
-              <a:rPr lang="en-US" altLang="ko-KR" b="0" i="0" dirty="0">
-                <a:solidFill>
-                  <a:srgbClr val="374151"/>
-                </a:solidFill>
-                <a:effectLst/>
-                <a:latin typeface="Söhne"/>
-              </a:rPr>
-              <a:t>.</a:t>
-            </a:r>
-          </a:p>
-          <a:p>
-            <a:pPr algn="l">
-              <a:buFont typeface="+mj-lt"/>
-              <a:buAutoNum type="arabicPeriod"/>
-            </a:pPr>
-            <a:r>
-              <a:rPr lang="ko-KR" altLang="en-US" b="1" i="0" dirty="0">
-                <a:solidFill>
-                  <a:srgbClr val="374151"/>
-                </a:solidFill>
-                <a:effectLst/>
-                <a:latin typeface="Söhne"/>
-              </a:rPr>
-              <a:t>씬 독립성</a:t>
-            </a:r>
-            <a:r>
-              <a:rPr lang="en-US" altLang="ko-KR" b="0" i="0" dirty="0">
-                <a:solidFill>
-                  <a:srgbClr val="374151"/>
-                </a:solidFill>
-                <a:effectLst/>
-                <a:latin typeface="Söhne"/>
-              </a:rPr>
-              <a:t>:</a:t>
-            </a:r>
-          </a:p>
-          <a:p>
-            <a:pPr marL="742950" lvl="1" indent="-285750" algn="l">
-              <a:buFont typeface="+mj-lt"/>
-              <a:buAutoNum type="arabicPeriod"/>
-            </a:pPr>
-            <a:r>
-              <a:rPr lang="ko-KR" altLang="en-US" b="0" i="0" dirty="0" err="1">
-                <a:solidFill>
-                  <a:srgbClr val="374151"/>
-                </a:solidFill>
-                <a:effectLst/>
-                <a:latin typeface="Söhne"/>
-              </a:rPr>
-              <a:t>스크립터블</a:t>
-            </a:r>
-            <a:r>
-              <a:rPr lang="ko-KR" altLang="en-US" b="0" i="0" dirty="0">
-                <a:solidFill>
-                  <a:srgbClr val="374151"/>
-                </a:solidFill>
-                <a:effectLst/>
-                <a:latin typeface="Söhne"/>
-              </a:rPr>
-              <a:t> 오브젝트는 </a:t>
-            </a:r>
-            <a:r>
-              <a:rPr lang="ko-KR" altLang="en-US" b="0" i="0" dirty="0" err="1">
-                <a:solidFill>
-                  <a:srgbClr val="374151"/>
-                </a:solidFill>
-                <a:effectLst/>
-                <a:latin typeface="Söhne"/>
-              </a:rPr>
-              <a:t>씬에</a:t>
-            </a:r>
-            <a:r>
-              <a:rPr lang="ko-KR" altLang="en-US" b="0" i="0" dirty="0">
-                <a:solidFill>
-                  <a:srgbClr val="374151"/>
-                </a:solidFill>
-                <a:effectLst/>
-                <a:latin typeface="Söhne"/>
-              </a:rPr>
-              <a:t> 종속되지 않으므로</a:t>
-            </a:r>
-            <a:r>
-              <a:rPr lang="en-US" altLang="ko-KR" b="0" i="0" dirty="0">
-                <a:solidFill>
-                  <a:srgbClr val="374151"/>
-                </a:solidFill>
-                <a:effectLst/>
-                <a:latin typeface="Söhne"/>
-              </a:rPr>
-              <a:t>, </a:t>
-            </a:r>
-            <a:r>
-              <a:rPr lang="ko-KR" altLang="en-US" b="0" i="0" dirty="0">
-                <a:solidFill>
-                  <a:srgbClr val="374151"/>
-                </a:solidFill>
-                <a:effectLst/>
-                <a:latin typeface="Söhne"/>
-              </a:rPr>
-              <a:t>여러 </a:t>
-            </a:r>
-            <a:r>
-              <a:rPr lang="ko-KR" altLang="en-US" b="0" i="0" dirty="0" err="1">
-                <a:solidFill>
-                  <a:srgbClr val="374151"/>
-                </a:solidFill>
-                <a:effectLst/>
-                <a:latin typeface="Söhne"/>
-              </a:rPr>
-              <a:t>씬에서</a:t>
-            </a:r>
-            <a:r>
-              <a:rPr lang="ko-KR" altLang="en-US" b="0" i="0" dirty="0">
-                <a:solidFill>
-                  <a:srgbClr val="374151"/>
-                </a:solidFill>
-                <a:effectLst/>
-                <a:latin typeface="Söhne"/>
-              </a:rPr>
-              <a:t> 동일한 이벤트를 공유하고 처리할 수 있습니다</a:t>
-            </a:r>
-            <a:r>
-              <a:rPr lang="en-US" altLang="ko-KR" b="0" i="0" dirty="0">
-                <a:solidFill>
-                  <a:srgbClr val="374151"/>
-                </a:solidFill>
-                <a:effectLst/>
-                <a:latin typeface="Söhne"/>
-              </a:rPr>
-              <a:t>.</a:t>
-            </a:r>
-          </a:p>
-          <a:p>
             <a:endParaRPr lang="ko-KR" altLang="en-US" dirty="0"/>
           </a:p>
         </p:txBody>
@@ -1691,7 +1191,7 @@
           <a:p>
             <a:fld id="{F93199CD-3E1B-4AE6-990F-76F925F5EA9F}" type="slidenum">
               <a:rPr lang="en-US" altLang="ko-KR" smtClean="0"/>
-              <a:t>9</a:t>
+              <a:t>7</a:t>
             </a:fld>
             <a:endParaRPr lang="en-US" altLang="ko-KR"/>
           </a:p>
@@ -1700,7 +1200,7 @@
     </p:spTree>
     <p:extLst>
       <p:ext uri="{BB962C8B-B14F-4D97-AF65-F5344CB8AC3E}">
-        <p14:creationId xmlns:p14="http://schemas.microsoft.com/office/powerpoint/2010/main" val="1415740379"/>
+        <p14:creationId xmlns:p14="http://schemas.microsoft.com/office/powerpoint/2010/main" val="2539074973"/>
       </p:ext>
     </p:extLst>
   </p:cSld>
@@ -1912,6 +1412,347 @@
             </a:r>
           </a:p>
           <a:p>
+            <a:endParaRPr lang="en-US" altLang="ko-KR" dirty="0"/>
+          </a:p>
+          <a:p>
+            <a:pPr algn="l">
+              <a:buFont typeface="+mj-lt"/>
+              <a:buAutoNum type="arabicPeriod"/>
+            </a:pPr>
+            <a:r>
+              <a:rPr lang="ko-KR" altLang="en-US" b="1" i="0" dirty="0" err="1">
+                <a:solidFill>
+                  <a:srgbClr val="374151"/>
+                </a:solidFill>
+                <a:effectLst/>
+                <a:latin typeface="Söhne"/>
+              </a:rPr>
+              <a:t>디커플링</a:t>
+            </a:r>
+            <a:r>
+              <a:rPr lang="en-US" altLang="ko-KR" b="1" i="0" dirty="0">
+                <a:solidFill>
+                  <a:srgbClr val="374151"/>
+                </a:solidFill>
+                <a:effectLst/>
+                <a:latin typeface="Söhne"/>
+              </a:rPr>
+              <a:t>(Decoupling)</a:t>
+            </a:r>
+            <a:r>
+              <a:rPr lang="en-US" altLang="ko-KR" b="0" i="0" dirty="0">
+                <a:solidFill>
+                  <a:srgbClr val="374151"/>
+                </a:solidFill>
+                <a:effectLst/>
+                <a:latin typeface="Söhne"/>
+              </a:rPr>
+              <a:t>:</a:t>
+            </a:r>
+          </a:p>
+          <a:p>
+            <a:pPr marL="742950" lvl="1" indent="-285750" algn="l">
+              <a:buFont typeface="+mj-lt"/>
+              <a:buAutoNum type="arabicPeriod"/>
+            </a:pPr>
+            <a:r>
+              <a:rPr lang="ko-KR" altLang="en-US" b="0" i="0" dirty="0">
+                <a:solidFill>
+                  <a:srgbClr val="374151"/>
+                </a:solidFill>
+                <a:effectLst/>
+                <a:latin typeface="Söhne"/>
+              </a:rPr>
+              <a:t>이벤트 발생 소스와 이벤트를 처리하는 </a:t>
+            </a:r>
+            <a:r>
+              <a:rPr lang="ko-KR" altLang="en-US" b="0" i="0" dirty="0" err="1">
+                <a:solidFill>
+                  <a:srgbClr val="374151"/>
+                </a:solidFill>
+                <a:effectLst/>
+                <a:latin typeface="Söhne"/>
+              </a:rPr>
+              <a:t>리스너</a:t>
+            </a:r>
+            <a:r>
+              <a:rPr lang="ko-KR" altLang="en-US" b="0" i="0" dirty="0">
+                <a:solidFill>
+                  <a:srgbClr val="374151"/>
+                </a:solidFill>
+                <a:effectLst/>
+                <a:latin typeface="Söhne"/>
+              </a:rPr>
+              <a:t> 사이의 종속성을 줄일 수 있습니다</a:t>
+            </a:r>
+            <a:r>
+              <a:rPr lang="en-US" altLang="ko-KR" b="0" i="0" dirty="0">
+                <a:solidFill>
+                  <a:srgbClr val="374151"/>
+                </a:solidFill>
+                <a:effectLst/>
+                <a:latin typeface="Söhne"/>
+              </a:rPr>
+              <a:t>.</a:t>
+            </a:r>
+          </a:p>
+          <a:p>
+            <a:pPr marL="742950" lvl="1" indent="-285750" algn="l">
+              <a:buFont typeface="+mj-lt"/>
+              <a:buAutoNum type="arabicPeriod"/>
+            </a:pPr>
+            <a:r>
+              <a:rPr lang="ko-KR" altLang="en-US" b="0" i="0" dirty="0">
+                <a:solidFill>
+                  <a:srgbClr val="374151"/>
+                </a:solidFill>
+                <a:effectLst/>
+                <a:latin typeface="Söhne"/>
+              </a:rPr>
+              <a:t>이로 인해 코드의 모듈성과 재사용성이 향상됩니다</a:t>
+            </a:r>
+            <a:r>
+              <a:rPr lang="en-US" altLang="ko-KR" b="0" i="0" dirty="0">
+                <a:solidFill>
+                  <a:srgbClr val="374151"/>
+                </a:solidFill>
+                <a:effectLst/>
+                <a:latin typeface="Söhne"/>
+              </a:rPr>
+              <a:t>.</a:t>
+            </a:r>
+          </a:p>
+          <a:p>
+            <a:pPr algn="l">
+              <a:buFont typeface="+mj-lt"/>
+              <a:buAutoNum type="arabicPeriod"/>
+            </a:pPr>
+            <a:r>
+              <a:rPr lang="ko-KR" altLang="en-US" b="1" i="0" dirty="0">
+                <a:solidFill>
+                  <a:srgbClr val="374151"/>
+                </a:solidFill>
+                <a:effectLst/>
+                <a:latin typeface="Söhne"/>
+              </a:rPr>
+              <a:t>유연성</a:t>
+            </a:r>
+            <a:r>
+              <a:rPr lang="en-US" altLang="ko-KR" b="0" i="0" dirty="0">
+                <a:solidFill>
+                  <a:srgbClr val="374151"/>
+                </a:solidFill>
+                <a:effectLst/>
+                <a:latin typeface="Söhne"/>
+              </a:rPr>
+              <a:t>:</a:t>
+            </a:r>
+          </a:p>
+          <a:p>
+            <a:pPr marL="742950" lvl="1" indent="-285750" algn="l">
+              <a:buFont typeface="+mj-lt"/>
+              <a:buAutoNum type="arabicPeriod"/>
+            </a:pPr>
+            <a:r>
+              <a:rPr lang="ko-KR" altLang="en-US" b="0" i="0" dirty="0" err="1">
+                <a:solidFill>
+                  <a:srgbClr val="374151"/>
+                </a:solidFill>
+                <a:effectLst/>
+                <a:latin typeface="Söhne"/>
+              </a:rPr>
+              <a:t>스크립터블</a:t>
+            </a:r>
+            <a:r>
+              <a:rPr lang="ko-KR" altLang="en-US" b="0" i="0" dirty="0">
+                <a:solidFill>
+                  <a:srgbClr val="374151"/>
+                </a:solidFill>
+                <a:effectLst/>
+                <a:latin typeface="Söhne"/>
+              </a:rPr>
+              <a:t> 오브젝트를 이용한 이벤트 시스템은 유연하게 확장 및 수정이 가능합니다</a:t>
+            </a:r>
+            <a:r>
+              <a:rPr lang="en-US" altLang="ko-KR" b="0" i="0" dirty="0">
+                <a:solidFill>
+                  <a:srgbClr val="374151"/>
+                </a:solidFill>
+                <a:effectLst/>
+                <a:latin typeface="Söhne"/>
+              </a:rPr>
+              <a:t>.</a:t>
+            </a:r>
+          </a:p>
+          <a:p>
+            <a:pPr marL="742950" lvl="1" indent="-285750" algn="l">
+              <a:buFont typeface="+mj-lt"/>
+              <a:buAutoNum type="arabicPeriod"/>
+            </a:pPr>
+            <a:r>
+              <a:rPr lang="ko-KR" altLang="en-US" b="0" i="0" dirty="0">
+                <a:solidFill>
+                  <a:srgbClr val="374151"/>
+                </a:solidFill>
+                <a:effectLst/>
+                <a:latin typeface="Söhne"/>
+              </a:rPr>
+              <a:t>다양한 이벤트와 </a:t>
+            </a:r>
+            <a:r>
+              <a:rPr lang="ko-KR" altLang="en-US" b="0" i="0" dirty="0" err="1">
+                <a:solidFill>
+                  <a:srgbClr val="374151"/>
+                </a:solidFill>
+                <a:effectLst/>
+                <a:latin typeface="Söhne"/>
+              </a:rPr>
+              <a:t>리스너를</a:t>
+            </a:r>
+            <a:r>
+              <a:rPr lang="ko-KR" altLang="en-US" b="0" i="0" dirty="0">
+                <a:solidFill>
+                  <a:srgbClr val="374151"/>
+                </a:solidFill>
+                <a:effectLst/>
+                <a:latin typeface="Söhne"/>
+              </a:rPr>
+              <a:t> 쉽게 추가하거나 변경할 수 있습니다</a:t>
+            </a:r>
+            <a:r>
+              <a:rPr lang="en-US" altLang="ko-KR" b="0" i="0" dirty="0">
+                <a:solidFill>
+                  <a:srgbClr val="374151"/>
+                </a:solidFill>
+                <a:effectLst/>
+                <a:latin typeface="Söhne"/>
+              </a:rPr>
+              <a:t>.</a:t>
+            </a:r>
+          </a:p>
+          <a:p>
+            <a:pPr algn="l">
+              <a:buFont typeface="+mj-lt"/>
+              <a:buAutoNum type="arabicPeriod"/>
+            </a:pPr>
+            <a:r>
+              <a:rPr lang="ko-KR" altLang="en-US" b="1" i="0" dirty="0">
+                <a:solidFill>
+                  <a:srgbClr val="374151"/>
+                </a:solidFill>
+                <a:effectLst/>
+                <a:latin typeface="Söhne"/>
+              </a:rPr>
+              <a:t>씬 독립성</a:t>
+            </a:r>
+            <a:r>
+              <a:rPr lang="en-US" altLang="ko-KR" b="0" i="0" dirty="0">
+                <a:solidFill>
+                  <a:srgbClr val="374151"/>
+                </a:solidFill>
+                <a:effectLst/>
+                <a:latin typeface="Söhne"/>
+              </a:rPr>
+              <a:t>:</a:t>
+            </a:r>
+          </a:p>
+          <a:p>
+            <a:pPr marL="742950" lvl="1" indent="-285750" algn="l">
+              <a:buFont typeface="+mj-lt"/>
+              <a:buAutoNum type="arabicPeriod"/>
+            </a:pPr>
+            <a:r>
+              <a:rPr lang="ko-KR" altLang="en-US" b="0" i="0" dirty="0" err="1">
+                <a:solidFill>
+                  <a:srgbClr val="374151"/>
+                </a:solidFill>
+                <a:effectLst/>
+                <a:latin typeface="Söhne"/>
+              </a:rPr>
+              <a:t>스크립터블</a:t>
+            </a:r>
+            <a:r>
+              <a:rPr lang="ko-KR" altLang="en-US" b="0" i="0" dirty="0">
+                <a:solidFill>
+                  <a:srgbClr val="374151"/>
+                </a:solidFill>
+                <a:effectLst/>
+                <a:latin typeface="Söhne"/>
+              </a:rPr>
+              <a:t> 오브젝트는 </a:t>
+            </a:r>
+            <a:r>
+              <a:rPr lang="ko-KR" altLang="en-US" b="0" i="0" dirty="0" err="1">
+                <a:solidFill>
+                  <a:srgbClr val="374151"/>
+                </a:solidFill>
+                <a:effectLst/>
+                <a:latin typeface="Söhne"/>
+              </a:rPr>
+              <a:t>씬에</a:t>
+            </a:r>
+            <a:r>
+              <a:rPr lang="ko-KR" altLang="en-US" b="0" i="0" dirty="0">
+                <a:solidFill>
+                  <a:srgbClr val="374151"/>
+                </a:solidFill>
+                <a:effectLst/>
+                <a:latin typeface="Söhne"/>
+              </a:rPr>
+              <a:t> 종속되지 않으므로</a:t>
+            </a:r>
+            <a:r>
+              <a:rPr lang="en-US" altLang="ko-KR" b="0" i="0" dirty="0">
+                <a:solidFill>
+                  <a:srgbClr val="374151"/>
+                </a:solidFill>
+                <a:effectLst/>
+                <a:latin typeface="Söhne"/>
+              </a:rPr>
+              <a:t>, </a:t>
+            </a:r>
+            <a:r>
+              <a:rPr lang="ko-KR" altLang="en-US" b="0" i="0" dirty="0">
+                <a:solidFill>
+                  <a:srgbClr val="374151"/>
+                </a:solidFill>
+                <a:effectLst/>
+                <a:latin typeface="Söhne"/>
+              </a:rPr>
+              <a:t>여러 </a:t>
+            </a:r>
+            <a:r>
+              <a:rPr lang="ko-KR" altLang="en-US" b="0" i="0" dirty="0" err="1">
+                <a:solidFill>
+                  <a:srgbClr val="374151"/>
+                </a:solidFill>
+                <a:effectLst/>
+                <a:latin typeface="Söhne"/>
+              </a:rPr>
+              <a:t>씬에서</a:t>
+            </a:r>
+            <a:r>
+              <a:rPr lang="ko-KR" altLang="en-US" b="0" i="0" dirty="0">
+                <a:solidFill>
+                  <a:srgbClr val="374151"/>
+                </a:solidFill>
+                <a:effectLst/>
+                <a:latin typeface="Söhne"/>
+              </a:rPr>
+              <a:t> 동일한 이벤트를 공유하고 처리할 수 있습니다</a:t>
+            </a:r>
+            <a:r>
+              <a:rPr lang="en-US" altLang="ko-KR" b="0" i="0" dirty="0">
+                <a:solidFill>
+                  <a:srgbClr val="374151"/>
+                </a:solidFill>
+                <a:effectLst/>
+                <a:latin typeface="Söhne"/>
+              </a:rPr>
+              <a:t>.</a:t>
+            </a:r>
+          </a:p>
+          <a:p>
             <a:endParaRPr lang="ko-KR" altLang="en-US" dirty="0"/>
           </a:p>
         </p:txBody>
@@ -1933,7 +1774,249 @@
           <a:p>
             <a:fld id="{F93199CD-3E1B-4AE6-990F-76F925F5EA9F}" type="slidenum">
               <a:rPr lang="en-US" altLang="ko-KR" smtClean="0"/>
-              <a:t>10</a:t>
+              <a:t>8</a:t>
+            </a:fld>
+            <a:endParaRPr lang="en-US" altLang="ko-KR"/>
+          </a:p>
+        </p:txBody>
+      </p:sp>
+    </p:spTree>
+    <p:extLst>
+      <p:ext uri="{BB962C8B-B14F-4D97-AF65-F5344CB8AC3E}">
+        <p14:creationId xmlns:p14="http://schemas.microsoft.com/office/powerpoint/2010/main" val="1415740379"/>
+      </p:ext>
+    </p:extLst>
+  </p:cSld>
+  <p:clrMapOvr>
+    <a:masterClrMapping/>
+  </p:clrMapOvr>
+</p:notes>
+</file>
+
+<file path=ppt/notesSlides/notesSlide6.xml><?xml version="1.0" encoding="utf-8"?>
+<p:notes xmlns:a="http://schemas.openxmlformats.org/drawingml/2006/main" xmlns:r="http://schemas.openxmlformats.org/officeDocument/2006/relationships" xmlns:p="http://schemas.openxmlformats.org/presentationml/2006/main">
+  <p:cSld>
+    <p:spTree>
+      <p:nvGrpSpPr>
+        <p:cNvPr id="1" name=""/>
+        <p:cNvGrpSpPr/>
+        <p:nvPr/>
+      </p:nvGrpSpPr>
+      <p:grpSpPr>
+        <a:xfrm>
+          <a:off x="0" y="0"/>
+          <a:ext cx="0" cy="0"/>
+          <a:chOff x="0" y="0"/>
+          <a:chExt cx="0" cy="0"/>
+        </a:xfrm>
+      </p:grpSpPr>
+      <p:sp>
+        <p:nvSpPr>
+          <p:cNvPr id="2" name="슬라이드 이미지 개체 틀 1"/>
+          <p:cNvSpPr>
+            <a:spLocks noGrp="1" noRot="1" noChangeAspect="1"/>
+          </p:cNvSpPr>
+          <p:nvPr>
+            <p:ph type="sldImg"/>
+          </p:nvPr>
+        </p:nvSpPr>
+        <p:spPr/>
+      </p:sp>
+      <p:sp>
+        <p:nvSpPr>
+          <p:cNvPr id="3" name="슬라이드 노트 개체 틀 2"/>
+          <p:cNvSpPr>
+            <a:spLocks noGrp="1"/>
+          </p:cNvSpPr>
+          <p:nvPr>
+            <p:ph type="body" idx="1"/>
+          </p:nvPr>
+        </p:nvSpPr>
+        <p:spPr/>
+        <p:txBody>
+          <a:bodyPr/>
+          <a:lstStyle/>
+          <a:p>
+            <a:pPr algn="l">
+              <a:buFont typeface="Arial" panose="020B0604020202020204" pitchFamily="34" charset="0"/>
+              <a:buChar char="•"/>
+            </a:pPr>
+            <a:r>
+              <a:rPr lang="ko-KR" altLang="en-US" b="0" i="0" dirty="0">
+                <a:solidFill>
+                  <a:srgbClr val="374151"/>
+                </a:solidFill>
+                <a:effectLst/>
+                <a:latin typeface="Söhne"/>
+              </a:rPr>
+              <a:t>메모리 효율성</a:t>
+            </a:r>
+            <a:r>
+              <a:rPr lang="en-US" altLang="ko-KR" b="0" i="0" dirty="0">
+                <a:solidFill>
+                  <a:srgbClr val="374151"/>
+                </a:solidFill>
+                <a:effectLst/>
+                <a:latin typeface="Söhne"/>
+              </a:rPr>
+              <a:t>: Scene</a:t>
+            </a:r>
+            <a:r>
+              <a:rPr lang="ko-KR" altLang="en-US" b="0" i="0" dirty="0">
+                <a:solidFill>
+                  <a:srgbClr val="374151"/>
+                </a:solidFill>
+                <a:effectLst/>
+                <a:latin typeface="Söhne"/>
+              </a:rPr>
+              <a:t>이 변경되어도 데이터가 유지되므로</a:t>
+            </a:r>
+            <a:r>
+              <a:rPr lang="en-US" altLang="ko-KR" b="0" i="0" dirty="0">
+                <a:solidFill>
+                  <a:srgbClr val="374151"/>
+                </a:solidFill>
+                <a:effectLst/>
+                <a:latin typeface="Söhne"/>
+              </a:rPr>
+              <a:t>, </a:t>
+            </a:r>
+            <a:r>
+              <a:rPr lang="ko-KR" altLang="en-US" b="0" i="0" dirty="0">
+                <a:solidFill>
+                  <a:srgbClr val="374151"/>
+                </a:solidFill>
+                <a:effectLst/>
+                <a:latin typeface="Söhne"/>
+              </a:rPr>
+              <a:t>메모리 사용이 효율적입니다</a:t>
+            </a:r>
+            <a:r>
+              <a:rPr lang="en-US" altLang="ko-KR" b="0" i="0" dirty="0">
+                <a:solidFill>
+                  <a:srgbClr val="374151"/>
+                </a:solidFill>
+                <a:effectLst/>
+                <a:latin typeface="Söhne"/>
+              </a:rPr>
+              <a:t>.</a:t>
+            </a:r>
+          </a:p>
+          <a:p>
+            <a:pPr algn="l">
+              <a:buFont typeface="Arial" panose="020B0604020202020204" pitchFamily="34" charset="0"/>
+              <a:buChar char="•"/>
+            </a:pPr>
+            <a:r>
+              <a:rPr lang="ko-KR" altLang="en-US" b="0" i="0" dirty="0">
+                <a:solidFill>
+                  <a:srgbClr val="374151"/>
+                </a:solidFill>
+                <a:effectLst/>
+                <a:latin typeface="Söhne"/>
+              </a:rPr>
+              <a:t>재사용성</a:t>
+            </a:r>
+            <a:r>
+              <a:rPr lang="en-US" altLang="ko-KR" b="0" i="0" dirty="0">
+                <a:solidFill>
+                  <a:srgbClr val="374151"/>
+                </a:solidFill>
+                <a:effectLst/>
+                <a:latin typeface="Söhne"/>
+              </a:rPr>
+              <a:t>: </a:t>
+            </a:r>
+            <a:r>
+              <a:rPr lang="ko-KR" altLang="en-US" b="0" i="0" dirty="0">
+                <a:solidFill>
+                  <a:srgbClr val="374151"/>
+                </a:solidFill>
+                <a:effectLst/>
+                <a:latin typeface="Söhne"/>
+              </a:rPr>
+              <a:t>동일한 데이터를 여러 게임 오브젝트에서 재사용할 수 있습니다</a:t>
+            </a:r>
+            <a:r>
+              <a:rPr lang="en-US" altLang="ko-KR" b="0" i="0" dirty="0">
+                <a:solidFill>
+                  <a:srgbClr val="374151"/>
+                </a:solidFill>
+                <a:effectLst/>
+                <a:latin typeface="Söhne"/>
+              </a:rPr>
+              <a:t>.</a:t>
+            </a:r>
+          </a:p>
+          <a:p>
+            <a:pPr algn="l">
+              <a:buFont typeface="Arial" panose="020B0604020202020204" pitchFamily="34" charset="0"/>
+              <a:buChar char="•"/>
+            </a:pPr>
+            <a:r>
+              <a:rPr lang="ko-KR" altLang="en-US" b="0" i="0" dirty="0">
+                <a:solidFill>
+                  <a:srgbClr val="374151"/>
+                </a:solidFill>
+                <a:effectLst/>
+                <a:latin typeface="Söhne"/>
+              </a:rPr>
+              <a:t>확장성</a:t>
+            </a:r>
+            <a:r>
+              <a:rPr lang="en-US" altLang="ko-KR" b="0" i="0" dirty="0">
+                <a:solidFill>
+                  <a:srgbClr val="374151"/>
+                </a:solidFill>
+                <a:effectLst/>
+                <a:latin typeface="Söhne"/>
+              </a:rPr>
+              <a:t>: </a:t>
+            </a:r>
+            <a:r>
+              <a:rPr lang="ko-KR" altLang="en-US" b="0" i="0" dirty="0">
+                <a:solidFill>
+                  <a:srgbClr val="374151"/>
+                </a:solidFill>
+                <a:effectLst/>
+                <a:latin typeface="Söhne"/>
+              </a:rPr>
+              <a:t>데이터 구조를 쉽게 확장하고 수정할 수 있습니다</a:t>
+            </a:r>
+            <a:r>
+              <a:rPr lang="en-US" altLang="ko-KR" b="0" i="0" dirty="0">
+                <a:solidFill>
+                  <a:srgbClr val="374151"/>
+                </a:solidFill>
+                <a:effectLst/>
+                <a:latin typeface="Söhne"/>
+              </a:rPr>
+              <a:t>.</a:t>
+            </a:r>
+          </a:p>
+          <a:p>
+            <a:endParaRPr lang="ko-KR" altLang="en-US" dirty="0"/>
+          </a:p>
+        </p:txBody>
+      </p:sp>
+      <p:sp>
+        <p:nvSpPr>
+          <p:cNvPr id="4" name="슬라이드 번호 개체 틀 3"/>
+          <p:cNvSpPr>
+            <a:spLocks noGrp="1"/>
+          </p:cNvSpPr>
+          <p:nvPr>
+            <p:ph type="sldNum" sz="quarter" idx="5"/>
+          </p:nvPr>
+        </p:nvSpPr>
+        <p:spPr/>
+        <p:txBody>
+          <a:bodyPr/>
+          <a:lstStyle/>
+          <a:p>
+            <a:fld id="{F93199CD-3E1B-4AE6-990F-76F925F5EA9F}" type="slidenum">
+              <a:rPr lang="en-US" altLang="ko-KR" smtClean="0"/>
+              <a:t>9</a:t>
             </a:fld>
             <a:endParaRPr lang="en-US" altLang="ko-KR"/>
           </a:p>
@@ -2299,7 +2382,7 @@
           <a:p>
             <a:fld id="{03F41C87-7AD9-4845-A077-840E4A0F3F06}" type="datetimeFigureOut">
               <a:rPr lang="en-US"/>
-              <a:t>9/24/2023</a:t>
+              <a:t>9/25/2023</a:t>
             </a:fld>
             <a:endParaRPr/>
           </a:p>
@@ -2491,7 +2574,7 @@
           <a:p>
             <a:fld id="{03F41C87-7AD9-4845-A077-840E4A0F3F06}" type="datetimeFigureOut">
               <a:rPr lang="en-US"/>
-              <a:t>9/24/2023</a:t>
+              <a:t>9/25/2023</a:t>
             </a:fld>
             <a:endParaRPr/>
           </a:p>
@@ -2680,7 +2763,7 @@
           <a:p>
             <a:fld id="{03F41C87-7AD9-4845-A077-840E4A0F3F06}" type="datetimeFigureOut">
               <a:rPr lang="en-US"/>
-              <a:t>9/24/2023</a:t>
+              <a:t>9/25/2023</a:t>
             </a:fld>
             <a:endParaRPr/>
           </a:p>
@@ -2960,7 +3043,7 @@
           <a:p>
             <a:fld id="{03F41C87-7AD9-4845-A077-840E4A0F3F06}" type="datetimeFigureOut">
               <a:rPr lang="en-US"/>
-              <a:t>9/24/2023</a:t>
+              <a:t>9/25/2023</a:t>
             </a:fld>
             <a:endParaRPr/>
           </a:p>
@@ -3264,7 +3347,7 @@
           <a:p>
             <a:fld id="{03F41C87-7AD9-4845-A077-840E4A0F3F06}" type="datetimeFigureOut">
               <a:rPr lang="en-US"/>
-              <a:t>9/24/2023</a:t>
+              <a:t>9/25/2023</a:t>
             </a:fld>
             <a:endParaRPr/>
           </a:p>
@@ -3720,7 +3803,7 @@
           <a:p>
             <a:fld id="{03F41C87-7AD9-4845-A077-840E4A0F3F06}" type="datetimeFigureOut">
               <a:rPr lang="en-US"/>
-              <a:t>9/24/2023</a:t>
+              <a:t>9/25/2023</a:t>
             </a:fld>
             <a:endParaRPr/>
           </a:p>
@@ -3850,7 +3933,7 @@
           <a:p>
             <a:fld id="{03F41C87-7AD9-4845-A077-840E4A0F3F06}" type="datetimeFigureOut">
               <a:rPr lang="en-US"/>
-              <a:t>9/24/2023</a:t>
+              <a:t>9/25/2023</a:t>
             </a:fld>
             <a:endParaRPr/>
           </a:p>
@@ -3965,7 +4048,7 @@
           <a:p>
             <a:fld id="{03F41C87-7AD9-4845-A077-840E4A0F3F06}" type="datetimeFigureOut">
               <a:rPr lang="en-US"/>
-              <a:t>9/24/2023</a:t>
+              <a:t>9/25/2023</a:t>
             </a:fld>
             <a:endParaRPr/>
           </a:p>
@@ -4287,7 +4370,7 @@
           <a:p>
             <a:fld id="{03F41C87-7AD9-4845-A077-840E4A0F3F06}" type="datetimeFigureOut">
               <a:rPr lang="en-US"/>
-              <a:t>9/24/2023</a:t>
+              <a:t>9/25/2023</a:t>
             </a:fld>
             <a:endParaRPr/>
           </a:p>
@@ -4599,7 +4682,7 @@
             <a:fld id="{03F41C87-7AD9-4845-A077-840E4A0F3F06}" type="datetimeFigureOut">
               <a:rPr lang="en-US"/>
               <a:pPr/>
-              <a:t>9/24/2023</a:t>
+              <a:t>9/25/2023</a:t>
             </a:fld>
             <a:endParaRPr/>
           </a:p>
@@ -4853,7 +4936,7 @@
             <a:fld id="{03F41C87-7AD9-4845-A077-840E4A0F3F06}" type="datetimeFigureOut">
               <a:rPr lang="en-US" smtClean="0"/>
               <a:pPr/>
-              <a:t>9/24/2023</a:t>
+              <a:t>9/25/2023</a:t>
             </a:fld>
             <a:endParaRPr lang="en-US"/>
           </a:p>
@@ -5347,125 +5430,6 @@
 </p:sld>
 </file>
 
-<file path=ppt/slides/slide10.xml><?xml version="1.0" encoding="utf-8"?>
-<p:sld xmlns:a="http://schemas.openxmlformats.org/drawingml/2006/main" xmlns:r="http://schemas.openxmlformats.org/officeDocument/2006/relationships" xmlns:p="http://schemas.openxmlformats.org/presentationml/2006/main">
-  <p:cSld>
-    <p:spTree>
-      <p:nvGrpSpPr>
-        <p:cNvPr id="1" name=""/>
-        <p:cNvGrpSpPr/>
-        <p:nvPr/>
-      </p:nvGrpSpPr>
-      <p:grpSpPr>
-        <a:xfrm>
-          <a:off x="0" y="0"/>
-          <a:ext cx="0" cy="0"/>
-          <a:chOff x="0" y="0"/>
-          <a:chExt cx="0" cy="0"/>
-        </a:xfrm>
-      </p:grpSpPr>
-      <p:sp>
-        <p:nvSpPr>
-          <p:cNvPr id="2" name="Title 1">
-            <a:extLst>
-              <a:ext uri="{FF2B5EF4-FFF2-40B4-BE49-F238E27FC236}">
-                <a16:creationId xmlns:a16="http://schemas.microsoft.com/office/drawing/2014/main" id="{A7F5E160-4E42-4FCC-9B4E-9574CD651EEE}"/>
-              </a:ext>
-            </a:extLst>
-          </p:cNvPr>
-          <p:cNvSpPr>
-            <a:spLocks noGrp="1"/>
-          </p:cNvSpPr>
-          <p:nvPr>
-            <p:ph type="title"/>
-          </p:nvPr>
-        </p:nvSpPr>
-        <p:spPr>
-          <a:xfrm>
-            <a:off x="912812" y="228600"/>
-            <a:ext cx="9144001" cy="1371600"/>
-          </a:xfrm>
-        </p:spPr>
-        <p:txBody>
-          <a:bodyPr/>
-          <a:lstStyle/>
-          <a:p>
-            <a:r>
-              <a:rPr lang="en-US" dirty="0"/>
-              <a:t>Be cautious</a:t>
-            </a:r>
-          </a:p>
-        </p:txBody>
-      </p:sp>
-      <p:sp>
-        <p:nvSpPr>
-          <p:cNvPr id="3" name="Content Placeholder 2">
-            <a:extLst>
-              <a:ext uri="{FF2B5EF4-FFF2-40B4-BE49-F238E27FC236}">
-                <a16:creationId xmlns:a16="http://schemas.microsoft.com/office/drawing/2014/main" id="{AE76CEDF-7A2B-443E-BB9D-5A6E793670A8}"/>
-              </a:ext>
-            </a:extLst>
-          </p:cNvPr>
-          <p:cNvSpPr>
-            <a:spLocks noGrp="1"/>
-          </p:cNvSpPr>
-          <p:nvPr>
-            <p:ph idx="1"/>
-          </p:nvPr>
-        </p:nvSpPr>
-        <p:spPr>
-          <a:xfrm>
-            <a:off x="946602" y="1905000"/>
-            <a:ext cx="10177009" cy="4114801"/>
-          </a:xfrm>
-        </p:spPr>
-        <p:txBody>
-          <a:bodyPr>
-            <a:normAutofit/>
-          </a:bodyPr>
-          <a:lstStyle/>
-          <a:p>
-            <a:pPr marL="0" indent="0">
-              <a:buNone/>
-            </a:pPr>
-            <a:r>
-              <a:rPr lang="en-US" altLang="ko-KR" dirty="0"/>
-              <a:t>Immutability : The data doesn’t change nor reset the value. So use the data that the value doesn’t change throughout the game. (It’s not used for player character! )</a:t>
-            </a:r>
-          </a:p>
-          <a:p>
-            <a:pPr marL="0" indent="0">
-              <a:buNone/>
-            </a:pPr>
-            <a:endParaRPr lang="en-US" altLang="ko-KR" dirty="0"/>
-          </a:p>
-        </p:txBody>
-      </p:sp>
-    </p:spTree>
-    <p:extLst>
-      <p:ext uri="{BB962C8B-B14F-4D97-AF65-F5344CB8AC3E}">
-        <p14:creationId xmlns:p14="http://schemas.microsoft.com/office/powerpoint/2010/main" val="3516388140"/>
-      </p:ext>
-    </p:extLst>
-  </p:cSld>
-  <p:clrMapOvr>
-    <a:masterClrMapping/>
-  </p:clrMapOvr>
-  <mc:AlternateContent xmlns:mc="http://schemas.openxmlformats.org/markup-compatibility/2006">
-    <mc:Choice xmlns:p14="http://schemas.microsoft.com/office/powerpoint/2010/main" Requires="p14">
-      <p:transition spd="med" p14:dur="700">
-        <p:fade/>
-      </p:transition>
-    </mc:Choice>
-    <mc:Fallback>
-      <p:transition spd="med">
-        <p:fade/>
-      </p:transition>
-    </mc:Fallback>
-  </mc:AlternateContent>
-</p:sld>
-</file>
-
 <file path=ppt/slides/slide2.xml><?xml version="1.0" encoding="utf-8"?>
 <p:sld xmlns:a="http://schemas.openxmlformats.org/drawingml/2006/main" xmlns:r="http://schemas.openxmlformats.org/officeDocument/2006/relationships" xmlns:p="http://schemas.openxmlformats.org/presentationml/2006/main">
   <p:cSld>
@@ -5549,14 +5513,8 @@
             </a:pPr>
             <a:r>
               <a:rPr lang="en-US" dirty="0"/>
-              <a:t>Scriptable Object is a “Data Container” for large amount of data independent of class instance. </a:t>
-            </a:r>
-          </a:p>
-          <a:p>
-            <a:pPr marL="0" indent="0">
-              <a:buNone/>
-            </a:pPr>
-            <a:endParaRPr lang="en-US" dirty="0"/>
+              <a:t>Scriptable Object is a “Data Container” for large amount of data and manage them in one place</a:t>
+            </a:r>
           </a:p>
           <a:p>
             <a:pPr marL="0" indent="0">
@@ -5580,7 +5538,7 @@
         </p:nvSpPr>
         <p:spPr>
           <a:xfrm>
-            <a:off x="1865310" y="3433603"/>
+            <a:off x="2132012" y="3433603"/>
             <a:ext cx="2514600" cy="2438400"/>
           </a:xfrm>
           <a:prstGeom prst="roundRect">
@@ -5626,7 +5584,7 @@
         </p:nvSpPr>
         <p:spPr>
           <a:xfrm>
-            <a:off x="2170110" y="3662203"/>
+            <a:off x="2436812" y="3662203"/>
             <a:ext cx="1905000" cy="304800"/>
           </a:xfrm>
           <a:prstGeom prst="roundRect">
@@ -5690,7 +5648,7 @@
         </p:nvSpPr>
         <p:spPr>
           <a:xfrm>
-            <a:off x="2178239" y="4081304"/>
+            <a:off x="2444941" y="4081304"/>
             <a:ext cx="1905000" cy="304800"/>
           </a:xfrm>
           <a:prstGeom prst="roundRect">
@@ -5754,7 +5712,7 @@
         </p:nvSpPr>
         <p:spPr>
           <a:xfrm>
-            <a:off x="2178239" y="2976403"/>
+            <a:off x="2444941" y="2976403"/>
             <a:ext cx="1905000" cy="304800"/>
           </a:xfrm>
           <a:prstGeom prst="roundRect">
@@ -5823,7 +5781,7 @@
         </p:nvSpPr>
         <p:spPr>
           <a:xfrm>
-            <a:off x="2170110" y="4495928"/>
+            <a:off x="2436812" y="4495928"/>
             <a:ext cx="1905000" cy="304800"/>
           </a:xfrm>
           <a:prstGeom prst="roundRect">
@@ -5887,7 +5845,7 @@
         </p:nvSpPr>
         <p:spPr>
           <a:xfrm>
-            <a:off x="2187956" y="4910552"/>
+            <a:off x="2454658" y="4910552"/>
             <a:ext cx="1905000" cy="304800"/>
           </a:xfrm>
           <a:prstGeom prst="roundRect">
@@ -5951,7 +5909,7 @@
         </p:nvSpPr>
         <p:spPr>
           <a:xfrm>
-            <a:off x="2188414" y="5325176"/>
+            <a:off x="2455116" y="5325176"/>
             <a:ext cx="1905000" cy="304800"/>
           </a:xfrm>
           <a:prstGeom prst="roundRect">
@@ -6015,7 +5973,7 @@
         </p:nvSpPr>
         <p:spPr>
           <a:xfrm>
-            <a:off x="7542212" y="3429000"/>
+            <a:off x="7389812" y="3429000"/>
             <a:ext cx="2514600" cy="2438400"/>
           </a:xfrm>
           <a:prstGeom prst="roundRect">
@@ -6061,7 +6019,7 @@
         </p:nvSpPr>
         <p:spPr>
           <a:xfrm>
-            <a:off x="7847012" y="3657600"/>
+            <a:off x="7694612" y="3657600"/>
             <a:ext cx="1905000" cy="304800"/>
           </a:xfrm>
           <a:prstGeom prst="roundRect">
@@ -6125,7 +6083,7 @@
         </p:nvSpPr>
         <p:spPr>
           <a:xfrm>
-            <a:off x="7855141" y="4076701"/>
+            <a:off x="7702741" y="4076701"/>
             <a:ext cx="1905000" cy="304800"/>
           </a:xfrm>
           <a:prstGeom prst="roundRect">
@@ -6189,7 +6147,7 @@
         </p:nvSpPr>
         <p:spPr>
           <a:xfrm>
-            <a:off x="7855141" y="2971800"/>
+            <a:off x="7702741" y="2971800"/>
             <a:ext cx="1905000" cy="304800"/>
           </a:xfrm>
           <a:prstGeom prst="roundRect">
@@ -6257,7 +6215,7 @@
         </p:nvSpPr>
         <p:spPr>
           <a:xfrm>
-            <a:off x="7847012" y="4491325"/>
+            <a:off x="7694612" y="4491325"/>
             <a:ext cx="1905000" cy="304800"/>
           </a:xfrm>
           <a:prstGeom prst="roundRect">
@@ -6321,7 +6279,7 @@
         </p:nvSpPr>
         <p:spPr>
           <a:xfrm>
-            <a:off x="7864858" y="4905949"/>
+            <a:off x="7712458" y="4905949"/>
             <a:ext cx="1905000" cy="304800"/>
           </a:xfrm>
           <a:prstGeom prst="roundRect">
@@ -6385,7 +6343,7 @@
         </p:nvSpPr>
         <p:spPr>
           <a:xfrm>
-            <a:off x="7865316" y="5320573"/>
+            <a:off x="7712916" y="5320573"/>
             <a:ext cx="1905000" cy="304800"/>
           </a:xfrm>
           <a:prstGeom prst="roundRect">
@@ -7635,7 +7593,7 @@
           <p:nvPr/>
         </p:nvPicPr>
         <p:blipFill>
-          <a:blip r:embed="rId2"/>
+          <a:blip r:embed="rId3"/>
           <a:stretch>
             <a:fillRect/>
           </a:stretch>
@@ -8166,7 +8124,7 @@
           <a:p>
             <a:r>
               <a:rPr lang="en-US" dirty="0"/>
-              <a:t>Example of Scriptable Object Usage</a:t>
+              <a:t>Scriptable Object vs JSON</a:t>
             </a:r>
           </a:p>
         </p:txBody>
@@ -8189,8 +8147,8 @@
         </p:nvSpPr>
         <p:spPr>
           <a:xfrm>
-            <a:off x="8380412" y="1828800"/>
-            <a:ext cx="3200400" cy="4114801"/>
+            <a:off x="946602" y="1905000"/>
+            <a:ext cx="3700009" cy="4114801"/>
           </a:xfrm>
         </p:spPr>
         <p:txBody>
@@ -8204,45 +8162,327 @@
             </a:pPr>
             <a:r>
               <a:rPr lang="en-US" dirty="0"/>
-              <a:t>When interact, create the food item.</a:t>
-            </a:r>
-          </a:p>
-        </p:txBody>
-      </p:sp>
-      <p:pic>
-        <p:nvPicPr>
-          <p:cNvPr id="7" name="그림 6">
+              <a:t>Scriptable Object</a:t>
+            </a:r>
+          </a:p>
+          <a:p>
+            <a:pPr marL="0" indent="0">
+              <a:buNone/>
+            </a:pPr>
+            <a:r>
+              <a:rPr lang="en-US" dirty="0"/>
+              <a:t>- Flexible to use </a:t>
+            </a:r>
+          </a:p>
+          <a:p>
+            <a:pPr marL="0" indent="0">
+              <a:buNone/>
+            </a:pPr>
+            <a:r>
+              <a:rPr lang="en-US" altLang="ko-KR" dirty="0"/>
+              <a:t>- Support all datatypes in C# and Unity</a:t>
+            </a:r>
+          </a:p>
+          <a:p>
+            <a:pPr marL="0" indent="0">
+              <a:buNone/>
+            </a:pPr>
+            <a:endParaRPr lang="en-US" dirty="0"/>
+          </a:p>
+        </p:txBody>
+      </p:sp>
+      <p:sp>
+        <p:nvSpPr>
+          <p:cNvPr id="4" name="Content Placeholder 2">
             <a:extLst>
               <a:ext uri="{FF2B5EF4-FFF2-40B4-BE49-F238E27FC236}">
-                <a16:creationId xmlns:a16="http://schemas.microsoft.com/office/drawing/2014/main" id="{47A4337D-2645-CFBF-FF03-CAABEAD36CF5}"/>
+                <a16:creationId xmlns:a16="http://schemas.microsoft.com/office/drawing/2014/main" id="{C6BD65BD-48C6-5CFF-2A1F-304B3989A4EC}"/>
               </a:ext>
             </a:extLst>
           </p:cNvPr>
-          <p:cNvPicPr>
-            <a:picLocks noChangeAspect="1"/>
-          </p:cNvPicPr>
+          <p:cNvSpPr txBox="1">
+            <a:spLocks/>
+          </p:cNvSpPr>
           <p:nvPr/>
-        </p:nvPicPr>
-        <p:blipFill>
-          <a:blip r:embed="rId2"/>
-          <a:stretch>
-            <a:fillRect/>
-          </a:stretch>
-        </p:blipFill>
+        </p:nvSpPr>
         <p:spPr>
           <a:xfrm>
-            <a:off x="949002" y="1762246"/>
-            <a:ext cx="7236056" cy="4438796"/>
+            <a:off x="5513160" y="1905000"/>
+            <a:ext cx="3476852" cy="4114801"/>
           </a:xfrm>
           <a:prstGeom prst="rect">
             <a:avLst/>
           </a:prstGeom>
         </p:spPr>
-      </p:pic>
+        <p:txBody>
+          <a:bodyPr vert="horz" lIns="91440" tIns="45720" rIns="91440" bIns="45720" rtlCol="0">
+            <a:normAutofit/>
+          </a:bodyPr>
+          <a:lstStyle>
+            <a:lvl1pPr marL="223838" indent="-223838" algn="l" defTabSz="914400" rtl="0" eaLnBrk="1" latinLnBrk="0" hangingPunct="1">
+              <a:lnSpc>
+                <a:spcPct val="90000"/>
+              </a:lnSpc>
+              <a:spcBef>
+                <a:spcPts val="1800"/>
+              </a:spcBef>
+              <a:buClr>
+                <a:schemeClr val="accent1"/>
+              </a:buClr>
+              <a:buSzPct val="100000"/>
+              <a:buFont typeface="Arial" pitchFamily="34" charset="0"/>
+              <a:buChar char="•"/>
+              <a:defRPr sz="2400" kern="1200">
+                <a:solidFill>
+                  <a:schemeClr val="tx1"/>
+                </a:solidFill>
+                <a:latin typeface="+mn-lt"/>
+                <a:ea typeface="+mn-ea"/>
+                <a:cs typeface="+mn-cs"/>
+              </a:defRPr>
+            </a:lvl1pPr>
+            <a:lvl2pPr marL="463550" indent="-231775" algn="l" defTabSz="914400" rtl="0" eaLnBrk="1" latinLnBrk="0" hangingPunct="1">
+              <a:lnSpc>
+                <a:spcPct val="90000"/>
+              </a:lnSpc>
+              <a:spcBef>
+                <a:spcPts val="1200"/>
+              </a:spcBef>
+              <a:buClr>
+                <a:schemeClr val="accent1"/>
+              </a:buClr>
+              <a:buSzPct val="100000"/>
+              <a:buFont typeface="Arial" pitchFamily="34" charset="0"/>
+              <a:buChar char="•"/>
+              <a:defRPr sz="2000" kern="1200">
+                <a:solidFill>
+                  <a:schemeClr val="tx1"/>
+                </a:solidFill>
+                <a:latin typeface="+mn-lt"/>
+                <a:ea typeface="+mn-ea"/>
+                <a:cs typeface="+mn-cs"/>
+              </a:defRPr>
+            </a:lvl2pPr>
+            <a:lvl3pPr marL="682625" indent="-219075" algn="l" defTabSz="914400" rtl="0" eaLnBrk="1" latinLnBrk="0" hangingPunct="1">
+              <a:lnSpc>
+                <a:spcPct val="90000"/>
+              </a:lnSpc>
+              <a:spcBef>
+                <a:spcPts val="600"/>
+              </a:spcBef>
+              <a:buClr>
+                <a:schemeClr val="accent1"/>
+              </a:buClr>
+              <a:buSzPct val="100000"/>
+              <a:buFont typeface="Arial" pitchFamily="34" charset="0"/>
+              <a:buChar char="•"/>
+              <a:defRPr sz="1800" kern="1200">
+                <a:solidFill>
+                  <a:schemeClr val="tx1"/>
+                </a:solidFill>
+                <a:latin typeface="+mn-lt"/>
+                <a:ea typeface="+mn-ea"/>
+                <a:cs typeface="+mn-cs"/>
+              </a:defRPr>
+            </a:lvl3pPr>
+            <a:lvl4pPr marL="857250" indent="-174625" algn="l" defTabSz="914400" rtl="0" eaLnBrk="1" latinLnBrk="0" hangingPunct="1">
+              <a:lnSpc>
+                <a:spcPct val="90000"/>
+              </a:lnSpc>
+              <a:spcBef>
+                <a:spcPts val="600"/>
+              </a:spcBef>
+              <a:buClr>
+                <a:schemeClr val="accent1"/>
+              </a:buClr>
+              <a:buSzPct val="100000"/>
+              <a:buFont typeface="Arial" pitchFamily="34" charset="0"/>
+              <a:buChar char="•"/>
+              <a:defRPr sz="1600" kern="1200">
+                <a:solidFill>
+                  <a:schemeClr val="tx1"/>
+                </a:solidFill>
+                <a:latin typeface="+mn-lt"/>
+                <a:ea typeface="+mn-ea"/>
+                <a:cs typeface="+mn-cs"/>
+              </a:defRPr>
+            </a:lvl4pPr>
+            <a:lvl5pPr marL="1030288" indent="-173038" algn="l" defTabSz="914400" rtl="0" eaLnBrk="1" latinLnBrk="0" hangingPunct="1">
+              <a:lnSpc>
+                <a:spcPct val="90000"/>
+              </a:lnSpc>
+              <a:spcBef>
+                <a:spcPts val="600"/>
+              </a:spcBef>
+              <a:buClr>
+                <a:schemeClr val="accent1"/>
+              </a:buClr>
+              <a:buSzPct val="100000"/>
+              <a:buFont typeface="Arial" pitchFamily="34" charset="0"/>
+              <a:buChar char="•"/>
+              <a:defRPr sz="1600" kern="1200">
+                <a:solidFill>
+                  <a:schemeClr val="tx1"/>
+                </a:solidFill>
+                <a:latin typeface="+mn-lt"/>
+                <a:ea typeface="+mn-ea"/>
+                <a:cs typeface="+mn-cs"/>
+              </a:defRPr>
+            </a:lvl5pPr>
+            <a:lvl6pPr marL="1207008" indent="-173736" algn="l" defTabSz="914400" rtl="0" eaLnBrk="1" latinLnBrk="0" hangingPunct="1">
+              <a:spcBef>
+                <a:spcPts val="600"/>
+              </a:spcBef>
+              <a:buClr>
+                <a:schemeClr val="accent1"/>
+              </a:buClr>
+              <a:buFont typeface="Arial" pitchFamily="34" charset="0"/>
+              <a:buChar char="•"/>
+              <a:defRPr sz="1600" kern="1200">
+                <a:solidFill>
+                  <a:schemeClr val="tx1"/>
+                </a:solidFill>
+                <a:latin typeface="+mn-lt"/>
+                <a:ea typeface="+mn-ea"/>
+                <a:cs typeface="+mn-cs"/>
+              </a:defRPr>
+            </a:lvl6pPr>
+            <a:lvl7pPr marL="1380744" indent="-173736" algn="l" defTabSz="914400" rtl="0" eaLnBrk="1" latinLnBrk="0" hangingPunct="1">
+              <a:spcBef>
+                <a:spcPts val="600"/>
+              </a:spcBef>
+              <a:buClr>
+                <a:schemeClr val="accent1"/>
+              </a:buClr>
+              <a:buFont typeface="Arial" pitchFamily="34" charset="0"/>
+              <a:buChar char="•"/>
+              <a:defRPr sz="1600" kern="1200">
+                <a:solidFill>
+                  <a:schemeClr val="tx1"/>
+                </a:solidFill>
+                <a:latin typeface="+mn-lt"/>
+                <a:ea typeface="+mn-ea"/>
+                <a:cs typeface="+mn-cs"/>
+              </a:defRPr>
+            </a:lvl7pPr>
+            <a:lvl8pPr marL="1554480" indent="-173736" algn="l" defTabSz="914400" rtl="0" eaLnBrk="1" latinLnBrk="0" hangingPunct="1">
+              <a:spcBef>
+                <a:spcPts val="600"/>
+              </a:spcBef>
+              <a:buClr>
+                <a:schemeClr val="accent1"/>
+              </a:buClr>
+              <a:buFont typeface="Arial" pitchFamily="34" charset="0"/>
+              <a:buChar char="•"/>
+              <a:defRPr sz="1600" kern="1200">
+                <a:solidFill>
+                  <a:schemeClr val="tx1"/>
+                </a:solidFill>
+                <a:latin typeface="+mn-lt"/>
+                <a:ea typeface="+mn-ea"/>
+                <a:cs typeface="+mn-cs"/>
+              </a:defRPr>
+            </a:lvl8pPr>
+            <a:lvl9pPr marL="1728216" indent="-173736" algn="l" defTabSz="914400" rtl="0" eaLnBrk="1" latinLnBrk="0" hangingPunct="1">
+              <a:spcBef>
+                <a:spcPts val="600"/>
+              </a:spcBef>
+              <a:buClr>
+                <a:schemeClr val="accent1"/>
+              </a:buClr>
+              <a:buFont typeface="Arial" pitchFamily="34" charset="0"/>
+              <a:buChar char="•"/>
+              <a:defRPr sz="1600" kern="1200">
+                <a:solidFill>
+                  <a:schemeClr val="tx1"/>
+                </a:solidFill>
+                <a:latin typeface="+mn-lt"/>
+                <a:ea typeface="+mn-ea"/>
+                <a:cs typeface="+mn-cs"/>
+              </a:defRPr>
+            </a:lvl9pPr>
+          </a:lstStyle>
+          <a:p>
+            <a:pPr marL="0" indent="0">
+              <a:buFont typeface="Arial" pitchFamily="34" charset="0"/>
+              <a:buNone/>
+            </a:pPr>
+            <a:r>
+              <a:rPr lang="en-US" altLang="ko-KR" dirty="0"/>
+              <a:t>JSON</a:t>
+            </a:r>
+          </a:p>
+          <a:p>
+            <a:pPr marL="0" indent="0">
+              <a:buFont typeface="Arial" pitchFamily="34" charset="0"/>
+              <a:buNone/>
+            </a:pPr>
+            <a:r>
+              <a:rPr lang="en-US" altLang="ko-KR" dirty="0"/>
+              <a:t>- Text Based</a:t>
+            </a:r>
+          </a:p>
+          <a:p>
+            <a:pPr marL="0" indent="0">
+              <a:buFont typeface="Arial" pitchFamily="34" charset="0"/>
+              <a:buNone/>
+            </a:pPr>
+            <a:r>
+              <a:rPr lang="en-US" dirty="0"/>
+              <a:t>- Useful for Save &amp; Load</a:t>
+            </a:r>
+            <a:endParaRPr lang="en-US" altLang="ko-KR" dirty="0"/>
+          </a:p>
+          <a:p>
+            <a:pPr marL="0" indent="0">
+              <a:buFont typeface="Arial" pitchFamily="34" charset="0"/>
+              <a:buNone/>
+            </a:pPr>
+            <a:r>
+              <a:rPr lang="en-US" altLang="ko-KR" dirty="0"/>
+              <a:t>- Useful for large projects</a:t>
+            </a:r>
+            <a:r>
+              <a:rPr lang="ko-KR" altLang="en-US" dirty="0"/>
+              <a:t> </a:t>
+            </a:r>
+            <a:endParaRPr lang="en-US" altLang="ko-KR" dirty="0"/>
+          </a:p>
+          <a:p>
+            <a:pPr marL="0" indent="0">
+              <a:buFont typeface="Arial" pitchFamily="34" charset="0"/>
+              <a:buNone/>
+            </a:pPr>
+            <a:r>
+              <a:rPr lang="en-US" dirty="0"/>
+              <a:t>- Manage data in excel</a:t>
+            </a:r>
+          </a:p>
+          <a:p>
+            <a:pPr marL="0" indent="0">
+              <a:buNone/>
+            </a:pPr>
+            <a:r>
+              <a:rPr lang="en-US" altLang="ko-KR" dirty="0"/>
+              <a:t>- Support basic datatypes</a:t>
+            </a:r>
+          </a:p>
+          <a:p>
+            <a:pPr marL="0" indent="0">
+              <a:buFont typeface="Arial" pitchFamily="34" charset="0"/>
+              <a:buNone/>
+            </a:pPr>
+            <a:r>
+              <a:rPr lang="en-US" dirty="0"/>
+              <a:t> </a:t>
+            </a:r>
+          </a:p>
+        </p:txBody>
+      </p:sp>
     </p:spTree>
     <p:extLst>
       <p:ext uri="{BB962C8B-B14F-4D97-AF65-F5344CB8AC3E}">
-        <p14:creationId xmlns:p14="http://schemas.microsoft.com/office/powerpoint/2010/main" val="1458716332"/>
+        <p14:creationId xmlns:p14="http://schemas.microsoft.com/office/powerpoint/2010/main" val="2193125552"/>
       </p:ext>
     </p:extLst>
   </p:cSld>
@@ -8789,13 +9029,13 @@
   <p:clrMapOvr>
     <a:masterClrMapping/>
   </p:clrMapOvr>
-  <mc:AlternateContent xmlns:mc="http://schemas.openxmlformats.org/markup-compatibility/2006">
-    <mc:Choice xmlns:p14="http://schemas.microsoft.com/office/powerpoint/2010/main" Requires="p14">
+  <mc:AlternateContent xmlns:mc="http://schemas.openxmlformats.org/markup-compatibility/2006" xmlns:p14="http://schemas.microsoft.com/office/powerpoint/2010/main">
+    <mc:Choice Requires="p14">
       <p:transition spd="med" p14:dur="700">
         <p:fade/>
       </p:transition>
     </mc:Choice>
-    <mc:Fallback>
+    <mc:Fallback xmlns="">
       <p:transition spd="med">
         <p:fade/>
       </p:transition>
@@ -8849,7 +9089,7 @@
           <a:p>
             <a:r>
               <a:rPr lang="en-US" dirty="0"/>
-              <a:t>Scriptable Object vs JSON</a:t>
+              <a:t>Pros</a:t>
             </a:r>
           </a:p>
         </p:txBody>
@@ -8873,7 +9113,7 @@
         <p:spPr>
           <a:xfrm>
             <a:off x="946602" y="1905000"/>
-            <a:ext cx="3700009" cy="4114801"/>
+            <a:ext cx="10177009" cy="4114801"/>
           </a:xfrm>
         </p:spPr>
         <p:txBody>
@@ -8886,8 +9126,8 @@
               <a:buNone/>
             </a:pPr>
             <a:r>
-              <a:rPr lang="en-US" dirty="0"/>
-              <a:t>Scriptable Object</a:t>
+              <a:rPr lang="en-US" altLang="ko-KR" dirty="0"/>
+              <a:t>Event Handling : Make it easy to work with events happening in some conditions. Easy to track changes.</a:t>
             </a:r>
           </a:p>
           <a:p>
@@ -8895,8 +9135,8 @@
               <a:buNone/>
             </a:pPr>
             <a:r>
-              <a:rPr lang="en-US" dirty="0"/>
-              <a:t>- Support all datatypes in C# and Unity</a:t>
+              <a:rPr lang="en-US" altLang="ko-KR" dirty="0"/>
+              <a:t>Memory Efficiency : Scriptable Object don’t need to be attached to Game Object. It reference the memory rather than copying which reduce overhead. </a:t>
             </a:r>
           </a:p>
           <a:p>
@@ -8904,295 +9144,22 @@
               <a:buNone/>
             </a:pPr>
             <a:r>
-              <a:rPr lang="en-US" dirty="0"/>
-              <a:t>- Flexible to use </a:t>
-            </a:r>
-          </a:p>
-        </p:txBody>
-      </p:sp>
-      <p:sp>
-        <p:nvSpPr>
-          <p:cNvPr id="4" name="Content Placeholder 2">
-            <a:extLst>
-              <a:ext uri="{FF2B5EF4-FFF2-40B4-BE49-F238E27FC236}">
-                <a16:creationId xmlns:a16="http://schemas.microsoft.com/office/drawing/2014/main" id="{C6BD65BD-48C6-5CFF-2A1F-304B3989A4EC}"/>
-              </a:ext>
-            </a:extLst>
-          </p:cNvPr>
-          <p:cNvSpPr txBox="1">
-            <a:spLocks/>
-          </p:cNvSpPr>
-          <p:nvPr/>
-        </p:nvSpPr>
-        <p:spPr>
-          <a:xfrm>
-            <a:off x="5513160" y="1905000"/>
-            <a:ext cx="3476852" cy="4114801"/>
-          </a:xfrm>
-          <a:prstGeom prst="rect">
-            <a:avLst/>
-          </a:prstGeom>
-        </p:spPr>
-        <p:txBody>
-          <a:bodyPr vert="horz" lIns="91440" tIns="45720" rIns="91440" bIns="45720" rtlCol="0">
-            <a:normAutofit/>
-          </a:bodyPr>
-          <a:lstStyle>
-            <a:lvl1pPr marL="223838" indent="-223838" algn="l" defTabSz="914400" rtl="0" eaLnBrk="1" latinLnBrk="0" hangingPunct="1">
-              <a:lnSpc>
-                <a:spcPct val="90000"/>
-              </a:lnSpc>
-              <a:spcBef>
-                <a:spcPts val="1800"/>
-              </a:spcBef>
-              <a:buClr>
-                <a:schemeClr val="accent1"/>
-              </a:buClr>
-              <a:buSzPct val="100000"/>
-              <a:buFont typeface="Arial" pitchFamily="34" charset="0"/>
-              <a:buChar char="•"/>
-              <a:defRPr sz="2400" kern="1200">
-                <a:solidFill>
-                  <a:schemeClr val="tx1"/>
-                </a:solidFill>
-                <a:latin typeface="+mn-lt"/>
-                <a:ea typeface="+mn-ea"/>
-                <a:cs typeface="+mn-cs"/>
-              </a:defRPr>
-            </a:lvl1pPr>
-            <a:lvl2pPr marL="463550" indent="-231775" algn="l" defTabSz="914400" rtl="0" eaLnBrk="1" latinLnBrk="0" hangingPunct="1">
-              <a:lnSpc>
-                <a:spcPct val="90000"/>
-              </a:lnSpc>
-              <a:spcBef>
-                <a:spcPts val="1200"/>
-              </a:spcBef>
-              <a:buClr>
-                <a:schemeClr val="accent1"/>
-              </a:buClr>
-              <a:buSzPct val="100000"/>
-              <a:buFont typeface="Arial" pitchFamily="34" charset="0"/>
-              <a:buChar char="•"/>
-              <a:defRPr sz="2000" kern="1200">
-                <a:solidFill>
-                  <a:schemeClr val="tx1"/>
-                </a:solidFill>
-                <a:latin typeface="+mn-lt"/>
-                <a:ea typeface="+mn-ea"/>
-                <a:cs typeface="+mn-cs"/>
-              </a:defRPr>
-            </a:lvl2pPr>
-            <a:lvl3pPr marL="682625" indent="-219075" algn="l" defTabSz="914400" rtl="0" eaLnBrk="1" latinLnBrk="0" hangingPunct="1">
-              <a:lnSpc>
-                <a:spcPct val="90000"/>
-              </a:lnSpc>
-              <a:spcBef>
-                <a:spcPts val="600"/>
-              </a:spcBef>
-              <a:buClr>
-                <a:schemeClr val="accent1"/>
-              </a:buClr>
-              <a:buSzPct val="100000"/>
-              <a:buFont typeface="Arial" pitchFamily="34" charset="0"/>
-              <a:buChar char="•"/>
-              <a:defRPr sz="1800" kern="1200">
-                <a:solidFill>
-                  <a:schemeClr val="tx1"/>
-                </a:solidFill>
-                <a:latin typeface="+mn-lt"/>
-                <a:ea typeface="+mn-ea"/>
-                <a:cs typeface="+mn-cs"/>
-              </a:defRPr>
-            </a:lvl3pPr>
-            <a:lvl4pPr marL="857250" indent="-174625" algn="l" defTabSz="914400" rtl="0" eaLnBrk="1" latinLnBrk="0" hangingPunct="1">
-              <a:lnSpc>
-                <a:spcPct val="90000"/>
-              </a:lnSpc>
-              <a:spcBef>
-                <a:spcPts val="600"/>
-              </a:spcBef>
-              <a:buClr>
-                <a:schemeClr val="accent1"/>
-              </a:buClr>
-              <a:buSzPct val="100000"/>
-              <a:buFont typeface="Arial" pitchFamily="34" charset="0"/>
-              <a:buChar char="•"/>
-              <a:defRPr sz="1600" kern="1200">
-                <a:solidFill>
-                  <a:schemeClr val="tx1"/>
-                </a:solidFill>
-                <a:latin typeface="+mn-lt"/>
-                <a:ea typeface="+mn-ea"/>
-                <a:cs typeface="+mn-cs"/>
-              </a:defRPr>
-            </a:lvl4pPr>
-            <a:lvl5pPr marL="1030288" indent="-173038" algn="l" defTabSz="914400" rtl="0" eaLnBrk="1" latinLnBrk="0" hangingPunct="1">
-              <a:lnSpc>
-                <a:spcPct val="90000"/>
-              </a:lnSpc>
-              <a:spcBef>
-                <a:spcPts val="600"/>
-              </a:spcBef>
-              <a:buClr>
-                <a:schemeClr val="accent1"/>
-              </a:buClr>
-              <a:buSzPct val="100000"/>
-              <a:buFont typeface="Arial" pitchFamily="34" charset="0"/>
-              <a:buChar char="•"/>
-              <a:defRPr sz="1600" kern="1200">
-                <a:solidFill>
-                  <a:schemeClr val="tx1"/>
-                </a:solidFill>
-                <a:latin typeface="+mn-lt"/>
-                <a:ea typeface="+mn-ea"/>
-                <a:cs typeface="+mn-cs"/>
-              </a:defRPr>
-            </a:lvl5pPr>
-            <a:lvl6pPr marL="1207008" indent="-173736" algn="l" defTabSz="914400" rtl="0" eaLnBrk="1" latinLnBrk="0" hangingPunct="1">
-              <a:spcBef>
-                <a:spcPts val="600"/>
-              </a:spcBef>
-              <a:buClr>
-                <a:schemeClr val="accent1"/>
-              </a:buClr>
-              <a:buFont typeface="Arial" pitchFamily="34" charset="0"/>
-              <a:buChar char="•"/>
-              <a:defRPr sz="1600" kern="1200">
-                <a:solidFill>
-                  <a:schemeClr val="tx1"/>
-                </a:solidFill>
-                <a:latin typeface="+mn-lt"/>
-                <a:ea typeface="+mn-ea"/>
-                <a:cs typeface="+mn-cs"/>
-              </a:defRPr>
-            </a:lvl6pPr>
-            <a:lvl7pPr marL="1380744" indent="-173736" algn="l" defTabSz="914400" rtl="0" eaLnBrk="1" latinLnBrk="0" hangingPunct="1">
-              <a:spcBef>
-                <a:spcPts val="600"/>
-              </a:spcBef>
-              <a:buClr>
-                <a:schemeClr val="accent1"/>
-              </a:buClr>
-              <a:buFont typeface="Arial" pitchFamily="34" charset="0"/>
-              <a:buChar char="•"/>
-              <a:defRPr sz="1600" kern="1200">
-                <a:solidFill>
-                  <a:schemeClr val="tx1"/>
-                </a:solidFill>
-                <a:latin typeface="+mn-lt"/>
-                <a:ea typeface="+mn-ea"/>
-                <a:cs typeface="+mn-cs"/>
-              </a:defRPr>
-            </a:lvl7pPr>
-            <a:lvl8pPr marL="1554480" indent="-173736" algn="l" defTabSz="914400" rtl="0" eaLnBrk="1" latinLnBrk="0" hangingPunct="1">
-              <a:spcBef>
-                <a:spcPts val="600"/>
-              </a:spcBef>
-              <a:buClr>
-                <a:schemeClr val="accent1"/>
-              </a:buClr>
-              <a:buFont typeface="Arial" pitchFamily="34" charset="0"/>
-              <a:buChar char="•"/>
-              <a:defRPr sz="1600" kern="1200">
-                <a:solidFill>
-                  <a:schemeClr val="tx1"/>
-                </a:solidFill>
-                <a:latin typeface="+mn-lt"/>
-                <a:ea typeface="+mn-ea"/>
-                <a:cs typeface="+mn-cs"/>
-              </a:defRPr>
-            </a:lvl8pPr>
-            <a:lvl9pPr marL="1728216" indent="-173736" algn="l" defTabSz="914400" rtl="0" eaLnBrk="1" latinLnBrk="0" hangingPunct="1">
-              <a:spcBef>
-                <a:spcPts val="600"/>
-              </a:spcBef>
-              <a:buClr>
-                <a:schemeClr val="accent1"/>
-              </a:buClr>
-              <a:buFont typeface="Arial" pitchFamily="34" charset="0"/>
-              <a:buChar char="•"/>
-              <a:defRPr sz="1600" kern="1200">
-                <a:solidFill>
-                  <a:schemeClr val="tx1"/>
-                </a:solidFill>
-                <a:latin typeface="+mn-lt"/>
-                <a:ea typeface="+mn-ea"/>
-                <a:cs typeface="+mn-cs"/>
-              </a:defRPr>
-            </a:lvl9pPr>
-          </a:lstStyle>
+              <a:rPr lang="en-US" altLang="ko-KR" dirty="0"/>
+              <a:t>Immutability : The data doesn’t change nor reset the value.</a:t>
+            </a:r>
+          </a:p>
           <a:p>
             <a:pPr marL="0" indent="0">
-              <a:buFont typeface="Arial" pitchFamily="34" charset="0"/>
               <a:buNone/>
             </a:pPr>
-            <a:r>
-              <a:rPr lang="en-US" altLang="ko-KR" dirty="0"/>
-              <a:t>JSON</a:t>
-            </a:r>
-          </a:p>
-          <a:p>
-            <a:pPr marL="0" indent="0">
-              <a:buFont typeface="Arial" pitchFamily="34" charset="0"/>
-              <a:buNone/>
-            </a:pPr>
-            <a:r>
-              <a:rPr lang="en-US" altLang="ko-KR" dirty="0"/>
-              <a:t>- Support basic datatypes</a:t>
-            </a:r>
-          </a:p>
-          <a:p>
-            <a:pPr marL="0" indent="0">
-              <a:buFont typeface="Arial" pitchFamily="34" charset="0"/>
-              <a:buNone/>
-            </a:pPr>
-            <a:r>
-              <a:rPr lang="en-US" altLang="ko-KR" dirty="0"/>
-              <a:t>- Text Based</a:t>
-            </a:r>
-          </a:p>
-          <a:p>
-            <a:pPr marL="0" indent="0">
-              <a:buFont typeface="Arial" pitchFamily="34" charset="0"/>
-              <a:buNone/>
-            </a:pPr>
-            <a:r>
-              <a:rPr lang="en-US" dirty="0"/>
-              <a:t>- Useful for Save &amp; Load</a:t>
-            </a:r>
             <a:endParaRPr lang="en-US" altLang="ko-KR" dirty="0"/>
-          </a:p>
-          <a:p>
-            <a:pPr marL="0" indent="0">
-              <a:buFont typeface="Arial" pitchFamily="34" charset="0"/>
-              <a:buNone/>
-            </a:pPr>
-            <a:r>
-              <a:rPr lang="en-US" altLang="ko-KR" dirty="0"/>
-              <a:t>- Useful for large projects</a:t>
-            </a:r>
-            <a:r>
-              <a:rPr lang="ko-KR" altLang="en-US" dirty="0"/>
-              <a:t> </a:t>
-            </a:r>
-            <a:endParaRPr lang="en-US" altLang="ko-KR" dirty="0"/>
-          </a:p>
-          <a:p>
-            <a:pPr marL="0" indent="0">
-              <a:buFont typeface="Arial" pitchFamily="34" charset="0"/>
-              <a:buNone/>
-            </a:pPr>
-            <a:r>
-              <a:rPr lang="en-US" dirty="0"/>
-              <a:t>- Manage data in excel </a:t>
-            </a:r>
           </a:p>
         </p:txBody>
       </p:sp>
     </p:spTree>
     <p:extLst>
       <p:ext uri="{BB962C8B-B14F-4D97-AF65-F5344CB8AC3E}">
-        <p14:creationId xmlns:p14="http://schemas.microsoft.com/office/powerpoint/2010/main" val="2193125552"/>
+        <p14:creationId xmlns:p14="http://schemas.microsoft.com/office/powerpoint/2010/main" val="4104786626"/>
       </p:ext>
     </p:extLst>
   </p:cSld>
@@ -9259,7 +9226,7 @@
           <a:p>
             <a:r>
               <a:rPr lang="en-US" dirty="0"/>
-              <a:t>Pros</a:t>
+              <a:t>Be cautious</a:t>
             </a:r>
           </a:p>
         </p:txBody>
@@ -9297,25 +9264,7 @@
             </a:pPr>
             <a:r>
               <a:rPr lang="en-US" altLang="ko-KR" dirty="0"/>
-              <a:t>Event Handling : Make it easy to work with events happening in some conditions. Easy to track changes.</a:t>
-            </a:r>
-          </a:p>
-          <a:p>
-            <a:pPr marL="0" indent="0">
-              <a:buNone/>
-            </a:pPr>
-            <a:r>
-              <a:rPr lang="en-US" altLang="ko-KR" dirty="0"/>
-              <a:t>Memory Efficiency : Scriptable Object don’t need to be attached to Game Object. It reference the memory rather than copying which reduce overhead. </a:t>
-            </a:r>
-          </a:p>
-          <a:p>
-            <a:pPr marL="0" indent="0">
-              <a:buNone/>
-            </a:pPr>
-            <a:r>
-              <a:rPr lang="en-US" altLang="ko-KR" dirty="0"/>
-              <a:t>Immutability : The data doesn’t change nor reset the value.</a:t>
+              <a:t>Immutability : The data doesn’t change nor reset the value. So use the data that the value doesn’t change throughout the game. (It’s not used for player character! )</a:t>
             </a:r>
           </a:p>
           <a:p>
@@ -9329,7 +9278,7 @@
     </p:spTree>
     <p:extLst>
       <p:ext uri="{BB962C8B-B14F-4D97-AF65-F5344CB8AC3E}">
-        <p14:creationId xmlns:p14="http://schemas.microsoft.com/office/powerpoint/2010/main" val="4104786626"/>
+        <p14:creationId xmlns:p14="http://schemas.microsoft.com/office/powerpoint/2010/main" val="3516388140"/>
       </p:ext>
     </p:extLst>
   </p:cSld>
@@ -10131,6 +10080,15 @@
 </file>
 
 <file path=customXml/item1.xml><?xml version="1.0" encoding="utf-8"?>
+<?mso-contentType ?>
+<FormTemplates xmlns="http://schemas.microsoft.com/sharepoint/v3/contenttype/forms">
+  <Display>DocumentLibraryForm</Display>
+  <Edit>AssetEditForm</Edit>
+  <New>DocumentLibraryForm</New>
+</FormTemplates>
+</file>
+
+<file path=customXml/item2.xml><?xml version="1.0" encoding="utf-8"?>
 <p:properties xmlns:p="http://schemas.microsoft.com/office/2006/metadata/properties" xmlns:xsi="http://www.w3.org/2001/XMLSchema-instance" xmlns:pc="http://schemas.microsoft.com/office/infopath/2007/PartnerControls">
   <documentManagement>
     <DirectSourceMarket xmlns="4873beb7-5857-4685-be1f-d57550cc96cc" xsi:nil="true"/>
@@ -10255,15 +10213,6 @@
     <LocMarketGroupTiers2 xmlns="4873beb7-5857-4685-be1f-d57550cc96cc" xsi:nil="true"/>
   </documentManagement>
 </p:properties>
-</file>
-
-<file path=customXml/item2.xml><?xml version="1.0" encoding="utf-8"?>
-<?mso-contentType ?>
-<FormTemplates xmlns="http://schemas.microsoft.com/sharepoint/v3/contenttype/forms">
-  <Display>DocumentLibraryForm</Display>
-  <Edit>AssetEditForm</Edit>
-  <New>DocumentLibraryForm</New>
-</FormTemplates>
 </file>
 
 <file path=customXml/item3.xml><?xml version="1.0" encoding="utf-8"?>
@@ -11307,6 +11256,14 @@
 </file>
 
 <file path=customXml/itemProps1.xml><?xml version="1.0" encoding="utf-8"?>
+<ds:datastoreItem xmlns:ds="http://schemas.openxmlformats.org/officeDocument/2006/customXml" ds:itemID="{74228E6B-D70C-44BB-A81F-A245495F612B}">
+  <ds:schemaRefs>
+    <ds:schemaRef ds:uri="http://schemas.microsoft.com/sharepoint/v3/contenttype/forms"/>
+  </ds:schemaRefs>
+</ds:datastoreItem>
+</file>
+
+<file path=customXml/itemProps2.xml><?xml version="1.0" encoding="utf-8"?>
 <ds:datastoreItem xmlns:ds="http://schemas.openxmlformats.org/officeDocument/2006/customXml" ds:itemID="{00E41224-0370-4595-877C-23316CD80004}">
   <ds:schemaRefs>
     <ds:schemaRef ds:uri="http://purl.org/dc/terms/"/>
@@ -11318,14 +11275,6 @@
     <ds:schemaRef ds:uri="http://schemas.microsoft.com/office/infopath/2007/PartnerControls"/>
     <ds:schemaRef ds:uri="http://www.w3.org/XML/1998/namespace"/>
     <ds:schemaRef ds:uri="http://purl.org/dc/dcmitype/"/>
-  </ds:schemaRefs>
-</ds:datastoreItem>
-</file>
-
-<file path=customXml/itemProps2.xml><?xml version="1.0" encoding="utf-8"?>
-<ds:datastoreItem xmlns:ds="http://schemas.openxmlformats.org/officeDocument/2006/customXml" ds:itemID="{74228E6B-D70C-44BB-A81F-A245495F612B}">
-  <ds:schemaRefs>
-    <ds:schemaRef ds:uri="http://schemas.microsoft.com/sharepoint/v3/contenttype/forms"/>
   </ds:schemaRefs>
 </ds:datastoreItem>
 </file>
